--- a/Tutorial-2018-INDIN/Clava-Tutorial.pptx
+++ b/Tutorial-2018-INDIN/Clava-Tutorial.pptx
@@ -5,7 +5,7 @@
     <p:sldMasterId id="2147483684" r:id="rId1"/>
   </p:sldMasterIdLst>
   <p:notesMasterIdLst>
-    <p:notesMasterId r:id="rId30"/>
+    <p:notesMasterId r:id="rId25"/>
   </p:notesMasterIdLst>
   <p:sldIdLst>
     <p:sldId id="256" r:id="rId2"/>
@@ -19,23 +19,18 @@
     <p:sldId id="460" r:id="rId10"/>
     <p:sldId id="461" r:id="rId11"/>
     <p:sldId id="459" r:id="rId12"/>
-    <p:sldId id="463" r:id="rId13"/>
+    <p:sldId id="466" r:id="rId13"/>
     <p:sldId id="465" r:id="rId14"/>
-    <p:sldId id="466" r:id="rId15"/>
-    <p:sldId id="467" r:id="rId16"/>
-    <p:sldId id="468" r:id="rId17"/>
-    <p:sldId id="469" r:id="rId18"/>
-    <p:sldId id="470" r:id="rId19"/>
-    <p:sldId id="474" r:id="rId20"/>
-    <p:sldId id="476" r:id="rId21"/>
-    <p:sldId id="472" r:id="rId22"/>
-    <p:sldId id="473" r:id="rId23"/>
-    <p:sldId id="471" r:id="rId24"/>
-    <p:sldId id="462" r:id="rId25"/>
-    <p:sldId id="430" r:id="rId26"/>
-    <p:sldId id="445" r:id="rId27"/>
-    <p:sldId id="444" r:id="rId28"/>
-    <p:sldId id="424" r:id="rId29"/>
+    <p:sldId id="467" r:id="rId15"/>
+    <p:sldId id="468" r:id="rId16"/>
+    <p:sldId id="469" r:id="rId17"/>
+    <p:sldId id="470" r:id="rId18"/>
+    <p:sldId id="471" r:id="rId19"/>
+    <p:sldId id="462" r:id="rId20"/>
+    <p:sldId id="430" r:id="rId21"/>
+    <p:sldId id="445" r:id="rId22"/>
+    <p:sldId id="444" r:id="rId23"/>
+    <p:sldId id="424" r:id="rId24"/>
   </p:sldIdLst>
   <p:sldSz cx="9144000" cy="5143500" type="screen16x9"/>
   <p:notesSz cx="6858000" cy="9144000"/>
@@ -150,17 +145,12 @@
             <p14:sldId id="460"/>
             <p14:sldId id="461"/>
             <p14:sldId id="459"/>
-            <p14:sldId id="463"/>
+            <p14:sldId id="466"/>
             <p14:sldId id="465"/>
-            <p14:sldId id="466"/>
             <p14:sldId id="467"/>
             <p14:sldId id="468"/>
             <p14:sldId id="469"/>
             <p14:sldId id="470"/>
-            <p14:sldId id="474"/>
-            <p14:sldId id="476"/>
-            <p14:sldId id="472"/>
-            <p14:sldId id="473"/>
             <p14:sldId id="471"/>
             <p14:sldId id="462"/>
             <p14:sldId id="430"/>
@@ -279,7 +269,7 @@
           <a:p>
             <a:fld id="{66AE5350-AC3F-450D-9BE8-FD18FF5D5C25}" type="datetimeFigureOut">
               <a:rPr lang="pt-PT" smtClean="0"/>
-              <a:t>14/05/2018</a:t>
+              <a:t>17/07/2018</a:t>
             </a:fld>
             <a:endParaRPr lang="pt-PT"/>
           </a:p>
@@ -676,16 +666,18 @@
           <a:lstStyle/>
           <a:p>
             <a:r>
-              <a:rPr lang="en-US" sz="900" b="1" dirty="0" smtClean="0"/>
-              <a:t>importing other </a:t>
-            </a:r>
-            <a:r>
-              <a:rPr lang="en-US" sz="900" b="1" dirty="0" err="1" smtClean="0"/>
-              <a:t>lara</a:t>
-            </a:r>
-            <a:r>
-              <a:rPr lang="en-US" sz="900" b="1" dirty="0" smtClean="0"/>
-              <a:t> files allows the </a:t>
+              <a:rPr lang="en-US" dirty="0" smtClean="0"/>
+              <a:t>NOTE: printing the report uses</a:t>
+            </a:r>
+            <a:r>
+              <a:rPr lang="en-US" baseline="0" dirty="0" smtClean="0"/>
+              <a:t> JS, mention how JS can help in aspects</a:t>
+            </a:r>
+          </a:p>
+          <a:p>
+            <a:r>
+              <a:rPr lang="en-US" baseline="0" dirty="0" smtClean="0"/>
+              <a:t>NOTE: explain how this could be extended with other points and attributes and segue into the specs docs</a:t>
             </a:r>
             <a:endParaRPr lang="en-US" dirty="0"/>
           </a:p>
@@ -708,7 +700,7 @@
           <a:p>
             <a:fld id="{D1162CF4-3569-435E-B63C-806161BC9797}" type="slidenum">
               <a:rPr lang="pt-PT" smtClean="0"/>
-              <a:t>18</a:t>
+              <a:t>13</a:t>
             </a:fld>
             <a:endParaRPr lang="pt-PT"/>
           </a:p>
@@ -717,7 +709,7 @@
     </p:spTree>
     <p:extLst>
       <p:ext uri="{BB962C8B-B14F-4D97-AF65-F5344CB8AC3E}">
-        <p14:creationId xmlns:p14="http://schemas.microsoft.com/office/powerpoint/2010/main" val="1584898633"/>
+        <p14:creationId xmlns:p14="http://schemas.microsoft.com/office/powerpoint/2010/main" val="2308971581"/>
       </p:ext>
     </p:extLst>
   </p:cSld>
@@ -773,52 +765,26 @@
           <a:p>
             <a:r>
               <a:rPr lang="en-US" dirty="0" smtClean="0"/>
-              <a:t>Our</a:t>
-            </a:r>
-            <a:r>
-              <a:rPr lang="en-US" baseline="0" dirty="0" smtClean="0"/>
-              <a:t> approach also features an </a:t>
-            </a:r>
-            <a:r>
-              <a:rPr lang="en-US" baseline="0" dirty="0" err="1" smtClean="0"/>
-              <a:t>autotuning</a:t>
-            </a:r>
-            <a:r>
-              <a:rPr lang="en-US" baseline="0" dirty="0" smtClean="0"/>
-              <a:t> mechanism that uses all the techniques I have specified.</a:t>
-            </a:r>
-          </a:p>
-          <a:p>
-            <a:endParaRPr lang="en-US" baseline="0" dirty="0" smtClean="0"/>
+              <a:t>NOTE: present the first use of actions, insert and </a:t>
+            </a:r>
+            <a:r>
+              <a:rPr lang="en-US" dirty="0" err="1" smtClean="0"/>
+              <a:t>addInclude</a:t>
+            </a:r>
+            <a:endParaRPr lang="en-US" dirty="0" smtClean="0"/>
           </a:p>
           <a:p>
             <a:r>
               <a:rPr lang="en-US" dirty="0" smtClean="0"/>
-              <a:t>The </a:t>
+              <a:t>NOTE: present and explain </a:t>
             </a:r>
             <a:r>
               <a:rPr lang="en-US" dirty="0" err="1" smtClean="0"/>
-              <a:t>autotuner</a:t>
+              <a:t>codedef</a:t>
             </a:r>
             <a:r>
               <a:rPr lang="en-US" dirty="0" smtClean="0"/>
-              <a:t> allows the management of a list of candidate algorithms/versions that we specify. And the </a:t>
-            </a:r>
-            <a:r>
-              <a:rPr lang="en-US" dirty="0" err="1" smtClean="0"/>
-              <a:t>autotuner</a:t>
-            </a:r>
-            <a:r>
-              <a:rPr lang="en-US" dirty="0" smtClean="0"/>
-              <a:t> will provide,</a:t>
-            </a:r>
-            <a:r>
-              <a:rPr lang="en-US" baseline="0" dirty="0" smtClean="0"/>
-              <a:t> at runtime,</a:t>
-            </a:r>
-            <a:r>
-              <a:rPr lang="en-US" dirty="0" smtClean="0"/>
-              <a:t> new versions to the application to execute while the application will feedback measurements. We also have to specify the</a:t>
+              <a:t> and it’s advantages: robustness,</a:t>
             </a:r>
             <a:r>
               <a:rPr lang="en-US" baseline="0" dirty="0" smtClean="0"/>
@@ -826,155 +792,9 @@
             </a:r>
             <a:r>
               <a:rPr lang="en-US" dirty="0" smtClean="0"/>
-              <a:t>type of monitor to use and the locations where adaptation, measurement and update should occur. </a:t>
-            </a:r>
-          </a:p>
-          <a:p>
-            <a:endParaRPr lang="en-US" dirty="0" smtClean="0"/>
-          </a:p>
-          <a:p>
-            <a:r>
-              <a:rPr lang="en-US" dirty="0" smtClean="0"/>
-              <a:t>Here we can use select</a:t>
-            </a:r>
-            <a:r>
-              <a:rPr lang="en-US" baseline="0" dirty="0" smtClean="0"/>
-              <a:t>ion of algorithms, mixed with algorithms that require knob configurations and generative algorithms.</a:t>
-            </a:r>
-          </a:p>
-          <a:p>
-            <a:endParaRPr lang="en-US" baseline="0" dirty="0" smtClean="0"/>
-          </a:p>
-          <a:p>
-            <a:r>
-              <a:rPr lang="en-US" dirty="0" smtClean="0"/>
-              <a:t>The application requests a version from the </a:t>
-            </a:r>
-            <a:r>
-              <a:rPr lang="en-US" dirty="0" err="1" smtClean="0"/>
-              <a:t>Autotuner</a:t>
-            </a:r>
-            <a:r>
-              <a:rPr lang="en-US" dirty="0" smtClean="0"/>
-              <a:t> via the update method (1). </a:t>
-            </a:r>
-          </a:p>
-          <a:p>
-            <a:r>
-              <a:rPr lang="en-US" dirty="0" smtClean="0"/>
-              <a:t>The Version Manager keeps a channel with the generated versions and the best performing algorithm, and is responsible to update the adaptation point based</a:t>
-            </a:r>
-            <a:r>
-              <a:rPr lang="en-US" baseline="0" dirty="0" smtClean="0"/>
-              <a:t> on the mode in which is executing </a:t>
-            </a:r>
-            <a:r>
-              <a:rPr lang="en-US" dirty="0" smtClean="0"/>
-              <a:t>(2).</a:t>
-            </a:r>
-          </a:p>
-          <a:p>
-            <a:r>
-              <a:rPr lang="en-US" dirty="0" smtClean="0"/>
-              <a:t>The application feedbacks measurements to the </a:t>
-            </a:r>
-            <a:r>
-              <a:rPr lang="en-US" dirty="0" err="1" smtClean="0"/>
-              <a:t>Autotuner</a:t>
-            </a:r>
-            <a:r>
-              <a:rPr lang="en-US" dirty="0" smtClean="0"/>
-              <a:t> via its measurements channel (3). </a:t>
-            </a:r>
-          </a:p>
-          <a:p>
-            <a:r>
-              <a:rPr lang="en-US" dirty="0" smtClean="0"/>
-              <a:t>The measurements are analyzed (4) to decide if the explored version is better than the current best version (5). </a:t>
-            </a:r>
-          </a:p>
-          <a:p>
-            <a:r>
-              <a:rPr lang="en-US" dirty="0" smtClean="0"/>
-              <a:t>Finally, the </a:t>
-            </a:r>
-            <a:r>
-              <a:rPr lang="en-US" dirty="0" err="1" smtClean="0"/>
-              <a:t>Autotuner</a:t>
-            </a:r>
-            <a:r>
-              <a:rPr lang="en-US" dirty="0" smtClean="0"/>
-              <a:t> requests the </a:t>
-            </a:r>
-            <a:r>
-              <a:rPr lang="en-US" dirty="0" err="1" smtClean="0"/>
-              <a:t>Configurer</a:t>
-            </a:r>
-            <a:r>
-              <a:rPr lang="en-US" dirty="0" smtClean="0"/>
-              <a:t> for new versions (6), which are dispatched to the versions channel (7).</a:t>
-            </a:r>
-          </a:p>
-          <a:p>
-            <a:endParaRPr lang="en-US" dirty="0" smtClean="0"/>
-          </a:p>
-          <a:p>
-            <a:r>
-              <a:rPr lang="en-US" dirty="0" smtClean="0"/>
-              <a:t>Modes</a:t>
-            </a:r>
-          </a:p>
-          <a:p>
-            <a:pPr lvl="1"/>
-            <a:r>
-              <a:rPr lang="en-US" b="1" dirty="0" smtClean="0"/>
-              <a:t>Exploration</a:t>
-            </a:r>
-            <a:r>
-              <a:rPr lang="en-US" dirty="0" smtClean="0"/>
-              <a:t>: provides new versions to explore while waiting for new measurements for those versions</a:t>
-            </a:r>
-          </a:p>
-          <a:p>
-            <a:pPr lvl="1"/>
-            <a:r>
-              <a:rPr lang="en-US" b="1" dirty="0" smtClean="0"/>
-              <a:t>Best</a:t>
-            </a:r>
-            <a:r>
-              <a:rPr lang="en-US" dirty="0" smtClean="0"/>
-              <a:t>: selects the best performing version based on the measurements. </a:t>
-            </a:r>
-          </a:p>
-          <a:p>
-            <a:endParaRPr lang="en-US" dirty="0" smtClean="0"/>
-          </a:p>
-          <a:p>
-            <a:pPr marL="0" marR="0" lvl="1" indent="0" algn="l" defTabSz="685800" rtl="0" eaLnBrk="1" fontAlgn="auto" latinLnBrk="0" hangingPunct="1">
-              <a:lnSpc>
-                <a:spcPct val="100000"/>
-              </a:lnSpc>
-              <a:spcBef>
-                <a:spcPts val="0"/>
-              </a:spcBef>
-              <a:spcAft>
-                <a:spcPts val="0"/>
-              </a:spcAft>
-              <a:buClrTx/>
-              <a:buSzTx/>
-              <a:buFontTx/>
-              <a:buNone/>
-              <a:tabLst/>
-              <a:defRPr/>
-            </a:pPr>
-            <a:r>
-              <a:rPr lang="en-US" dirty="0" smtClean="0"/>
-              <a:t>manage multiple explorations</a:t>
-            </a:r>
-            <a:endParaRPr lang="en-US" noProof="0" dirty="0" smtClean="0"/>
-          </a:p>
-          <a:p>
-            <a:endParaRPr lang="en-US" dirty="0" smtClean="0"/>
+              <a:t>reuse, efficiency</a:t>
+            </a:r>
+            <a:endParaRPr lang="en-US" dirty="0"/>
           </a:p>
         </p:txBody>
       </p:sp>
@@ -993,18 +813,18 @@
           <a:bodyPr/>
           <a:lstStyle/>
           <a:p>
-            <a:fld id="{7E767B89-D25C-4EAF-982E-BC62F6F5CDEC}" type="slidenum">
-              <a:rPr lang="en-US" smtClean="0"/>
-              <a:t>21</a:t>
+            <a:fld id="{D1162CF4-3569-435E-B63C-806161BC9797}" type="slidenum">
+              <a:rPr lang="pt-PT" smtClean="0"/>
+              <a:t>14</a:t>
             </a:fld>
-            <a:endParaRPr lang="en-US"/>
+            <a:endParaRPr lang="pt-PT"/>
           </a:p>
         </p:txBody>
       </p:sp>
     </p:spTree>
     <p:extLst>
       <p:ext uri="{BB962C8B-B14F-4D97-AF65-F5344CB8AC3E}">
-        <p14:creationId xmlns:p14="http://schemas.microsoft.com/office/powerpoint/2010/main" val="3762052410"/>
+        <p14:creationId xmlns:p14="http://schemas.microsoft.com/office/powerpoint/2010/main" val="423578180"/>
       </p:ext>
     </p:extLst>
   </p:cSld>
@@ -1060,181 +880,9 @@
           <a:p>
             <a:r>
               <a:rPr lang="en-US" dirty="0" smtClean="0"/>
-              <a:t>Our</a:t>
-            </a:r>
-            <a:r>
-              <a:rPr lang="en-US" baseline="0" dirty="0" smtClean="0"/>
-              <a:t> approach also features an </a:t>
-            </a:r>
-            <a:r>
-              <a:rPr lang="en-US" baseline="0" dirty="0" err="1" smtClean="0"/>
-              <a:t>autotuning</a:t>
-            </a:r>
-            <a:r>
-              <a:rPr lang="en-US" baseline="0" dirty="0" smtClean="0"/>
-              <a:t> mechanism that uses all the techniques I have specified.</a:t>
-            </a:r>
-          </a:p>
-          <a:p>
-            <a:endParaRPr lang="en-US" baseline="0" dirty="0" smtClean="0"/>
-          </a:p>
-          <a:p>
-            <a:r>
-              <a:rPr lang="en-US" dirty="0" smtClean="0"/>
-              <a:t>The </a:t>
-            </a:r>
-            <a:r>
-              <a:rPr lang="en-US" dirty="0" err="1" smtClean="0"/>
-              <a:t>autotuner</a:t>
-            </a:r>
-            <a:r>
-              <a:rPr lang="en-US" dirty="0" smtClean="0"/>
-              <a:t> allows the management of a list of candidate algorithms/versions that we specify. And the </a:t>
-            </a:r>
-            <a:r>
-              <a:rPr lang="en-US" dirty="0" err="1" smtClean="0"/>
-              <a:t>autotuner</a:t>
-            </a:r>
-            <a:r>
-              <a:rPr lang="en-US" dirty="0" smtClean="0"/>
-              <a:t> will provide,</a:t>
-            </a:r>
-            <a:r>
-              <a:rPr lang="en-US" baseline="0" dirty="0" smtClean="0"/>
-              <a:t> at runtime,</a:t>
-            </a:r>
-            <a:r>
-              <a:rPr lang="en-US" dirty="0" smtClean="0"/>
-              <a:t> new versions to the application to execute while the application will feedback measurements. We also have to specify the</a:t>
-            </a:r>
-            <a:r>
-              <a:rPr lang="en-US" baseline="0" dirty="0" smtClean="0"/>
-              <a:t> </a:t>
-            </a:r>
-            <a:r>
-              <a:rPr lang="en-US" dirty="0" smtClean="0"/>
-              <a:t>type of monitor to use and the locations where adaptation, measurement and update should occur. </a:t>
-            </a:r>
-          </a:p>
-          <a:p>
-            <a:endParaRPr lang="en-US" dirty="0" smtClean="0"/>
-          </a:p>
-          <a:p>
-            <a:r>
-              <a:rPr lang="en-US" dirty="0" smtClean="0"/>
-              <a:t>Here we can use select</a:t>
-            </a:r>
-            <a:r>
-              <a:rPr lang="en-US" baseline="0" dirty="0" smtClean="0"/>
-              <a:t>ion of algorithms, mixed with algorithms that require knob configurations and generative algorithms.</a:t>
-            </a:r>
-          </a:p>
-          <a:p>
-            <a:endParaRPr lang="en-US" baseline="0" dirty="0" smtClean="0"/>
-          </a:p>
-          <a:p>
-            <a:r>
-              <a:rPr lang="en-US" dirty="0" smtClean="0"/>
-              <a:t>The application requests a version from the </a:t>
-            </a:r>
-            <a:r>
-              <a:rPr lang="en-US" dirty="0" err="1" smtClean="0"/>
-              <a:t>Autotuner</a:t>
-            </a:r>
-            <a:r>
-              <a:rPr lang="en-US" dirty="0" smtClean="0"/>
-              <a:t> via the update method (1). </a:t>
-            </a:r>
-          </a:p>
-          <a:p>
-            <a:r>
-              <a:rPr lang="en-US" dirty="0" smtClean="0"/>
-              <a:t>The Version Manager keeps a channel with the generated versions and the best performing algorithm, and is responsible to update the adaptation point based</a:t>
-            </a:r>
-            <a:r>
-              <a:rPr lang="en-US" baseline="0" dirty="0" smtClean="0"/>
-              <a:t> on the mode in which is executing </a:t>
-            </a:r>
-            <a:r>
-              <a:rPr lang="en-US" dirty="0" smtClean="0"/>
-              <a:t>(2).</a:t>
-            </a:r>
-          </a:p>
-          <a:p>
-            <a:r>
-              <a:rPr lang="en-US" dirty="0" smtClean="0"/>
-              <a:t>The application feedbacks measurements to the </a:t>
-            </a:r>
-            <a:r>
-              <a:rPr lang="en-US" dirty="0" err="1" smtClean="0"/>
-              <a:t>Autotuner</a:t>
-            </a:r>
-            <a:r>
-              <a:rPr lang="en-US" dirty="0" smtClean="0"/>
-              <a:t> via its measurements channel (3). </a:t>
-            </a:r>
-          </a:p>
-          <a:p>
-            <a:r>
-              <a:rPr lang="en-US" dirty="0" smtClean="0"/>
-              <a:t>The measurements are analyzed (4) to decide if the explored version is better than the current best version (5). </a:t>
-            </a:r>
-          </a:p>
-          <a:p>
-            <a:r>
-              <a:rPr lang="en-US" dirty="0" smtClean="0"/>
-              <a:t>Finally, the </a:t>
-            </a:r>
-            <a:r>
-              <a:rPr lang="en-US" dirty="0" err="1" smtClean="0"/>
-              <a:t>Autotuner</a:t>
-            </a:r>
-            <a:r>
-              <a:rPr lang="en-US" dirty="0" smtClean="0"/>
-              <a:t> requests the </a:t>
-            </a:r>
-            <a:r>
-              <a:rPr lang="en-US" dirty="0" err="1" smtClean="0"/>
-              <a:t>Configurer</a:t>
-            </a:r>
-            <a:r>
-              <a:rPr lang="en-US" dirty="0" smtClean="0"/>
-              <a:t> for new versions (6), which are dispatched to the versions channel (7).</a:t>
-            </a:r>
-          </a:p>
-          <a:p>
-            <a:endParaRPr lang="en-US" dirty="0" smtClean="0"/>
-          </a:p>
-          <a:p>
-            <a:r>
-              <a:rPr lang="en-US" dirty="0" smtClean="0"/>
-              <a:t>Modes</a:t>
-            </a:r>
-          </a:p>
-          <a:p>
-            <a:pPr lvl="1"/>
-            <a:r>
-              <a:rPr lang="en-US" b="1" dirty="0" smtClean="0"/>
-              <a:t>Exploration</a:t>
-            </a:r>
-            <a:r>
-              <a:rPr lang="en-US" dirty="0" smtClean="0"/>
-              <a:t>: provides new versions to explore while waiting for new measurements for those versions</a:t>
-            </a:r>
-          </a:p>
-          <a:p>
-            <a:pPr lvl="1"/>
-            <a:r>
-              <a:rPr lang="en-US" b="1" dirty="0" smtClean="0"/>
-              <a:t>Best</a:t>
-            </a:r>
-            <a:r>
-              <a:rPr lang="en-US" dirty="0" smtClean="0"/>
-              <a:t>: selects the best performing version based on the measurements. </a:t>
-            </a:r>
-          </a:p>
-          <a:p>
-            <a:endParaRPr lang="en-US" dirty="0" smtClean="0"/>
+              <a:t>NOTE: segue into APIs at the end</a:t>
+            </a:r>
+            <a:endParaRPr lang="en-US" dirty="0"/>
           </a:p>
         </p:txBody>
       </p:sp>
@@ -1253,18 +901,360 @@
           <a:bodyPr/>
           <a:lstStyle/>
           <a:p>
-            <a:fld id="{7E767B89-D25C-4EAF-982E-BC62F6F5CDEC}" type="slidenum">
-              <a:rPr lang="en-US" smtClean="0"/>
-              <a:t>22</a:t>
+            <a:fld id="{D1162CF4-3569-435E-B63C-806161BC9797}" type="slidenum">
+              <a:rPr lang="pt-PT" smtClean="0"/>
+              <a:t>15</a:t>
             </a:fld>
-            <a:endParaRPr lang="en-US"/>
+            <a:endParaRPr lang="pt-PT"/>
           </a:p>
         </p:txBody>
       </p:sp>
     </p:spTree>
     <p:extLst>
       <p:ext uri="{BB962C8B-B14F-4D97-AF65-F5344CB8AC3E}">
-        <p14:creationId xmlns:p14="http://schemas.microsoft.com/office/powerpoint/2010/main" val="2894550182"/>
+        <p14:creationId xmlns:p14="http://schemas.microsoft.com/office/powerpoint/2010/main" val="773606197"/>
+      </p:ext>
+    </p:extLst>
+  </p:cSld>
+  <p:clrMapOvr>
+    <a:masterClrMapping/>
+  </p:clrMapOvr>
+</p:notes>
+</file>
+
+<file path=ppt/notesSlides/notesSlide13.xml><?xml version="1.0" encoding="utf-8"?>
+<p:notes xmlns:a="http://schemas.openxmlformats.org/drawingml/2006/main" xmlns:r="http://schemas.openxmlformats.org/officeDocument/2006/relationships" xmlns:p="http://schemas.openxmlformats.org/presentationml/2006/main">
+  <p:cSld>
+    <p:spTree>
+      <p:nvGrpSpPr>
+        <p:cNvPr id="1" name=""/>
+        <p:cNvGrpSpPr/>
+        <p:nvPr/>
+      </p:nvGrpSpPr>
+      <p:grpSpPr>
+        <a:xfrm>
+          <a:off x="0" y="0"/>
+          <a:ext cx="0" cy="0"/>
+          <a:chOff x="0" y="0"/>
+          <a:chExt cx="0" cy="0"/>
+        </a:xfrm>
+      </p:grpSpPr>
+      <p:sp>
+        <p:nvSpPr>
+          <p:cNvPr id="2" name="Slide Image Placeholder 1"/>
+          <p:cNvSpPr>
+            <a:spLocks noGrp="1" noRot="1" noChangeAspect="1"/>
+          </p:cNvSpPr>
+          <p:nvPr>
+            <p:ph type="sldImg"/>
+          </p:nvPr>
+        </p:nvSpPr>
+        <p:spPr/>
+      </p:sp>
+      <p:sp>
+        <p:nvSpPr>
+          <p:cNvPr id="3" name="Notes Placeholder 2"/>
+          <p:cNvSpPr>
+            <a:spLocks noGrp="1"/>
+          </p:cNvSpPr>
+          <p:nvPr>
+            <p:ph type="body" idx="1"/>
+          </p:nvPr>
+        </p:nvSpPr>
+        <p:spPr/>
+        <p:txBody>
+          <a:bodyPr/>
+          <a:lstStyle/>
+          <a:p>
+            <a:r>
+              <a:rPr lang="en-US" dirty="0" smtClean="0"/>
+              <a:t>NOTE: </a:t>
+            </a:r>
+            <a:r>
+              <a:rPr lang="en-US" dirty="0" smtClean="0"/>
+              <a:t>explain that the first part of the example is the same</a:t>
+            </a:r>
+          </a:p>
+          <a:p>
+            <a:r>
+              <a:rPr lang="en-US" dirty="0" smtClean="0"/>
+              <a:t>NOTE: explain imports (user and Clava)</a:t>
+            </a:r>
+          </a:p>
+          <a:p>
+            <a:r>
+              <a:rPr lang="en-US" dirty="0" smtClean="0"/>
+              <a:t>NOTE:</a:t>
+            </a:r>
+            <a:r>
+              <a:rPr lang="en-US" baseline="0" dirty="0" smtClean="0"/>
+              <a:t> </a:t>
+            </a:r>
+            <a:r>
+              <a:rPr lang="en-US" dirty="0" smtClean="0"/>
+              <a:t>introduce Clava APIs (explain the idea is to declare your intentions, not to specify how to do them: multi-</a:t>
+            </a:r>
+            <a:r>
+              <a:rPr lang="en-US" dirty="0" err="1" smtClean="0"/>
+              <a:t>lang</a:t>
+            </a:r>
+            <a:r>
+              <a:rPr lang="en-US" dirty="0" smtClean="0"/>
+              <a:t> and multi-implementation)</a:t>
+            </a:r>
+          </a:p>
+          <a:p>
+            <a:r>
+              <a:rPr lang="en-US" dirty="0" smtClean="0"/>
+              <a:t>NOTE: introduce and show Clava Docs</a:t>
+            </a:r>
+            <a:endParaRPr lang="en-US" dirty="0"/>
+          </a:p>
+        </p:txBody>
+      </p:sp>
+      <p:sp>
+        <p:nvSpPr>
+          <p:cNvPr id="4" name="Slide Number Placeholder 3"/>
+          <p:cNvSpPr>
+            <a:spLocks noGrp="1"/>
+          </p:cNvSpPr>
+          <p:nvPr>
+            <p:ph type="sldNum" sz="quarter" idx="10"/>
+          </p:nvPr>
+        </p:nvSpPr>
+        <p:spPr/>
+        <p:txBody>
+          <a:bodyPr/>
+          <a:lstStyle/>
+          <a:p>
+            <a:fld id="{D1162CF4-3569-435E-B63C-806161BC9797}" type="slidenum">
+              <a:rPr lang="pt-PT" smtClean="0"/>
+              <a:t>16</a:t>
+            </a:fld>
+            <a:endParaRPr lang="pt-PT"/>
+          </a:p>
+        </p:txBody>
+      </p:sp>
+    </p:spTree>
+    <p:extLst>
+      <p:ext uri="{BB962C8B-B14F-4D97-AF65-F5344CB8AC3E}">
+        <p14:creationId xmlns:p14="http://schemas.microsoft.com/office/powerpoint/2010/main" val="274869651"/>
+      </p:ext>
+    </p:extLst>
+  </p:cSld>
+  <p:clrMapOvr>
+    <a:masterClrMapping/>
+  </p:clrMapOvr>
+</p:notes>
+</file>
+
+<file path=ppt/notesSlides/notesSlide14.xml><?xml version="1.0" encoding="utf-8"?>
+<p:notes xmlns:a="http://schemas.openxmlformats.org/drawingml/2006/main" xmlns:r="http://schemas.openxmlformats.org/officeDocument/2006/relationships" xmlns:p="http://schemas.openxmlformats.org/presentationml/2006/main">
+  <p:cSld>
+    <p:spTree>
+      <p:nvGrpSpPr>
+        <p:cNvPr id="1" name=""/>
+        <p:cNvGrpSpPr/>
+        <p:nvPr/>
+      </p:nvGrpSpPr>
+      <p:grpSpPr>
+        <a:xfrm>
+          <a:off x="0" y="0"/>
+          <a:ext cx="0" cy="0"/>
+          <a:chOff x="0" y="0"/>
+          <a:chExt cx="0" cy="0"/>
+        </a:xfrm>
+      </p:grpSpPr>
+      <p:sp>
+        <p:nvSpPr>
+          <p:cNvPr id="2" name="Slide Image Placeholder 1"/>
+          <p:cNvSpPr>
+            <a:spLocks noGrp="1" noRot="1" noChangeAspect="1"/>
+          </p:cNvSpPr>
+          <p:nvPr>
+            <p:ph type="sldImg"/>
+          </p:nvPr>
+        </p:nvSpPr>
+        <p:spPr/>
+      </p:sp>
+      <p:sp>
+        <p:nvSpPr>
+          <p:cNvPr id="3" name="Notes Placeholder 2"/>
+          <p:cNvSpPr>
+            <a:spLocks noGrp="1"/>
+          </p:cNvSpPr>
+          <p:nvPr>
+            <p:ph type="body" idx="1"/>
+          </p:nvPr>
+        </p:nvSpPr>
+        <p:spPr/>
+        <p:txBody>
+          <a:bodyPr/>
+          <a:lstStyle/>
+          <a:p>
+            <a:r>
+              <a:rPr lang="en-US" dirty="0" smtClean="0"/>
+              <a:t>NOTE: API allows us to abstract from target language, show C and C++ generated code</a:t>
+            </a:r>
+          </a:p>
+          <a:p>
+            <a:r>
+              <a:rPr lang="en-US" dirty="0" smtClean="0"/>
+              <a:t>NOTE: show that </a:t>
+            </a:r>
+            <a:r>
+              <a:rPr lang="en-US" dirty="0" err="1" smtClean="0"/>
+              <a:t>rapl</a:t>
+            </a:r>
+            <a:r>
+              <a:rPr lang="en-US" dirty="0" smtClean="0"/>
+              <a:t> header was included automatically and explain the API that performs this</a:t>
+            </a:r>
+          </a:p>
+          <a:p>
+            <a:r>
+              <a:rPr lang="en-US" dirty="0" smtClean="0"/>
+              <a:t>NOTE: mention the extreme multi-</a:t>
+            </a:r>
+            <a:r>
+              <a:rPr lang="en-US" dirty="0" err="1" smtClean="0"/>
+              <a:t>lang</a:t>
+            </a:r>
+            <a:r>
+              <a:rPr lang="en-US" dirty="0" smtClean="0"/>
+              <a:t> case where this exact aspect can be used in Java (got to </a:t>
+            </a:r>
+            <a:r>
+              <a:rPr lang="en-US" dirty="0" err="1" smtClean="0"/>
+              <a:t>Kadabra</a:t>
+            </a:r>
+            <a:r>
+              <a:rPr lang="en-US" dirty="0" smtClean="0"/>
+              <a:t>)</a:t>
+            </a:r>
+            <a:endParaRPr lang="en-US" dirty="0"/>
+          </a:p>
+        </p:txBody>
+      </p:sp>
+      <p:sp>
+        <p:nvSpPr>
+          <p:cNvPr id="4" name="Slide Number Placeholder 3"/>
+          <p:cNvSpPr>
+            <a:spLocks noGrp="1"/>
+          </p:cNvSpPr>
+          <p:nvPr>
+            <p:ph type="sldNum" sz="quarter" idx="10"/>
+          </p:nvPr>
+        </p:nvSpPr>
+        <p:spPr/>
+        <p:txBody>
+          <a:bodyPr/>
+          <a:lstStyle/>
+          <a:p>
+            <a:fld id="{D1162CF4-3569-435E-B63C-806161BC9797}" type="slidenum">
+              <a:rPr lang="pt-PT" smtClean="0"/>
+              <a:t>17</a:t>
+            </a:fld>
+            <a:endParaRPr lang="pt-PT"/>
+          </a:p>
+        </p:txBody>
+      </p:sp>
+    </p:spTree>
+    <p:extLst>
+      <p:ext uri="{BB962C8B-B14F-4D97-AF65-F5344CB8AC3E}">
+        <p14:creationId xmlns:p14="http://schemas.microsoft.com/office/powerpoint/2010/main" val="2109554289"/>
+      </p:ext>
+    </p:extLst>
+  </p:cSld>
+  <p:clrMapOvr>
+    <a:masterClrMapping/>
+  </p:clrMapOvr>
+</p:notes>
+</file>
+
+<file path=ppt/notesSlides/notesSlide15.xml><?xml version="1.0" encoding="utf-8"?>
+<p:notes xmlns:a="http://schemas.openxmlformats.org/drawingml/2006/main" xmlns:r="http://schemas.openxmlformats.org/officeDocument/2006/relationships" xmlns:p="http://schemas.openxmlformats.org/presentationml/2006/main">
+  <p:cSld>
+    <p:spTree>
+      <p:nvGrpSpPr>
+        <p:cNvPr id="1" name=""/>
+        <p:cNvGrpSpPr/>
+        <p:nvPr/>
+      </p:nvGrpSpPr>
+      <p:grpSpPr>
+        <a:xfrm>
+          <a:off x="0" y="0"/>
+          <a:ext cx="0" cy="0"/>
+          <a:chOff x="0" y="0"/>
+          <a:chExt cx="0" cy="0"/>
+        </a:xfrm>
+      </p:grpSpPr>
+      <p:sp>
+        <p:nvSpPr>
+          <p:cNvPr id="2" name="Slide Image Placeholder 1"/>
+          <p:cNvSpPr>
+            <a:spLocks noGrp="1" noRot="1" noChangeAspect="1"/>
+          </p:cNvSpPr>
+          <p:nvPr>
+            <p:ph type="sldImg"/>
+          </p:nvPr>
+        </p:nvSpPr>
+        <p:spPr/>
+      </p:sp>
+      <p:sp>
+        <p:nvSpPr>
+          <p:cNvPr id="3" name="Notes Placeholder 2"/>
+          <p:cNvSpPr>
+            <a:spLocks noGrp="1"/>
+          </p:cNvSpPr>
+          <p:nvPr>
+            <p:ph type="body" idx="1"/>
+          </p:nvPr>
+        </p:nvSpPr>
+        <p:spPr/>
+        <p:txBody>
+          <a:bodyPr/>
+          <a:lstStyle/>
+          <a:p>
+            <a:r>
+              <a:rPr lang="en-US" smtClean="0"/>
+              <a:t>NOTE: stress </a:t>
+            </a:r>
+            <a:r>
+              <a:rPr lang="en-US" dirty="0" smtClean="0"/>
+              <a:t>that analysis is performed automatically and the library decides what and how to parallelize</a:t>
+            </a:r>
+            <a:endParaRPr lang="en-US" dirty="0"/>
+          </a:p>
+        </p:txBody>
+      </p:sp>
+      <p:sp>
+        <p:nvSpPr>
+          <p:cNvPr id="4" name="Slide Number Placeholder 3"/>
+          <p:cNvSpPr>
+            <a:spLocks noGrp="1"/>
+          </p:cNvSpPr>
+          <p:nvPr>
+            <p:ph type="sldNum" sz="quarter" idx="10"/>
+          </p:nvPr>
+        </p:nvSpPr>
+        <p:spPr/>
+        <p:txBody>
+          <a:bodyPr/>
+          <a:lstStyle/>
+          <a:p>
+            <a:fld id="{D1162CF4-3569-435E-B63C-806161BC9797}" type="slidenum">
+              <a:rPr lang="pt-PT" smtClean="0"/>
+              <a:t>18</a:t>
+            </a:fld>
+            <a:endParaRPr lang="pt-PT"/>
+          </a:p>
+        </p:txBody>
+      </p:sp>
+    </p:spTree>
+    <p:extLst>
+      <p:ext uri="{BB962C8B-B14F-4D97-AF65-F5344CB8AC3E}">
+        <p14:creationId xmlns:p14="http://schemas.microsoft.com/office/powerpoint/2010/main" val="4110121168"/>
       </p:ext>
     </p:extLst>
   </p:cSld>
@@ -2286,6 +2276,14 @@
           <a:bodyPr/>
           <a:lstStyle/>
           <a:p>
+            <a:r>
+              <a:rPr lang="en-US" dirty="0" smtClean="0"/>
+              <a:t>TODO:</a:t>
+            </a:r>
+            <a:r>
+              <a:rPr lang="en-US" baseline="0" dirty="0" smtClean="0"/>
+              <a:t> add dot image</a:t>
+            </a:r>
             <a:endParaRPr lang="en-US" dirty="0"/>
           </a:p>
         </p:txBody>
@@ -2307,7 +2305,7 @@
           <a:p>
             <a:fld id="{D1162CF4-3569-435E-B63C-806161BC9797}" type="slidenum">
               <a:rPr lang="pt-PT" smtClean="0"/>
-              <a:t>17</a:t>
+              <a:t>12</a:t>
             </a:fld>
             <a:endParaRPr lang="pt-PT"/>
           </a:p>
@@ -2316,7 +2314,7 @@
     </p:spTree>
     <p:extLst>
       <p:ext uri="{BB962C8B-B14F-4D97-AF65-F5344CB8AC3E}">
-        <p14:creationId xmlns:p14="http://schemas.microsoft.com/office/powerpoint/2010/main" val="334769875"/>
+        <p14:creationId xmlns:p14="http://schemas.microsoft.com/office/powerpoint/2010/main" val="4254840945"/>
       </p:ext>
     </p:extLst>
   </p:cSld>
@@ -2457,7 +2455,7 @@
           <a:p>
             <a:fld id="{0880A5D9-4097-4A6C-8088-0841273FE47A}" type="datetime1">
               <a:rPr lang="pt-PT" smtClean="0"/>
-              <a:t>14/05/2018</a:t>
+              <a:t>17/07/2018</a:t>
             </a:fld>
             <a:endParaRPr lang="pt-PT"/>
           </a:p>
@@ -2627,7 +2625,7 @@
           <a:p>
             <a:fld id="{5321D5B1-B843-4CEB-B5BF-0E0325A81FBE}" type="datetime1">
               <a:rPr lang="pt-PT" smtClean="0"/>
-              <a:t>14/05/2018</a:t>
+              <a:t>17/07/2018</a:t>
             </a:fld>
             <a:endParaRPr lang="pt-PT"/>
           </a:p>
@@ -2807,7 +2805,7 @@
           <a:p>
             <a:fld id="{6700CC93-6365-4109-81E9-C756FF5E382B}" type="datetime1">
               <a:rPr lang="pt-PT" smtClean="0"/>
-              <a:t>14/05/2018</a:t>
+              <a:t>17/07/2018</a:t>
             </a:fld>
             <a:endParaRPr lang="pt-PT"/>
           </a:p>
@@ -2977,7 +2975,7 @@
           <a:p>
             <a:fld id="{1F0AD53C-67ED-41F4-B8B4-46B74DB9B88E}" type="datetime1">
               <a:rPr lang="pt-PT" smtClean="0"/>
-              <a:t>14/05/2018</a:t>
+              <a:t>17/07/2018</a:t>
             </a:fld>
             <a:endParaRPr lang="pt-PT"/>
           </a:p>
@@ -3242,7 +3240,7 @@
           <a:p>
             <a:fld id="{95A3DF60-08F3-423F-BC2C-5A39B101E248}" type="datetime1">
               <a:rPr lang="pt-PT" smtClean="0"/>
-              <a:t>14/05/2018</a:t>
+              <a:t>17/07/2018</a:t>
             </a:fld>
             <a:endParaRPr lang="pt-PT"/>
           </a:p>
@@ -3481,7 +3479,7 @@
           <a:p>
             <a:fld id="{D22F3CE2-7CA6-418F-86FA-715C1A17D2FE}" type="datetime1">
               <a:rPr lang="pt-PT" smtClean="0"/>
-              <a:t>14/05/2018</a:t>
+              <a:t>17/07/2018</a:t>
             </a:fld>
             <a:endParaRPr lang="pt-PT"/>
           </a:p>
@@ -3848,7 +3846,7 @@
           <a:p>
             <a:fld id="{C768C065-5A09-4F5D-93F7-27A7FE0A18C6}" type="datetime1">
               <a:rPr lang="pt-PT" smtClean="0"/>
-              <a:t>14/05/2018</a:t>
+              <a:t>17/07/2018</a:t>
             </a:fld>
             <a:endParaRPr lang="pt-PT"/>
           </a:p>
@@ -3966,7 +3964,7 @@
           <a:p>
             <a:fld id="{3629EFB8-4EDE-4888-8F14-1A56D2237630}" type="datetime1">
               <a:rPr lang="pt-PT" smtClean="0"/>
-              <a:t>14/05/2018</a:t>
+              <a:t>17/07/2018</a:t>
             </a:fld>
             <a:endParaRPr lang="pt-PT"/>
           </a:p>
@@ -4061,7 +4059,7 @@
           <a:p>
             <a:fld id="{250FF9E8-EEF6-4D9F-A0F4-85C3FCE92D05}" type="datetime1">
               <a:rPr lang="pt-PT" smtClean="0"/>
-              <a:t>14/05/2018</a:t>
+              <a:t>17/07/2018</a:t>
             </a:fld>
             <a:endParaRPr lang="pt-PT"/>
           </a:p>
@@ -4338,7 +4336,7 @@
           <a:p>
             <a:fld id="{677FAEAC-3DCA-4F73-99D8-9EBA4021D811}" type="datetime1">
               <a:rPr lang="pt-PT" smtClean="0"/>
-              <a:t>14/05/2018</a:t>
+              <a:t>17/07/2018</a:t>
             </a:fld>
             <a:endParaRPr lang="pt-PT"/>
           </a:p>
@@ -4595,7 +4593,7 @@
           <a:p>
             <a:fld id="{2A6A5DB0-2047-4E92-A27F-4E2C282137CB}" type="datetime1">
               <a:rPr lang="pt-PT" smtClean="0"/>
-              <a:t>14/05/2018</a:t>
+              <a:t>17/07/2018</a:t>
             </a:fld>
             <a:endParaRPr lang="pt-PT"/>
           </a:p>
@@ -4808,7 +4806,7 @@
           <a:p>
             <a:fld id="{2AD45C63-42A9-4CCA-AA89-802A76D98AB4}" type="datetime1">
               <a:rPr lang="pt-PT" smtClean="0"/>
-              <a:t>14/05/2018</a:t>
+              <a:t>17/07/2018</a:t>
             </a:fld>
             <a:endParaRPr lang="pt-PT"/>
           </a:p>
@@ -5274,12 +5272,8 @@
               <a:rPr lang="en-US" b="1" noProof="0" dirty="0" smtClean="0"/>
             </a:br>
             <a:r>
-              <a:rPr lang="en-US" b="1" noProof="0" dirty="0"/>
-              <a:t>LARA </a:t>
-            </a:r>
-            <a:r>
               <a:rPr lang="en-US" b="1" noProof="0" dirty="0" smtClean="0"/>
-              <a:t>Tutorial</a:t>
+              <a:t>TITLE</a:t>
             </a:r>
             <a:endParaRPr lang="en-US" b="1" noProof="0" dirty="0"/>
           </a:p>
@@ -5314,49 +5308,7 @@
             </a:pPr>
             <a:r>
               <a:rPr lang="en-US" b="1" noProof="0" dirty="0" smtClean="0"/>
-              <a:t>Tiago </a:t>
-            </a:r>
-            <a:r>
-              <a:rPr lang="en-US" b="1" noProof="0" dirty="0" err="1" smtClean="0"/>
-              <a:t>Carvalho</a:t>
-            </a:r>
-            <a:r>
-              <a:rPr lang="en-US" b="1" noProof="0" dirty="0" smtClean="0"/>
-              <a:t>, </a:t>
-            </a:r>
-            <a:r>
-              <a:rPr lang="en-US" noProof="0" dirty="0" smtClean="0"/>
-              <a:t>Pedro Pinto, </a:t>
-            </a:r>
-            <a:r>
-              <a:rPr lang="en-US" noProof="0" dirty="0" err="1" smtClean="0"/>
-              <a:t>João</a:t>
-            </a:r>
-            <a:r>
-              <a:rPr lang="en-US" noProof="0" dirty="0" smtClean="0"/>
-              <a:t> </a:t>
-            </a:r>
-            <a:r>
-              <a:rPr lang="en-US" noProof="0" dirty="0" err="1" smtClean="0"/>
-              <a:t>Bispo</a:t>
-            </a:r>
-            <a:r>
-              <a:rPr lang="en-US" noProof="0" dirty="0" smtClean="0"/>
-              <a:t> and </a:t>
-            </a:r>
-            <a:r>
-              <a:rPr lang="en-US" noProof="0" dirty="0" err="1" smtClean="0"/>
-              <a:t>João</a:t>
-            </a:r>
-            <a:r>
-              <a:rPr lang="en-US" noProof="0" dirty="0" smtClean="0"/>
-              <a:t> M.P. Cardoso</a:t>
-            </a:r>
-          </a:p>
-          <a:p>
-            <a:r>
-              <a:rPr lang="en-US" noProof="0" dirty="0" smtClean="0"/>
-              <a:t>University of Porto, FEUP, Porto, Portugal</a:t>
+              <a:t>AUTHORS</a:t>
             </a:r>
             <a:endParaRPr lang="en-US" noProof="0" dirty="0" smtClean="0"/>
           </a:p>
@@ -5415,8 +5367,8 @@
           <a:p>
             <a:pPr algn="ctr"/>
             <a:r>
-              <a:rPr lang="en-US" sz="2400" dirty="0"/>
-              <a:t>Introduction to the LARA AOP Language</a:t>
+              <a:rPr lang="en-US" sz="2400" dirty="0" smtClean="0"/>
+              <a:t>SUBTITLE</a:t>
             </a:r>
             <a:endParaRPr lang="pt-PT" sz="2400" dirty="0"/>
           </a:p>
@@ -5431,7 +5383,7 @@
         <p:spPr>
           <a:xfrm>
             <a:off x="3883350" y="4199176"/>
-            <a:ext cx="1377300" cy="300082"/>
+            <a:ext cx="633507" cy="300082"/>
           </a:xfrm>
           <a:prstGeom prst="rect">
             <a:avLst/>
@@ -5450,49 +5402,8 @@
                 </a:solidFill>
                 <a:latin typeface="Open Sans"/>
               </a:rPr>
-              <a:t>May 16th, 2018</a:t>
-            </a:r>
-            <a:endParaRPr lang="pt-PT" dirty="0"/>
-          </a:p>
-        </p:txBody>
-      </p:sp>
-      <p:sp>
-        <p:nvSpPr>
-          <p:cNvPr id="11" name="Pentagon 10"/>
-          <p:cNvSpPr/>
-          <p:nvPr/>
-        </p:nvSpPr>
-        <p:spPr>
-          <a:xfrm>
-            <a:off x="7092950" y="530129"/>
-            <a:ext cx="2051050" cy="514834"/>
-          </a:xfrm>
-          <a:prstGeom prst="homePlate">
-            <a:avLst/>
-          </a:prstGeom>
-          <a:solidFill>
-            <a:schemeClr val="bg1"/>
-          </a:solidFill>
-        </p:spPr>
-        <p:txBody>
-          <a:bodyPr wrap="square">
-            <a:spAutoFit/>
-          </a:bodyPr>
-          <a:lstStyle/>
-          <a:p>
-            <a:pPr>
-              <a:spcAft>
-                <a:spcPts val="0"/>
-              </a:spcAft>
-            </a:pPr>
-            <a:endParaRPr lang="pt-PT" sz="2000" b="1" dirty="0">
-              <a:solidFill>
-                <a:srgbClr val="FFFF00"/>
-              </a:solidFill>
-              <a:latin typeface="Calibri" panose="020F0502020204030204" pitchFamily="34" charset="0"/>
-              <a:ea typeface="Calibri" panose="020F0502020204030204" pitchFamily="34" charset="0"/>
-              <a:cs typeface="Times New Roman" panose="02020603050405020304" pitchFamily="18" charset="0"/>
-            </a:endParaRPr>
+              <a:t>DATE</a:t>
+            </a:r>
           </a:p>
         </p:txBody>
       </p:sp>
@@ -5520,36 +5431,6 @@
           <a:xfrm>
             <a:off x="7405991" y="4441002"/>
             <a:ext cx="1605913" cy="638236"/>
-          </a:xfrm>
-          <a:prstGeom prst="rect">
-            <a:avLst/>
-          </a:prstGeom>
-        </p:spPr>
-      </p:pic>
-      <p:pic>
-        <p:nvPicPr>
-          <p:cNvPr id="4" name="Picture 3"/>
-          <p:cNvPicPr>
-            <a:picLocks noChangeAspect="1"/>
-          </p:cNvPicPr>
-          <p:nvPr/>
-        </p:nvPicPr>
-        <p:blipFill>
-          <a:blip r:embed="rId6" cstate="print">
-            <a:extLst>
-              <a:ext uri="{28A0092B-C50C-407E-A947-70E740481C1C}">
-                <a14:useLocalDpi xmlns:a14="http://schemas.microsoft.com/office/drawing/2010/main" val="0"/>
-              </a:ext>
-            </a:extLst>
-          </a:blip>
-          <a:stretch>
-            <a:fillRect/>
-          </a:stretch>
-        </p:blipFill>
-        <p:spPr>
-          <a:xfrm>
-            <a:off x="7194550" y="555210"/>
-            <a:ext cx="1555750" cy="489753"/>
           </a:xfrm>
           <a:prstGeom prst="rect">
             <a:avLst/>
@@ -6178,7 +6059,7 @@
         <p:spPr/>
         <p:txBody>
           <a:bodyPr>
-            <a:normAutofit fontScale="85000" lnSpcReduction="20000"/>
+            <a:normAutofit/>
           </a:bodyPr>
           <a:lstStyle/>
           <a:p>
@@ -6186,140 +6067,6 @@
               <a:buFont typeface="+mj-lt"/>
               <a:buAutoNum type="arabicPeriod"/>
             </a:pPr>
-            <a:r>
-              <a:rPr lang="en-US" noProof="0" dirty="0"/>
-              <a:t>Static Profiling</a:t>
-            </a:r>
-          </a:p>
-          <a:p>
-            <a:pPr marL="447675" lvl="1" indent="-247650">
-              <a:buFont typeface="+mj-lt"/>
-              <a:buAutoNum type="arabicParenR"/>
-            </a:pPr>
-            <a:r>
-              <a:rPr lang="en-US" noProof="0" dirty="0"/>
-              <a:t>Caller and </a:t>
-            </a:r>
-            <a:r>
-              <a:rPr lang="en-US" noProof="0" dirty="0" err="1"/>
-              <a:t>Callee</a:t>
-            </a:r>
-            <a:endParaRPr lang="en-US" noProof="0" dirty="0"/>
-          </a:p>
-          <a:p>
-            <a:pPr marL="447675" lvl="1" indent="-247650">
-              <a:buFont typeface="+mj-lt"/>
-              <a:buAutoNum type="arabicParenR"/>
-            </a:pPr>
-            <a:r>
-              <a:rPr lang="en-US" noProof="0" dirty="0"/>
-              <a:t>Call Graph</a:t>
-            </a:r>
-          </a:p>
-          <a:p>
-            <a:pPr marL="447675" lvl="1" indent="-247650">
-              <a:buFont typeface="+mj-lt"/>
-              <a:buAutoNum type="arabicParenR"/>
-            </a:pPr>
-            <a:r>
-              <a:rPr lang="en-US" noProof="0" dirty="0"/>
-              <a:t>Static Profiling</a:t>
-            </a:r>
-          </a:p>
-          <a:p>
-            <a:pPr marL="266700" indent="-266700">
-              <a:buFont typeface="+mj-lt"/>
-              <a:buAutoNum type="arabicPeriod"/>
-            </a:pPr>
-            <a:r>
-              <a:rPr lang="en-US" noProof="0" dirty="0"/>
-              <a:t>Non-functional Requirements</a:t>
-            </a:r>
-          </a:p>
-          <a:p>
-            <a:pPr marL="447675" lvl="1" indent="-247650">
-              <a:buFont typeface="+mj-lt"/>
-              <a:buAutoNum type="arabicParenR"/>
-            </a:pPr>
-            <a:r>
-              <a:rPr lang="en-US" noProof="0" dirty="0"/>
-              <a:t>Logging</a:t>
-            </a:r>
-          </a:p>
-          <a:p>
-            <a:pPr marL="447675" lvl="1" indent="-247650">
-              <a:buFont typeface="+mj-lt"/>
-              <a:buAutoNum type="arabicParenR"/>
-            </a:pPr>
-            <a:r>
-              <a:rPr lang="en-US" noProof="0" dirty="0"/>
-              <a:t>Measurements</a:t>
-            </a:r>
-          </a:p>
-          <a:p>
-            <a:pPr marL="266700" indent="-266700">
-              <a:buFont typeface="+mj-lt"/>
-              <a:buAutoNum type="arabicPeriod"/>
-            </a:pPr>
-            <a:r>
-              <a:rPr lang="en-US" noProof="0" dirty="0"/>
-              <a:t>Functional </a:t>
-            </a:r>
-            <a:r>
-              <a:rPr lang="en-US" noProof="0" dirty="0" smtClean="0"/>
-              <a:t>Requirements</a:t>
-            </a:r>
-          </a:p>
-          <a:p>
-            <a:pPr marL="447675" lvl="1" indent="-247650">
-              <a:buFont typeface="+mj-lt"/>
-              <a:buAutoNum type="arabicParenR"/>
-            </a:pPr>
-            <a:r>
-              <a:rPr lang="en-US" noProof="0" dirty="0" smtClean="0"/>
-              <a:t>Permissions</a:t>
-            </a:r>
-          </a:p>
-          <a:p>
-            <a:pPr marL="447675" lvl="1" indent="-247650">
-              <a:buFont typeface="+mj-lt"/>
-              <a:buAutoNum type="arabicParenR"/>
-            </a:pPr>
-            <a:r>
-              <a:rPr lang="en-US" noProof="0" dirty="0" smtClean="0"/>
-              <a:t>Observer Pattern</a:t>
-            </a:r>
-          </a:p>
-          <a:p>
-            <a:pPr marL="266700" indent="-266700">
-              <a:buFont typeface="+mj-lt"/>
-              <a:buAutoNum type="arabicPeriod"/>
-            </a:pPr>
-            <a:r>
-              <a:rPr lang="en-US" noProof="0" dirty="0" smtClean="0"/>
-              <a:t>Code Optimization</a:t>
-            </a:r>
-            <a:endParaRPr lang="en-US" noProof="0" dirty="0"/>
-          </a:p>
-          <a:p>
-            <a:pPr marL="447675" lvl="1" indent="-247650">
-              <a:buFont typeface="+mj-lt"/>
-              <a:buAutoNum type="arabicParenR"/>
-            </a:pPr>
-            <a:r>
-              <a:rPr lang="en-US" noProof="0" dirty="0"/>
-              <a:t>Loop Interchange</a:t>
-            </a:r>
-          </a:p>
-          <a:p>
-            <a:pPr marL="447675" lvl="1" indent="-247650">
-              <a:buFont typeface="+mj-lt"/>
-              <a:buAutoNum type="arabicParenR"/>
-            </a:pPr>
-            <a:r>
-              <a:rPr lang="en-US" noProof="0" dirty="0" err="1" smtClean="0"/>
-              <a:t>Autotuning</a:t>
-            </a:r>
             <a:endParaRPr lang="en-US" noProof="0" dirty="0"/>
           </a:p>
         </p:txBody>
@@ -6357,7 +6104,7 @@
         <p:spPr>
           <a:xfrm>
             <a:off x="3500674" y="3997822"/>
-            <a:ext cx="5117042" cy="769441"/>
+            <a:ext cx="2832955" cy="769441"/>
           </a:xfrm>
           <a:prstGeom prst="rect">
             <a:avLst/>
@@ -6380,30 +6127,45 @@
               <a:t>Download </a:t>
             </a:r>
             <a:r>
-              <a:rPr lang="en-US" sz="1600" b="1" dirty="0" err="1" smtClean="0"/>
-              <a:t>Kadabra</a:t>
-            </a:r>
-            <a:r>
-              <a:rPr lang="en-US" sz="1600" b="1" dirty="0"/>
+              <a:rPr lang="en-US" sz="1600" b="1" dirty="0" smtClean="0"/>
+              <a:t>Clava</a:t>
+            </a:r>
+            <a:r>
+              <a:rPr lang="en-US" sz="1600" b="1" dirty="0" smtClean="0"/>
               <a:t> </a:t>
             </a:r>
             <a:r>
               <a:rPr lang="en-US" sz="1600" b="1" dirty="0" smtClean="0"/>
-              <a:t>(Java-to-Java Weaver) and Examples:</a:t>
+              <a:t>and </a:t>
+            </a:r>
+            <a:r>
+              <a:rPr lang="en-US" sz="1600" b="1" dirty="0" smtClean="0"/>
+              <a:t>examples</a:t>
+            </a:r>
+            <a:r>
+              <a:rPr lang="en-US" sz="1600" b="1" dirty="0" smtClean="0"/>
+              <a:t>:</a:t>
             </a:r>
             <a:endParaRPr lang="en-US" sz="1600" dirty="0"/>
           </a:p>
           <a:p>
             <a:r>
-              <a:rPr lang="en-US" sz="1800" dirty="0">
+              <a:rPr lang="en-US" sz="1800" dirty="0" smtClean="0">
                 <a:solidFill>
                   <a:schemeClr val="accent1">
                     <a:lumMod val="75000"/>
                   </a:schemeClr>
                 </a:solidFill>
               </a:rPr>
-              <a:t>specs.fe.up.pt/tutorials/2018maylara/laratutorial.zip</a:t>
-            </a:r>
+              <a:t>LINK</a:t>
+            </a:r>
+            <a:endParaRPr lang="en-US" sz="1800" dirty="0">
+              <a:solidFill>
+                <a:schemeClr val="accent1">
+                  <a:lumMod val="75000"/>
+                </a:schemeClr>
+              </a:solidFill>
+            </a:endParaRPr>
           </a:p>
         </p:txBody>
       </p:sp>
@@ -6452,68 +6214,45 @@
           <a:chExt cx="0" cy="0"/>
         </a:xfrm>
       </p:grpSpPr>
-      <p:pic>
-        <p:nvPicPr>
-          <p:cNvPr id="5" name="Picture 4"/>
-          <p:cNvPicPr>
-            <a:picLocks noChangeAspect="1"/>
-          </p:cNvPicPr>
-          <p:nvPr/>
-        </p:nvPicPr>
-        <p:blipFill>
-          <a:blip r:embed="rId2"/>
-          <a:stretch>
-            <a:fillRect/>
-          </a:stretch>
-        </p:blipFill>
+      <p:sp>
+        <p:nvSpPr>
+          <p:cNvPr id="2" name="Title 1"/>
+          <p:cNvSpPr>
+            <a:spLocks noGrp="1"/>
+          </p:cNvSpPr>
+          <p:nvPr>
+            <p:ph type="title"/>
+          </p:nvPr>
+        </p:nvSpPr>
+        <p:spPr/>
+        <p:txBody>
+          <a:bodyPr/>
+          <a:lstStyle/>
+          <a:p>
+            <a:r>
+              <a:rPr lang="en-US" noProof="0" dirty="0" smtClean="0"/>
+              <a:t>Call Graph</a:t>
+            </a:r>
+            <a:endParaRPr lang="en-US" noProof="0" dirty="0"/>
+          </a:p>
+        </p:txBody>
+      </p:sp>
+      <p:sp>
+        <p:nvSpPr>
+          <p:cNvPr id="3" name="Content Placeholder 2"/>
+          <p:cNvSpPr>
+            <a:spLocks noGrp="1"/>
+          </p:cNvSpPr>
+          <p:nvPr>
+            <p:ph idx="1"/>
+          </p:nvPr>
+        </p:nvSpPr>
         <p:spPr>
           <a:xfrm>
-            <a:off x="6450573" y="2114277"/>
-            <a:ext cx="2589212" cy="2264354"/>
+            <a:off x="628649" y="1369219"/>
+            <a:ext cx="6391275" cy="3263504"/>
           </a:xfrm>
-          <a:prstGeom prst="rect">
-            <a:avLst/>
-          </a:prstGeom>
         </p:spPr>
-      </p:pic>
-      <p:sp>
-        <p:nvSpPr>
-          <p:cNvPr id="2" name="Title 1"/>
-          <p:cNvSpPr>
-            <a:spLocks noGrp="1"/>
-          </p:cNvSpPr>
-          <p:nvPr>
-            <p:ph type="title"/>
-          </p:nvPr>
-        </p:nvSpPr>
-        <p:spPr/>
-        <p:txBody>
-          <a:bodyPr/>
-          <a:lstStyle/>
-          <a:p>
-            <a:r>
-              <a:rPr lang="en-US" noProof="0" dirty="0" smtClean="0"/>
-              <a:t>Caller And </a:t>
-            </a:r>
-            <a:r>
-              <a:rPr lang="en-US" noProof="0" dirty="0" err="1" smtClean="0"/>
-              <a:t>Callee</a:t>
-            </a:r>
-            <a:endParaRPr lang="en-US" noProof="0" dirty="0"/>
-          </a:p>
-        </p:txBody>
-      </p:sp>
-      <p:sp>
-        <p:nvSpPr>
-          <p:cNvPr id="3" name="Content Placeholder 2"/>
-          <p:cNvSpPr>
-            <a:spLocks noGrp="1"/>
-          </p:cNvSpPr>
-          <p:nvPr>
-            <p:ph idx="1"/>
-          </p:nvPr>
-        </p:nvSpPr>
-        <p:spPr/>
         <p:txBody>
           <a:bodyPr>
             <a:normAutofit/>
@@ -6521,39 +6260,52 @@
           <a:lstStyle/>
           <a:p>
             <a:r>
-              <a:rPr lang="en-US" noProof="0" dirty="0" smtClean="0"/>
-              <a:t>Statically verify </a:t>
-            </a:r>
-          </a:p>
-          <a:p>
-            <a:pPr lvl="1"/>
-            <a:r>
-              <a:rPr lang="en-US" noProof="0" dirty="0" smtClean="0"/>
-              <a:t>Which methods (caller) call a target method</a:t>
-            </a:r>
-          </a:p>
-          <a:p>
-            <a:pPr lvl="1"/>
-            <a:r>
-              <a:rPr lang="en-US" noProof="0" dirty="0" smtClean="0"/>
-              <a:t>Which methods are called by that target method (</a:t>
-            </a:r>
-            <a:r>
-              <a:rPr lang="en-US" noProof="0" dirty="0" err="1" smtClean="0"/>
-              <a:t>callee</a:t>
-            </a:r>
-            <a:r>
-              <a:rPr lang="en-US" noProof="0" dirty="0" smtClean="0"/>
-              <a:t>)</a:t>
-            </a:r>
-          </a:p>
-          <a:p>
-            <a:pPr lvl="1"/>
+              <a:rPr lang="en-US" dirty="0" smtClean="0"/>
+              <a:t>Build </a:t>
+            </a:r>
+            <a:r>
+              <a:rPr lang="en-US" dirty="0"/>
+              <a:t>a static call graph from the application source</a:t>
+            </a:r>
+          </a:p>
+          <a:p>
+            <a:r>
+              <a:rPr lang="en-US" dirty="0" smtClean="0"/>
+              <a:t>“</a:t>
+            </a:r>
+            <a:r>
+              <a:rPr lang="en-US" dirty="0" err="1" smtClean="0"/>
+              <a:t>Supergraph</a:t>
+            </a:r>
+            <a:r>
+              <a:rPr lang="en-US" dirty="0" smtClean="0"/>
+              <a:t>” </a:t>
+            </a:r>
+            <a:r>
+              <a:rPr lang="en-US" dirty="0"/>
+              <a:t>of the dynamic call graph</a:t>
+            </a:r>
+          </a:p>
+          <a:p>
+            <a:r>
+              <a:rPr lang="en-US" dirty="0" smtClean="0"/>
+              <a:t>Edges </a:t>
+            </a:r>
+            <a:r>
+              <a:rPr lang="en-US" dirty="0"/>
+              <a:t>indicate how many times a call appears in the </a:t>
+            </a:r>
+            <a:r>
+              <a:rPr lang="en-US" dirty="0" smtClean="0"/>
+              <a:t>code</a:t>
+            </a:r>
+          </a:p>
+          <a:p>
             <a:endParaRPr lang="en-US" noProof="0" dirty="0" smtClean="0"/>
           </a:p>
           <a:p>
             <a:r>
-              <a:rPr lang="en-US" noProof="0" dirty="0" smtClean="0"/>
+              <a:rPr lang="en-US" noProof="0" dirty="0"/>
               <a:t>Strategy</a:t>
             </a:r>
             <a:endParaRPr lang="en-US" noProof="0" dirty="0" smtClean="0"/>
@@ -6564,23 +6316,20 @@
               <a:buAutoNum type="arabicPeriod"/>
             </a:pPr>
             <a:r>
-              <a:rPr lang="en-US" noProof="0" dirty="0" smtClean="0"/>
-              <a:t>Select all methods that </a:t>
-            </a:r>
-            <a:r>
-              <a:rPr lang="en-US" noProof="0" dirty="0" smtClean="0"/>
-              <a:t>contain </a:t>
-            </a:r>
-            <a:r>
-              <a:rPr lang="en-US" noProof="0" dirty="0" smtClean="0"/>
-              <a:t>function calls</a:t>
-            </a:r>
-          </a:p>
-          <a:p>
-            <a:pPr lvl="2"/>
-            <a:r>
-              <a:rPr lang="en-US" noProof="0" dirty="0" smtClean="0"/>
-              <a:t>Filter by the name of the method called</a:t>
+              <a:rPr lang="en-US" dirty="0" smtClean="0"/>
+              <a:t>Select </a:t>
+            </a:r>
+            <a:r>
+              <a:rPr lang="en-US" dirty="0"/>
+              <a:t>all methods (caller) and the calls inside (</a:t>
+            </a:r>
+            <a:r>
+              <a:rPr lang="en-US" dirty="0" err="1"/>
+              <a:t>callee</a:t>
+            </a:r>
+            <a:r>
+              <a:rPr lang="en-US" dirty="0"/>
+              <a:t>)</a:t>
             </a:r>
           </a:p>
           <a:p>
@@ -6589,8 +6338,20 @@
               <a:buAutoNum type="arabicPeriod"/>
             </a:pPr>
             <a:r>
-              <a:rPr lang="en-US" noProof="0" dirty="0" smtClean="0"/>
-              <a:t>Print the name of the caller</a:t>
+              <a:rPr lang="en-US" dirty="0" smtClean="0"/>
+              <a:t>Make </a:t>
+            </a:r>
+            <a:r>
+              <a:rPr lang="en-US" dirty="0"/>
+              <a:t>&lt;caller, </a:t>
+            </a:r>
+            <a:r>
+              <a:rPr lang="en-US" dirty="0" err="1"/>
+              <a:t>callee</a:t>
+            </a:r>
+            <a:r>
+              <a:rPr lang="en-US" dirty="0"/>
+              <a:t>&gt; tuples</a:t>
             </a:r>
           </a:p>
           <a:p>
@@ -6599,29 +6360,34 @@
               <a:buAutoNum type="arabicPeriod"/>
             </a:pPr>
             <a:r>
-              <a:rPr lang="en-US" noProof="0" dirty="0"/>
-              <a:t>Select </a:t>
-            </a:r>
-            <a:r>
-              <a:rPr lang="en-US" noProof="0" dirty="0" smtClean="0"/>
-              <a:t>the calls inside the target method</a:t>
-            </a:r>
-            <a:endParaRPr lang="en-US" noProof="0" dirty="0"/>
-          </a:p>
-          <a:p>
-            <a:pPr marL="685800" lvl="1" indent="-342900">
-              <a:buFont typeface="+mj-lt"/>
-              <a:buAutoNum type="arabicPeriod"/>
-            </a:pPr>
-            <a:r>
-              <a:rPr lang="en-US" noProof="0" dirty="0"/>
-              <a:t>Print the name of the </a:t>
-            </a:r>
-            <a:r>
-              <a:rPr lang="en-US" noProof="0" dirty="0" smtClean="0"/>
-              <a:t>called methods</a:t>
-            </a:r>
-            <a:endParaRPr lang="en-US" noProof="0" dirty="0"/>
+              <a:rPr lang="en-US" dirty="0" smtClean="0"/>
+              <a:t>Generate </a:t>
+            </a:r>
+            <a:r>
+              <a:rPr lang="en-US" dirty="0"/>
+              <a:t>a </a:t>
+            </a:r>
+            <a:r>
+              <a:rPr lang="en-US" dirty="0" smtClean="0"/>
+              <a:t>graph with </a:t>
+            </a:r>
+            <a:r>
+              <a:rPr lang="en-US" dirty="0"/>
+              <a:t>the </a:t>
+            </a:r>
+            <a:r>
+              <a:rPr lang="en-US" dirty="0" smtClean="0"/>
+              <a:t>tuples in </a:t>
+            </a:r>
+            <a:r>
+              <a:rPr lang="en-US" dirty="0"/>
+              <a:t>dot </a:t>
+            </a:r>
+            <a:r>
+              <a:rPr lang="en-US" dirty="0" smtClean="0"/>
+              <a:t>format</a:t>
+            </a:r>
+            <a:endParaRPr lang="en-US" noProof="0" dirty="0" smtClean="0"/>
           </a:p>
         </p:txBody>
       </p:sp>
@@ -6649,157 +6415,10 @@
           </a:p>
         </p:txBody>
       </p:sp>
-      <p:sp>
-        <p:nvSpPr>
-          <p:cNvPr id="6" name="Rectangle 5"/>
-          <p:cNvSpPr/>
-          <p:nvPr/>
-        </p:nvSpPr>
-        <p:spPr>
-          <a:xfrm>
-            <a:off x="5619750" y="109818"/>
-            <a:ext cx="3420035" cy="1615827"/>
-          </a:xfrm>
-          <a:prstGeom prst="rect">
-            <a:avLst/>
-          </a:prstGeom>
-        </p:spPr>
-        <p:style>
-          <a:lnRef idx="3">
-            <a:schemeClr val="lt1"/>
-          </a:lnRef>
-          <a:fillRef idx="1">
-            <a:schemeClr val="dk1"/>
-          </a:fillRef>
-          <a:effectRef idx="1">
-            <a:schemeClr val="dk1"/>
-          </a:effectRef>
-          <a:fontRef idx="minor">
-            <a:schemeClr val="lt1"/>
-          </a:fontRef>
-        </p:style>
-        <p:txBody>
-          <a:bodyPr wrap="square">
-            <a:spAutoFit/>
-          </a:bodyPr>
-          <a:lstStyle/>
-          <a:p>
-            <a:r>
-              <a:rPr lang="en-US" sz="1100" dirty="0" smtClean="0">
-                <a:latin typeface="Consolas" panose="020B0609020204030204" pitchFamily="49" charset="0"/>
-              </a:rPr>
-              <a:t>&gt;</a:t>
-            </a:r>
-            <a:r>
-              <a:rPr lang="en-US" sz="1100" dirty="0" err="1" smtClean="0">
-                <a:latin typeface="Consolas" panose="020B0609020204030204" pitchFamily="49" charset="0"/>
-              </a:rPr>
-              <a:t>lara</a:t>
-            </a:r>
-            <a:r>
-              <a:rPr lang="en-US" sz="1100" dirty="0" smtClean="0">
-                <a:latin typeface="Consolas" panose="020B0609020204030204" pitchFamily="49" charset="0"/>
-              </a:rPr>
-              <a:t> </a:t>
-            </a:r>
-            <a:r>
-              <a:rPr lang="en-US" sz="1100" dirty="0" err="1" smtClean="0">
-                <a:latin typeface="Consolas" panose="020B0609020204030204" pitchFamily="49" charset="0"/>
-              </a:rPr>
-              <a:t>CallerAndCallee.lara</a:t>
-            </a:r>
-            <a:r>
-              <a:rPr lang="en-US" sz="1100" dirty="0" smtClean="0">
-                <a:latin typeface="Consolas" panose="020B0609020204030204" pitchFamily="49" charset="0"/>
-              </a:rPr>
-              <a:t> –p </a:t>
-            </a:r>
-            <a:r>
-              <a:rPr lang="en-US" sz="1100" dirty="0" err="1" smtClean="0">
-                <a:latin typeface="Consolas" panose="020B0609020204030204" pitchFamily="49" charset="0"/>
-              </a:rPr>
-              <a:t>QuicksortApp</a:t>
-            </a:r>
-            <a:endParaRPr lang="en-US" sz="1100" dirty="0" smtClean="0">
-              <a:latin typeface="Consolas" panose="020B0609020204030204" pitchFamily="49" charset="0"/>
-            </a:endParaRPr>
-          </a:p>
-          <a:p>
-            <a:r>
-              <a:rPr lang="en-US" sz="1100" dirty="0" smtClean="0">
-                <a:latin typeface="Consolas" panose="020B0609020204030204" pitchFamily="49" charset="0"/>
-              </a:rPr>
-              <a:t>Functions </a:t>
-            </a:r>
-            <a:r>
-              <a:rPr lang="en-US" sz="1100" dirty="0">
-                <a:latin typeface="Consolas" panose="020B0609020204030204" pitchFamily="49" charset="0"/>
-              </a:rPr>
-              <a:t>that call quicksort</a:t>
-            </a:r>
-          </a:p>
-          <a:p>
-            <a:r>
-              <a:rPr lang="en-US" sz="1100" dirty="0">
-                <a:latin typeface="Consolas" panose="020B0609020204030204" pitchFamily="49" charset="0"/>
-              </a:rPr>
-              <a:t>	quicksort</a:t>
-            </a:r>
-          </a:p>
-          <a:p>
-            <a:r>
-              <a:rPr lang="en-US" sz="1100" dirty="0">
-                <a:latin typeface="Consolas" panose="020B0609020204030204" pitchFamily="49" charset="0"/>
-              </a:rPr>
-              <a:t>	quicksort</a:t>
-            </a:r>
-          </a:p>
-          <a:p>
-            <a:r>
-              <a:rPr lang="en-US" sz="1100" dirty="0">
-                <a:latin typeface="Consolas" panose="020B0609020204030204" pitchFamily="49" charset="0"/>
-              </a:rPr>
-              <a:t>	sort</a:t>
-            </a:r>
-          </a:p>
-          <a:p>
-            <a:r>
-              <a:rPr lang="en-US" sz="1100" dirty="0">
-                <a:latin typeface="Consolas" panose="020B0609020204030204" pitchFamily="49" charset="0"/>
-              </a:rPr>
-              <a:t>Functions that are called by quicksort</a:t>
-            </a:r>
-          </a:p>
-          <a:p>
-            <a:r>
-              <a:rPr lang="en-US" sz="1100" dirty="0">
-                <a:latin typeface="Consolas" panose="020B0609020204030204" pitchFamily="49" charset="0"/>
-              </a:rPr>
-              <a:t>	exchange</a:t>
-            </a:r>
-          </a:p>
-          <a:p>
-            <a:r>
-              <a:rPr lang="en-US" sz="1100" dirty="0">
-                <a:latin typeface="Consolas" panose="020B0609020204030204" pitchFamily="49" charset="0"/>
-              </a:rPr>
-              <a:t>	quicksort</a:t>
-            </a:r>
-          </a:p>
-          <a:p>
-            <a:r>
-              <a:rPr lang="en-US" sz="1100" dirty="0">
-                <a:latin typeface="Consolas" panose="020B0609020204030204" pitchFamily="49" charset="0"/>
-              </a:rPr>
-              <a:t>	quicksort</a:t>
-            </a:r>
-          </a:p>
-        </p:txBody>
-      </p:sp>
     </p:spTree>
     <p:extLst>
       <p:ext uri="{BB962C8B-B14F-4D97-AF65-F5344CB8AC3E}">
-        <p14:creationId xmlns:p14="http://schemas.microsoft.com/office/powerpoint/2010/main" val="4082732545"/>
+        <p14:creationId xmlns:p14="http://schemas.microsoft.com/office/powerpoint/2010/main" val="4012768502"/>
       </p:ext>
     </p:extLst>
   </p:cSld>
@@ -6833,30 +6452,6 @@
           <a:chExt cx="0" cy="0"/>
         </a:xfrm>
       </p:grpSpPr>
-      <p:pic>
-        <p:nvPicPr>
-          <p:cNvPr id="7" name="Picture 6"/>
-          <p:cNvPicPr>
-            <a:picLocks noChangeAspect="1"/>
-          </p:cNvPicPr>
-          <p:nvPr/>
-        </p:nvPicPr>
-        <p:blipFill>
-          <a:blip r:embed="rId2"/>
-          <a:stretch>
-            <a:fillRect/>
-          </a:stretch>
-        </p:blipFill>
-        <p:spPr>
-          <a:xfrm>
-            <a:off x="6674560" y="770930"/>
-            <a:ext cx="2469440" cy="3795712"/>
-          </a:xfrm>
-          <a:prstGeom prst="rect">
-            <a:avLst/>
-          </a:prstGeom>
-        </p:spPr>
-      </p:pic>
       <p:sp>
         <p:nvSpPr>
           <p:cNvPr id="2" name="Title 1"/>
@@ -6874,7 +6469,7 @@
           <a:p>
             <a:r>
               <a:rPr lang="en-US" noProof="0" dirty="0" smtClean="0"/>
-              <a:t>Call Graph</a:t>
+              <a:t>Static Report</a:t>
             </a:r>
             <a:endParaRPr lang="en-US" noProof="0" dirty="0"/>
           </a:p>
@@ -6903,17 +6498,54 @@
           <a:lstStyle/>
           <a:p>
             <a:r>
+              <a:rPr lang="en-US" dirty="0" smtClean="0"/>
+              <a:t>Generate </a:t>
+            </a:r>
+            <a:r>
+              <a:rPr lang="en-US" dirty="0"/>
+              <a:t>a report about the application</a:t>
+            </a:r>
+          </a:p>
+          <a:p>
+            <a:pPr lvl="1"/>
+            <a:r>
+              <a:rPr lang="en-US" dirty="0" smtClean="0"/>
+              <a:t>Number </a:t>
+            </a:r>
+            <a:r>
+              <a:rPr lang="en-US" dirty="0"/>
+              <a:t>of files, functions and calls</a:t>
+            </a:r>
+          </a:p>
+          <a:p>
+            <a:pPr lvl="1"/>
+            <a:r>
+              <a:rPr lang="en-US" dirty="0" smtClean="0"/>
+              <a:t>Number </a:t>
+            </a:r>
+            <a:r>
+              <a:rPr lang="en-US" dirty="0"/>
+              <a:t>and types of loops</a:t>
+            </a:r>
+          </a:p>
+          <a:p>
+            <a:pPr lvl="1"/>
+            <a:r>
+              <a:rPr lang="en-US" dirty="0" smtClean="0"/>
+              <a:t>Call </a:t>
+            </a:r>
+            <a:r>
+              <a:rPr lang="en-US" dirty="0"/>
+              <a:t>information</a:t>
+            </a:r>
+            <a:endParaRPr lang="en-US" noProof="0" dirty="0" smtClean="0"/>
+          </a:p>
+          <a:p>
+            <a:endParaRPr lang="en-US" noProof="0" dirty="0" smtClean="0"/>
+          </a:p>
+          <a:p>
+            <a:r>
               <a:rPr lang="en-US" noProof="0" dirty="0" smtClean="0"/>
-              <a:t>Develop a diagram of the method calls that shows the methods relationship</a:t>
-            </a:r>
-          </a:p>
-          <a:p>
-            <a:pPr lvl="1"/>
-            <a:endParaRPr lang="en-US" noProof="0" dirty="0" smtClean="0"/>
-          </a:p>
-          <a:p>
-            <a:r>
-              <a:rPr lang="en-US" noProof="0" dirty="0"/>
               <a:t>Strategy</a:t>
             </a:r>
             <a:endParaRPr lang="en-US" noProof="0" dirty="0" smtClean="0"/>
@@ -6924,28 +6556,20 @@
               <a:buAutoNum type="arabicPeriod"/>
             </a:pPr>
             <a:r>
-              <a:rPr lang="en-US" noProof="0" dirty="0" smtClean="0"/>
-              <a:t>Select all methods (</a:t>
-            </a:r>
-            <a:r>
-              <a:rPr lang="en-US" noProof="0" dirty="0" smtClean="0">
-                <a:latin typeface="Consolas" panose="020B0609020204030204" pitchFamily="49" charset="0"/>
-              </a:rPr>
-              <a:t>caller</a:t>
-            </a:r>
-            <a:r>
-              <a:rPr lang="en-US" noProof="0" dirty="0" smtClean="0"/>
-              <a:t>) and the calls (</a:t>
-            </a:r>
-            <a:r>
-              <a:rPr lang="en-US" noProof="0" dirty="0" err="1" smtClean="0">
-                <a:latin typeface="Consolas" panose="020B0609020204030204" pitchFamily="49" charset="0"/>
-              </a:rPr>
-              <a:t>callee</a:t>
-            </a:r>
-            <a:r>
-              <a:rPr lang="en-US" noProof="0" dirty="0" smtClean="0"/>
-              <a:t>) inside</a:t>
+              <a:rPr lang="en-US" dirty="0" smtClean="0"/>
+              <a:t>Select </a:t>
+            </a:r>
+            <a:r>
+              <a:rPr lang="en-US" dirty="0"/>
+              <a:t>files</a:t>
+            </a:r>
+            <a:r>
+              <a:rPr lang="en-US" dirty="0" smtClean="0"/>
+              <a:t>, functions </a:t>
+            </a:r>
+            <a:r>
+              <a:rPr lang="en-US" dirty="0"/>
+              <a:t>and calls to count</a:t>
             </a:r>
           </a:p>
           <a:p>
@@ -6954,24 +6578,12 @@
               <a:buAutoNum type="arabicPeriod"/>
             </a:pPr>
             <a:r>
-              <a:rPr lang="en-US" noProof="0" dirty="0" smtClean="0"/>
-              <a:t>Create </a:t>
-            </a:r>
-            <a:r>
-              <a:rPr lang="en-US" noProof="0" dirty="0" smtClean="0">
-                <a:latin typeface="Consolas" panose="020B0609020204030204" pitchFamily="49" charset="0"/>
-              </a:rPr>
-              <a:t>caller-&gt;</a:t>
-            </a:r>
-            <a:r>
-              <a:rPr lang="en-US" noProof="0" dirty="0" err="1" smtClean="0">
-                <a:latin typeface="Consolas" panose="020B0609020204030204" pitchFamily="49" charset="0"/>
-              </a:rPr>
-              <a:t>callee</a:t>
-            </a:r>
-            <a:r>
-              <a:rPr lang="en-US" noProof="0" dirty="0" smtClean="0"/>
-              <a:t> tuples</a:t>
+              <a:rPr lang="en-US" dirty="0" smtClean="0"/>
+              <a:t>Select </a:t>
+            </a:r>
+            <a:r>
+              <a:rPr lang="en-US" dirty="0"/>
+              <a:t>loops and query their type</a:t>
             </a:r>
           </a:p>
           <a:p>
@@ -6980,9 +6592,32 @@
               <a:buAutoNum type="arabicPeriod"/>
             </a:pPr>
             <a:r>
-              <a:rPr lang="en-US" noProof="0" dirty="0" smtClean="0"/>
-              <a:t>Create a graph, in dot format, with the tuples </a:t>
-            </a:r>
+              <a:rPr lang="en-US" dirty="0" smtClean="0"/>
+              <a:t>Get </a:t>
+            </a:r>
+            <a:r>
+              <a:rPr lang="en-US" dirty="0"/>
+              <a:t>&lt;caller, </a:t>
+            </a:r>
+            <a:r>
+              <a:rPr lang="en-US" dirty="0" err="1"/>
+              <a:t>callee</a:t>
+            </a:r>
+            <a:r>
+              <a:rPr lang="en-US" dirty="0"/>
+              <a:t>&gt; tuples</a:t>
+            </a:r>
+          </a:p>
+          <a:p>
+            <a:pPr marL="685800" lvl="1" indent="-342900">
+              <a:buFont typeface="+mj-lt"/>
+              <a:buAutoNum type="arabicPeriod"/>
+            </a:pPr>
+            <a:r>
+              <a:rPr lang="en-US" dirty="0" smtClean="0"/>
+              <a:t>Print reports</a:t>
+            </a:r>
+            <a:endParaRPr lang="en-US" noProof="0" dirty="0" smtClean="0"/>
           </a:p>
         </p:txBody>
       </p:sp>
@@ -7064,7 +6699,7 @@
           <a:p>
             <a:r>
               <a:rPr lang="en-US" noProof="0" dirty="0" smtClean="0"/>
-              <a:t>Static Profiling</a:t>
+              <a:t>Logging with Insertions</a:t>
             </a:r>
             <a:endParaRPr lang="en-US" noProof="0" dirty="0"/>
           </a:p>
@@ -7093,45 +6728,48 @@
           <a:lstStyle/>
           <a:p>
             <a:r>
+              <a:rPr lang="en-US" dirty="0" smtClean="0"/>
+              <a:t>Log </a:t>
+            </a:r>
+            <a:r>
+              <a:rPr lang="en-US" dirty="0"/>
+              <a:t>certain execution </a:t>
+            </a:r>
+            <a:r>
+              <a:rPr lang="en-US" dirty="0" smtClean="0"/>
+              <a:t>events, e.g.:</a:t>
+            </a:r>
+            <a:endParaRPr lang="en-US" dirty="0"/>
+          </a:p>
+          <a:p>
+            <a:pPr lvl="1"/>
+            <a:r>
+              <a:rPr lang="en-US" dirty="0" smtClean="0"/>
+              <a:t>Start </a:t>
+            </a:r>
+            <a:r>
+              <a:rPr lang="en-US" dirty="0"/>
+              <a:t>of loops</a:t>
+            </a:r>
+          </a:p>
+          <a:p>
+            <a:pPr lvl="1"/>
+            <a:r>
+              <a:rPr lang="en-US" dirty="0" smtClean="0"/>
+              <a:t>Entering </a:t>
+            </a:r>
+            <a:r>
+              <a:rPr lang="en-US" dirty="0"/>
+              <a:t>functions</a:t>
+            </a:r>
+            <a:endParaRPr lang="en-US" noProof="0" dirty="0" smtClean="0"/>
+          </a:p>
+          <a:p>
+            <a:endParaRPr lang="en-US" noProof="0" dirty="0" smtClean="0"/>
+          </a:p>
+          <a:p>
+            <a:r>
               <a:rPr lang="en-US" noProof="0" dirty="0" smtClean="0"/>
-              <a:t>Create a report about the application</a:t>
-            </a:r>
-          </a:p>
-          <a:p>
-            <a:pPr lvl="1"/>
-            <a:r>
-              <a:rPr lang="en-US" noProof="0" dirty="0" smtClean="0"/>
-              <a:t>Number of files, classes, methods and calls</a:t>
-            </a:r>
-          </a:p>
-          <a:p>
-            <a:pPr lvl="1"/>
-            <a:r>
-              <a:rPr lang="en-US" noProof="0" dirty="0" smtClean="0"/>
-              <a:t>Caller-&gt;</a:t>
-            </a:r>
-            <a:r>
-              <a:rPr lang="en-US" noProof="0" dirty="0" err="1" smtClean="0"/>
-              <a:t>callee</a:t>
-            </a:r>
-            <a:r>
-              <a:rPr lang="en-US" noProof="0" dirty="0" smtClean="0"/>
-              <a:t> information</a:t>
-            </a:r>
-          </a:p>
-          <a:p>
-            <a:pPr lvl="1"/>
-            <a:r>
-              <a:rPr lang="en-US" noProof="0" dirty="0" smtClean="0"/>
-              <a:t>Type of loops</a:t>
-            </a:r>
-          </a:p>
-          <a:p>
-            <a:endParaRPr lang="en-US" noProof="0" dirty="0" smtClean="0"/>
-          </a:p>
-          <a:p>
-            <a:r>
-              <a:rPr lang="en-US" noProof="0" dirty="0"/>
               <a:t>Strategy</a:t>
             </a:r>
             <a:endParaRPr lang="en-US" noProof="0" dirty="0" smtClean="0"/>
@@ -7142,8 +6780,12 @@
               <a:buAutoNum type="arabicPeriod"/>
             </a:pPr>
             <a:r>
-              <a:rPr lang="en-US" noProof="0" dirty="0" smtClean="0"/>
-              <a:t>Select files, classes,…, to count</a:t>
+              <a:rPr lang="en-US" dirty="0" smtClean="0"/>
+              <a:t>Select </a:t>
+            </a:r>
+            <a:r>
+              <a:rPr lang="en-US" dirty="0"/>
+              <a:t>loops and their parent file</a:t>
             </a:r>
           </a:p>
           <a:p>
@@ -7152,16 +6794,12 @@
               <a:buAutoNum type="arabicPeriod"/>
             </a:pPr>
             <a:r>
-              <a:rPr lang="en-US" noProof="0" dirty="0" smtClean="0"/>
-              <a:t>Get caller-&gt;</a:t>
-            </a:r>
-            <a:r>
-              <a:rPr lang="en-US" noProof="0" dirty="0" err="1" smtClean="0"/>
-              <a:t>callee</a:t>
-            </a:r>
-            <a:r>
-              <a:rPr lang="en-US" noProof="0" dirty="0" smtClean="0"/>
-              <a:t> tuples</a:t>
+              <a:rPr lang="en-US" dirty="0" smtClean="0"/>
+              <a:t>Insert </a:t>
+            </a:r>
+            <a:r>
+              <a:rPr lang="en-US" dirty="0"/>
+              <a:t>logging code before loop</a:t>
             </a:r>
           </a:p>
           <a:p>
@@ -7170,8 +6808,12 @@
               <a:buAutoNum type="arabicPeriod"/>
             </a:pPr>
             <a:r>
-              <a:rPr lang="en-US" noProof="0" dirty="0" smtClean="0"/>
-              <a:t>Select loops and verify their type</a:t>
+              <a:rPr lang="en-US" dirty="0" smtClean="0"/>
+              <a:t>Add </a:t>
+            </a:r>
+            <a:r>
+              <a:rPr lang="en-US" dirty="0"/>
+              <a:t>header include at the start of the file</a:t>
             </a:r>
           </a:p>
           <a:p>
@@ -7180,9 +6822,10 @@
               <a:buAutoNum type="arabicPeriod"/>
             </a:pPr>
             <a:r>
-              <a:rPr lang="en-US" noProof="0" dirty="0" smtClean="0"/>
-              <a:t>Print report</a:t>
-            </a:r>
+              <a:rPr lang="en-US" dirty="0" smtClean="0"/>
+              <a:t>Do the same for functions but log at the start of the body</a:t>
+            </a:r>
+            <a:endParaRPr lang="en-US" noProof="0" dirty="0" smtClean="0"/>
           </a:p>
         </p:txBody>
       </p:sp>
@@ -7210,392 +6853,10 @@
           </a:p>
         </p:txBody>
       </p:sp>
-      <p:sp>
-        <p:nvSpPr>
-          <p:cNvPr id="5" name="Rectangle 4"/>
-          <p:cNvSpPr/>
-          <p:nvPr/>
-        </p:nvSpPr>
-        <p:spPr>
-          <a:xfrm>
-            <a:off x="5915026" y="1108473"/>
-            <a:ext cx="2838449" cy="3133725"/>
-          </a:xfrm>
-          <a:prstGeom prst="rect">
-            <a:avLst/>
-          </a:prstGeom>
-        </p:spPr>
-        <p:style>
-          <a:lnRef idx="2">
-            <a:schemeClr val="dk1">
-              <a:shade val="50000"/>
-            </a:schemeClr>
-          </a:lnRef>
-          <a:fillRef idx="1">
-            <a:schemeClr val="dk1"/>
-          </a:fillRef>
-          <a:effectRef idx="0">
-            <a:schemeClr val="dk1"/>
-          </a:effectRef>
-          <a:fontRef idx="minor">
-            <a:schemeClr val="lt1"/>
-          </a:fontRef>
-        </p:style>
-        <p:txBody>
-          <a:bodyPr rtlCol="0" anchor="ctr"/>
-          <a:lstStyle/>
-          <a:p>
-            <a:r>
-              <a:rPr lang="en-US" sz="1200" dirty="0">
-                <a:latin typeface="Consolas" panose="020B0609020204030204" pitchFamily="49" charset="0"/>
-              </a:rPr>
-              <a:t>-== [ General Information ] </a:t>
-            </a:r>
-            <a:r>
-              <a:rPr lang="en-US" sz="1200" dirty="0" smtClean="0">
-                <a:latin typeface="Consolas" panose="020B0609020204030204" pitchFamily="49" charset="0"/>
-              </a:rPr>
-              <a:t>==-</a:t>
-            </a:r>
-            <a:endParaRPr lang="en-US" sz="1200" dirty="0">
-              <a:latin typeface="Consolas" panose="020B0609020204030204" pitchFamily="49" charset="0"/>
-            </a:endParaRPr>
-          </a:p>
-          <a:p>
-            <a:r>
-              <a:rPr lang="en-US" sz="1200" dirty="0">
-                <a:latin typeface="Consolas" panose="020B0609020204030204" pitchFamily="49" charset="0"/>
-              </a:rPr>
-              <a:t>No. of Files: 2</a:t>
-            </a:r>
-          </a:p>
-          <a:p>
-            <a:r>
-              <a:rPr lang="en-US" sz="1200" dirty="0">
-                <a:latin typeface="Consolas" panose="020B0609020204030204" pitchFamily="49" charset="0"/>
-              </a:rPr>
-              <a:t>No. of Classes: 2</a:t>
-            </a:r>
-          </a:p>
-          <a:p>
-            <a:r>
-              <a:rPr lang="en-US" sz="1200" dirty="0">
-                <a:latin typeface="Consolas" panose="020B0609020204030204" pitchFamily="49" charset="0"/>
-              </a:rPr>
-              <a:t>No. of Methods: 4</a:t>
-            </a:r>
-          </a:p>
-          <a:p>
-            <a:r>
-              <a:rPr lang="en-US" sz="1200" dirty="0">
-                <a:latin typeface="Consolas" panose="020B0609020204030204" pitchFamily="49" charset="0"/>
-              </a:rPr>
-              <a:t>No. of Calls: </a:t>
-            </a:r>
-            <a:r>
-              <a:rPr lang="en-US" sz="1200" dirty="0" smtClean="0">
-                <a:latin typeface="Consolas" panose="020B0609020204030204" pitchFamily="49" charset="0"/>
-              </a:rPr>
-              <a:t>7</a:t>
-            </a:r>
-            <a:endParaRPr lang="en-US" sz="1200" dirty="0">
-              <a:latin typeface="Consolas" panose="020B0609020204030204" pitchFamily="49" charset="0"/>
-            </a:endParaRPr>
-          </a:p>
-          <a:p>
-            <a:endParaRPr lang="en-US" sz="1200" dirty="0">
-              <a:latin typeface="Consolas" panose="020B0609020204030204" pitchFamily="49" charset="0"/>
-            </a:endParaRPr>
-          </a:p>
-          <a:p>
-            <a:r>
-              <a:rPr lang="en-US" sz="1200" dirty="0">
-                <a:latin typeface="Consolas" panose="020B0609020204030204" pitchFamily="49" charset="0"/>
-              </a:rPr>
-              <a:t>-== [ Loop Information ] </a:t>
-            </a:r>
-            <a:r>
-              <a:rPr lang="en-US" sz="1200" dirty="0" smtClean="0">
-                <a:latin typeface="Consolas" panose="020B0609020204030204" pitchFamily="49" charset="0"/>
-              </a:rPr>
-              <a:t>==-</a:t>
-            </a:r>
-            <a:endParaRPr lang="en-US" sz="1200" dirty="0">
-              <a:latin typeface="Consolas" panose="020B0609020204030204" pitchFamily="49" charset="0"/>
-            </a:endParaRPr>
-          </a:p>
-          <a:p>
-            <a:r>
-              <a:rPr lang="en-US" sz="1200" dirty="0">
-                <a:latin typeface="Consolas" panose="020B0609020204030204" pitchFamily="49" charset="0"/>
-              </a:rPr>
-              <a:t>==============================</a:t>
-            </a:r>
-          </a:p>
-          <a:p>
-            <a:r>
-              <a:rPr lang="en-US" sz="1200" dirty="0">
-                <a:latin typeface="Consolas" panose="020B0609020204030204" pitchFamily="49" charset="0"/>
-              </a:rPr>
-              <a:t>Type       Total    </a:t>
-            </a:r>
-            <a:r>
-              <a:rPr lang="en-US" sz="1200" dirty="0">
-                <a:solidFill>
-                  <a:schemeClr val="bg1"/>
-                </a:solidFill>
-                <a:latin typeface="Consolas" panose="020B0609020204030204" pitchFamily="49" charset="0"/>
-              </a:rPr>
-              <a:t>Innermost</a:t>
-            </a:r>
-            <a:r>
-              <a:rPr lang="en-US" sz="1200" dirty="0">
-                <a:latin typeface="Consolas" panose="020B0609020204030204" pitchFamily="49" charset="0"/>
-              </a:rPr>
-              <a:t> </a:t>
-            </a:r>
-          </a:p>
-          <a:p>
-            <a:r>
-              <a:rPr lang="en-US" sz="1200" dirty="0">
-                <a:latin typeface="Consolas" panose="020B0609020204030204" pitchFamily="49" charset="0"/>
-              </a:rPr>
-              <a:t>------------------------------</a:t>
-            </a:r>
-          </a:p>
-          <a:p>
-            <a:r>
-              <a:rPr lang="en-US" sz="1200" dirty="0">
-                <a:latin typeface="Consolas" panose="020B0609020204030204" pitchFamily="49" charset="0"/>
-              </a:rPr>
-              <a:t>For        1        1         </a:t>
-            </a:r>
-          </a:p>
-          <a:p>
-            <a:r>
-              <a:rPr lang="en-US" sz="1200" dirty="0">
-                <a:latin typeface="Consolas" panose="020B0609020204030204" pitchFamily="49" charset="0"/>
-              </a:rPr>
-              <a:t>While      3        2         </a:t>
-            </a:r>
-          </a:p>
-          <a:p>
-            <a:r>
-              <a:rPr lang="en-US" sz="1200" dirty="0">
-                <a:latin typeface="Consolas" panose="020B0609020204030204" pitchFamily="49" charset="0"/>
-              </a:rPr>
-              <a:t>Do-While   0        0         </a:t>
-            </a:r>
-          </a:p>
-          <a:p>
-            <a:r>
-              <a:rPr lang="en-US" sz="1200" dirty="0" err="1">
-                <a:latin typeface="Consolas" panose="020B0609020204030204" pitchFamily="49" charset="0"/>
-              </a:rPr>
-              <a:t>Foreach</a:t>
-            </a:r>
-            <a:r>
-              <a:rPr lang="en-US" sz="1200" dirty="0">
-                <a:latin typeface="Consolas" panose="020B0609020204030204" pitchFamily="49" charset="0"/>
-              </a:rPr>
-              <a:t>    0        0         </a:t>
-            </a:r>
-          </a:p>
-          <a:p>
-            <a:r>
-              <a:rPr lang="en-US" sz="1200" dirty="0">
-                <a:latin typeface="Consolas" panose="020B0609020204030204" pitchFamily="49" charset="0"/>
-              </a:rPr>
-              <a:t>------------------------------</a:t>
-            </a:r>
-          </a:p>
-          <a:p>
-            <a:r>
-              <a:rPr lang="en-US" sz="1200" dirty="0">
-                <a:latin typeface="Consolas" panose="020B0609020204030204" pitchFamily="49" charset="0"/>
-              </a:rPr>
-              <a:t>Total      4        3         </a:t>
-            </a:r>
-          </a:p>
-          <a:p>
-            <a:r>
-              <a:rPr lang="en-US" sz="1200" dirty="0">
-                <a:latin typeface="Consolas" panose="020B0609020204030204" pitchFamily="49" charset="0"/>
-              </a:rPr>
-              <a:t>==============================</a:t>
-            </a:r>
-          </a:p>
-        </p:txBody>
-      </p:sp>
-      <p:sp>
-        <p:nvSpPr>
-          <p:cNvPr id="6" name="Rounded Rectangular Callout 5"/>
-          <p:cNvSpPr/>
-          <p:nvPr/>
-        </p:nvSpPr>
-        <p:spPr>
-          <a:xfrm>
-            <a:off x="2117725" y="1108473"/>
-            <a:ext cx="5619749" cy="3932634"/>
-          </a:xfrm>
-          <a:prstGeom prst="wedgeRoundRectCallout">
-            <a:avLst>
-              <a:gd name="adj1" fmla="val -31652"/>
-              <a:gd name="adj2" fmla="val -55418"/>
-              <a:gd name="adj3" fmla="val 16667"/>
-            </a:avLst>
-          </a:prstGeom>
-        </p:spPr>
-        <p:style>
-          <a:lnRef idx="2">
-            <a:schemeClr val="accent1">
-              <a:shade val="50000"/>
-            </a:schemeClr>
-          </a:lnRef>
-          <a:fillRef idx="1">
-            <a:schemeClr val="accent1"/>
-          </a:fillRef>
-          <a:effectRef idx="0">
-            <a:schemeClr val="accent1"/>
-          </a:effectRef>
-          <a:fontRef idx="minor">
-            <a:schemeClr val="lt1"/>
-          </a:fontRef>
-        </p:style>
-        <p:txBody>
-          <a:bodyPr rtlCol="0" anchor="ctr"/>
-          <a:lstStyle/>
-          <a:p>
-            <a:r>
-              <a:rPr lang="en-US" sz="1800" b="1" dirty="0" smtClean="0"/>
-              <a:t>LARA </a:t>
-            </a:r>
-          </a:p>
-          <a:p>
-            <a:pPr marL="285750" indent="-285750">
-              <a:buFont typeface="Arial" panose="020B0604020202020204" pitchFamily="34" charset="0"/>
-              <a:buChar char="•"/>
-            </a:pPr>
-            <a:r>
-              <a:rPr lang="en-US" sz="1800" dirty="0" smtClean="0"/>
-              <a:t>source-to-source approach</a:t>
-            </a:r>
-          </a:p>
-          <a:p>
-            <a:pPr marL="285750" indent="-285750">
-              <a:buFont typeface="Arial" panose="020B0604020202020204" pitchFamily="34" charset="0"/>
-              <a:buChar char="•"/>
-            </a:pPr>
-            <a:r>
-              <a:rPr lang="en-US" sz="1800" dirty="0"/>
-              <a:t>s</a:t>
-            </a:r>
-            <a:r>
-              <a:rPr lang="en-US" sz="1800" dirty="0" smtClean="0"/>
-              <a:t>tructural/syntactic join points</a:t>
-            </a:r>
-          </a:p>
-          <a:p>
-            <a:pPr marL="285750" indent="-285750">
-              <a:buFont typeface="Arial" panose="020B0604020202020204" pitchFamily="34" charset="0"/>
-              <a:buChar char="•"/>
-            </a:pPr>
-            <a:r>
-              <a:rPr lang="en-US" sz="1800" dirty="0" smtClean="0"/>
-              <a:t>“</a:t>
-            </a:r>
-            <a:r>
-              <a:rPr lang="en-US" sz="1800" dirty="0" smtClean="0"/>
-              <a:t>behavioral” join points can be </a:t>
-            </a:r>
-            <a:r>
-              <a:rPr lang="en-US" sz="1800" dirty="0" smtClean="0"/>
-              <a:t>emulated</a:t>
-            </a:r>
-          </a:p>
-          <a:p>
-            <a:pPr marL="285750" indent="-285750">
-              <a:buFont typeface="Arial" panose="020B0604020202020204" pitchFamily="34" charset="0"/>
-              <a:buChar char="•"/>
-            </a:pPr>
-            <a:r>
-              <a:rPr lang="en-US" sz="1800" dirty="0" smtClean="0"/>
-              <a:t>semantic information</a:t>
-            </a:r>
-            <a:endParaRPr lang="en-US" sz="1800" dirty="0" smtClean="0"/>
-          </a:p>
-          <a:p>
-            <a:pPr marL="285750" indent="-285750">
-              <a:buFont typeface="Arial" panose="020B0604020202020204" pitchFamily="34" charset="0"/>
-              <a:buChar char="•"/>
-            </a:pPr>
-            <a:r>
-              <a:rPr lang="en-US" sz="1800" dirty="0" smtClean="0"/>
-              <a:t>fine-grained join point selection (e.g. loops, variables and operations)</a:t>
-            </a:r>
-          </a:p>
-          <a:p>
-            <a:pPr marL="285750" indent="-285750">
-              <a:buFont typeface="Arial" panose="020B0604020202020204" pitchFamily="34" charset="0"/>
-              <a:buChar char="•"/>
-            </a:pPr>
-            <a:endParaRPr lang="en-US" sz="1800" dirty="0" smtClean="0"/>
-          </a:p>
-          <a:p>
-            <a:r>
-              <a:rPr lang="en-US" sz="1800" b="1" dirty="0" smtClean="0"/>
-              <a:t>AspectJ </a:t>
-            </a:r>
-            <a:r>
-              <a:rPr lang="en-US" sz="1800" dirty="0" smtClean="0"/>
-              <a:t>can</a:t>
-            </a:r>
-          </a:p>
-          <a:p>
-            <a:pPr marL="285750" indent="-285750">
-              <a:buFont typeface="Arial" panose="020B0604020202020204" pitchFamily="34" charset="0"/>
-              <a:buChar char="•"/>
-            </a:pPr>
-            <a:r>
-              <a:rPr lang="en-US" sz="1800" dirty="0" smtClean="0"/>
-              <a:t>select structural and behavioral join points </a:t>
-            </a:r>
-          </a:p>
-          <a:p>
-            <a:pPr marL="285750" indent="-285750">
-              <a:buFont typeface="Arial" panose="020B0604020202020204" pitchFamily="34" charset="0"/>
-              <a:buChar char="•"/>
-            </a:pPr>
-            <a:r>
-              <a:rPr lang="en-US" sz="1800" dirty="0" smtClean="0"/>
-              <a:t>access both compile- and runtime information</a:t>
-            </a:r>
-          </a:p>
-          <a:p>
-            <a:pPr marL="285750" indent="-285750">
-              <a:buFont typeface="Arial" panose="020B0604020202020204" pitchFamily="34" charset="0"/>
-              <a:buChar char="•"/>
-            </a:pPr>
-            <a:r>
-              <a:rPr lang="en-US" sz="1800" dirty="0" smtClean="0"/>
-              <a:t>limited </a:t>
-            </a:r>
-            <a:r>
-              <a:rPr lang="en-US" sz="1800" dirty="0" smtClean="0"/>
-              <a:t>join point selection (usually limited to assignments and method calls</a:t>
-            </a:r>
-            <a:r>
-              <a:rPr lang="en-US" sz="1800" dirty="0" smtClean="0"/>
-              <a:t>)</a:t>
-            </a:r>
-            <a:endParaRPr lang="en-US" sz="1800" dirty="0" smtClean="0"/>
-          </a:p>
-        </p:txBody>
-      </p:sp>
     </p:spTree>
     <p:extLst>
       <p:ext uri="{BB962C8B-B14F-4D97-AF65-F5344CB8AC3E}">
-        <p14:creationId xmlns:p14="http://schemas.microsoft.com/office/powerpoint/2010/main" val="3223916450"/>
+        <p14:creationId xmlns:p14="http://schemas.microsoft.com/office/powerpoint/2010/main" val="3605951108"/>
       </p:ext>
     </p:extLst>
   </p:cSld>
@@ -7605,426 +6866,9 @@
   <p:timing>
     <p:tnLst>
       <p:par>
-        <p:cTn id="1" dur="indefinite" restart="never" nodeType="tmRoot">
-          <p:childTnLst>
-            <p:seq concurrent="1" nextAc="seek">
-              <p:cTn id="2" dur="indefinite" nodeType="mainSeq">
-                <p:childTnLst>
-                  <p:par>
-                    <p:cTn id="3" fill="hold">
-                      <p:stCondLst>
-                        <p:cond delay="indefinite"/>
-                      </p:stCondLst>
-                      <p:childTnLst>
-                        <p:par>
-                          <p:cTn id="4" fill="hold">
-                            <p:stCondLst>
-                              <p:cond delay="0"/>
-                            </p:stCondLst>
-                            <p:childTnLst>
-                              <p:par>
-                                <p:cTn id="5" presetID="1" presetClass="entr" presetSubtype="0" fill="hold" grpId="0" nodeType="clickEffect">
-                                  <p:stCondLst>
-                                    <p:cond delay="0"/>
-                                  </p:stCondLst>
-                                  <p:childTnLst>
-                                    <p:set>
-                                      <p:cBhvr>
-                                        <p:cTn id="6" dur="1" fill="hold">
-                                          <p:stCondLst>
-                                            <p:cond delay="0"/>
-                                          </p:stCondLst>
-                                        </p:cTn>
-                                        <p:tgtEl>
-                                          <p:spTgt spid="6"/>
-                                        </p:tgtEl>
-                                        <p:attrNameLst>
-                                          <p:attrName>style.visibility</p:attrName>
-                                        </p:attrNameLst>
-                                      </p:cBhvr>
-                                      <p:to>
-                                        <p:strVal val="visible"/>
-                                      </p:to>
-                                    </p:set>
-                                  </p:childTnLst>
-                                </p:cTn>
-                              </p:par>
-                              <p:par>
-                                <p:cTn id="7" presetID="1" presetClass="entr" presetSubtype="0" fill="hold" nodeType="withEffect">
-                                  <p:stCondLst>
-                                    <p:cond delay="0"/>
-                                  </p:stCondLst>
-                                  <p:childTnLst>
-                                    <p:set>
-                                      <p:cBhvr>
-                                        <p:cTn id="8" dur="1" fill="hold">
-                                          <p:stCondLst>
-                                            <p:cond delay="0"/>
-                                          </p:stCondLst>
-                                        </p:cTn>
-                                        <p:tgtEl>
-                                          <p:spTgt spid="6">
-                                            <p:txEl>
-                                              <p:pRg st="1" end="1"/>
-                                            </p:txEl>
-                                          </p:spTgt>
-                                        </p:tgtEl>
-                                        <p:attrNameLst>
-                                          <p:attrName>style.visibility</p:attrName>
-                                        </p:attrNameLst>
-                                      </p:cBhvr>
-                                      <p:to>
-                                        <p:strVal val="visible"/>
-                                      </p:to>
-                                    </p:set>
-                                  </p:childTnLst>
-                                </p:cTn>
-                              </p:par>
-                              <p:par>
-                                <p:cTn id="9" presetID="1" presetClass="entr" presetSubtype="0" fill="hold" nodeType="withEffect">
-                                  <p:stCondLst>
-                                    <p:cond delay="0"/>
-                                  </p:stCondLst>
-                                  <p:childTnLst>
-                                    <p:set>
-                                      <p:cBhvr>
-                                        <p:cTn id="10" dur="1" fill="hold">
-                                          <p:stCondLst>
-                                            <p:cond delay="0"/>
-                                          </p:stCondLst>
-                                        </p:cTn>
-                                        <p:tgtEl>
-                                          <p:spTgt spid="6">
-                                            <p:txEl>
-                                              <p:pRg st="0" end="0"/>
-                                            </p:txEl>
-                                          </p:spTgt>
-                                        </p:tgtEl>
-                                        <p:attrNameLst>
-                                          <p:attrName>style.visibility</p:attrName>
-                                        </p:attrNameLst>
-                                      </p:cBhvr>
-                                      <p:to>
-                                        <p:strVal val="visible"/>
-                                      </p:to>
-                                    </p:set>
-                                  </p:childTnLst>
-                                </p:cTn>
-                              </p:par>
-                              <p:par>
-                                <p:cTn id="11" presetID="1" presetClass="entr" presetSubtype="0" fill="hold" nodeType="withEffect">
-                                  <p:stCondLst>
-                                    <p:cond delay="0"/>
-                                  </p:stCondLst>
-                                  <p:childTnLst>
-                                    <p:set>
-                                      <p:cBhvr>
-                                        <p:cTn id="12" dur="1" fill="hold">
-                                          <p:stCondLst>
-                                            <p:cond delay="0"/>
-                                          </p:stCondLst>
-                                        </p:cTn>
-                                        <p:tgtEl>
-                                          <p:spTgt spid="6">
-                                            <p:txEl>
-                                              <p:pRg st="7" end="7"/>
-                                            </p:txEl>
-                                          </p:spTgt>
-                                        </p:tgtEl>
-                                        <p:attrNameLst>
-                                          <p:attrName>style.visibility</p:attrName>
-                                        </p:attrNameLst>
-                                      </p:cBhvr>
-                                      <p:to>
-                                        <p:strVal val="visible"/>
-                                      </p:to>
-                                    </p:set>
-                                  </p:childTnLst>
-                                </p:cTn>
-                              </p:par>
-                              <p:par>
-                                <p:cTn id="13" presetID="1" presetClass="entr" presetSubtype="0" fill="hold" nodeType="withEffect">
-                                  <p:stCondLst>
-                                    <p:cond delay="0"/>
-                                  </p:stCondLst>
-                                  <p:childTnLst>
-                                    <p:set>
-                                      <p:cBhvr>
-                                        <p:cTn id="14" dur="1" fill="hold">
-                                          <p:stCondLst>
-                                            <p:cond delay="0"/>
-                                          </p:stCondLst>
-                                        </p:cTn>
-                                        <p:tgtEl>
-                                          <p:spTgt spid="6">
-                                            <p:txEl>
-                                              <p:pRg st="2" end="2"/>
-                                            </p:txEl>
-                                          </p:spTgt>
-                                        </p:tgtEl>
-                                        <p:attrNameLst>
-                                          <p:attrName>style.visibility</p:attrName>
-                                        </p:attrNameLst>
-                                      </p:cBhvr>
-                                      <p:to>
-                                        <p:strVal val="visible"/>
-                                      </p:to>
-                                    </p:set>
-                                  </p:childTnLst>
-                                </p:cTn>
-                              </p:par>
-                              <p:par>
-                                <p:cTn id="15" presetID="1" presetClass="entr" presetSubtype="0" fill="hold" nodeType="withEffect">
-                                  <p:stCondLst>
-                                    <p:cond delay="0"/>
-                                  </p:stCondLst>
-                                  <p:childTnLst>
-                                    <p:set>
-                                      <p:cBhvr>
-                                        <p:cTn id="16" dur="1" fill="hold">
-                                          <p:stCondLst>
-                                            <p:cond delay="0"/>
-                                          </p:stCondLst>
-                                        </p:cTn>
-                                        <p:tgtEl>
-                                          <p:spTgt spid="6">
-                                            <p:txEl>
-                                              <p:pRg st="3" end="3"/>
-                                            </p:txEl>
-                                          </p:spTgt>
-                                        </p:tgtEl>
-                                        <p:attrNameLst>
-                                          <p:attrName>style.visibility</p:attrName>
-                                        </p:attrNameLst>
-                                      </p:cBhvr>
-                                      <p:to>
-                                        <p:strVal val="visible"/>
-                                      </p:to>
-                                    </p:set>
-                                  </p:childTnLst>
-                                </p:cTn>
-                              </p:par>
-                              <p:par>
-                                <p:cTn id="17" presetID="1" presetClass="entr" presetSubtype="0" fill="hold" nodeType="withEffect">
-                                  <p:stCondLst>
-                                    <p:cond delay="0"/>
-                                  </p:stCondLst>
-                                  <p:childTnLst>
-                                    <p:set>
-                                      <p:cBhvr>
-                                        <p:cTn id="18" dur="1" fill="hold">
-                                          <p:stCondLst>
-                                            <p:cond delay="0"/>
-                                          </p:stCondLst>
-                                        </p:cTn>
-                                        <p:tgtEl>
-                                          <p:spTgt spid="6">
-                                            <p:txEl>
-                                              <p:pRg st="8" end="8"/>
-                                            </p:txEl>
-                                          </p:spTgt>
-                                        </p:tgtEl>
-                                        <p:attrNameLst>
-                                          <p:attrName>style.visibility</p:attrName>
-                                        </p:attrNameLst>
-                                      </p:cBhvr>
-                                      <p:to>
-                                        <p:strVal val="visible"/>
-                                      </p:to>
-                                    </p:set>
-                                  </p:childTnLst>
-                                </p:cTn>
-                              </p:par>
-                            </p:childTnLst>
-                          </p:cTn>
-                        </p:par>
-                      </p:childTnLst>
-                    </p:cTn>
-                  </p:par>
-                  <p:par>
-                    <p:cTn id="19" fill="hold">
-                      <p:stCondLst>
-                        <p:cond delay="indefinite"/>
-                      </p:stCondLst>
-                      <p:childTnLst>
-                        <p:par>
-                          <p:cTn id="20" fill="hold">
-                            <p:stCondLst>
-                              <p:cond delay="0"/>
-                            </p:stCondLst>
-                            <p:childTnLst>
-                              <p:par>
-                                <p:cTn id="21" presetID="1" presetClass="entr" presetSubtype="0" fill="hold" nodeType="clickEffect">
-                                  <p:stCondLst>
-                                    <p:cond delay="0"/>
-                                  </p:stCondLst>
-                                  <p:childTnLst>
-                                    <p:set>
-                                      <p:cBhvr>
-                                        <p:cTn id="22" dur="1" fill="hold">
-                                          <p:stCondLst>
-                                            <p:cond delay="0"/>
-                                          </p:stCondLst>
-                                        </p:cTn>
-                                        <p:tgtEl>
-                                          <p:spTgt spid="6">
-                                            <p:txEl>
-                                              <p:pRg st="4" end="4"/>
-                                            </p:txEl>
-                                          </p:spTgt>
-                                        </p:tgtEl>
-                                        <p:attrNameLst>
-                                          <p:attrName>style.visibility</p:attrName>
-                                        </p:attrNameLst>
-                                      </p:cBhvr>
-                                      <p:to>
-                                        <p:strVal val="visible"/>
-                                      </p:to>
-                                    </p:set>
-                                  </p:childTnLst>
-                                </p:cTn>
-                              </p:par>
-                              <p:par>
-                                <p:cTn id="23" presetID="1" presetClass="entr" presetSubtype="0" fill="hold" nodeType="withEffect">
-                                  <p:stCondLst>
-                                    <p:cond delay="0"/>
-                                  </p:stCondLst>
-                                  <p:childTnLst>
-                                    <p:set>
-                                      <p:cBhvr>
-                                        <p:cTn id="24" dur="1" fill="hold">
-                                          <p:stCondLst>
-                                            <p:cond delay="0"/>
-                                          </p:stCondLst>
-                                        </p:cTn>
-                                        <p:tgtEl>
-                                          <p:spTgt spid="6">
-                                            <p:txEl>
-                                              <p:pRg st="9" end="9"/>
-                                            </p:txEl>
-                                          </p:spTgt>
-                                        </p:tgtEl>
-                                        <p:attrNameLst>
-                                          <p:attrName>style.visibility</p:attrName>
-                                        </p:attrNameLst>
-                                      </p:cBhvr>
-                                      <p:to>
-                                        <p:strVal val="visible"/>
-                                      </p:to>
-                                    </p:set>
-                                  </p:childTnLst>
-                                </p:cTn>
-                              </p:par>
-                            </p:childTnLst>
-                          </p:cTn>
-                        </p:par>
-                      </p:childTnLst>
-                    </p:cTn>
-                  </p:par>
-                  <p:par>
-                    <p:cTn id="25" fill="hold">
-                      <p:stCondLst>
-                        <p:cond delay="indefinite"/>
-                      </p:stCondLst>
-                      <p:childTnLst>
-                        <p:par>
-                          <p:cTn id="26" fill="hold">
-                            <p:stCondLst>
-                              <p:cond delay="0"/>
-                            </p:stCondLst>
-                            <p:childTnLst>
-                              <p:par>
-                                <p:cTn id="27" presetID="1" presetClass="entr" presetSubtype="0" fill="hold" nodeType="clickEffect">
-                                  <p:stCondLst>
-                                    <p:cond delay="0"/>
-                                  </p:stCondLst>
-                                  <p:childTnLst>
-                                    <p:set>
-                                      <p:cBhvr>
-                                        <p:cTn id="28" dur="1" fill="hold">
-                                          <p:stCondLst>
-                                            <p:cond delay="0"/>
-                                          </p:stCondLst>
-                                        </p:cTn>
-                                        <p:tgtEl>
-                                          <p:spTgt spid="6">
-                                            <p:txEl>
-                                              <p:pRg st="5" end="5"/>
-                                            </p:txEl>
-                                          </p:spTgt>
-                                        </p:tgtEl>
-                                        <p:attrNameLst>
-                                          <p:attrName>style.visibility</p:attrName>
-                                        </p:attrNameLst>
-                                      </p:cBhvr>
-                                      <p:to>
-                                        <p:strVal val="visible"/>
-                                      </p:to>
-                                    </p:set>
-                                  </p:childTnLst>
-                                </p:cTn>
-                              </p:par>
-                              <p:par>
-                                <p:cTn id="29" presetID="1" presetClass="entr" presetSubtype="0" fill="hold" nodeType="withEffect">
-                                  <p:stCondLst>
-                                    <p:cond delay="0"/>
-                                  </p:stCondLst>
-                                  <p:childTnLst>
-                                    <p:set>
-                                      <p:cBhvr>
-                                        <p:cTn id="30" dur="1" fill="hold">
-                                          <p:stCondLst>
-                                            <p:cond delay="0"/>
-                                          </p:stCondLst>
-                                        </p:cTn>
-                                        <p:tgtEl>
-                                          <p:spTgt spid="6">
-                                            <p:txEl>
-                                              <p:pRg st="10" end="10"/>
-                                            </p:txEl>
-                                          </p:spTgt>
-                                        </p:tgtEl>
-                                        <p:attrNameLst>
-                                          <p:attrName>style.visibility</p:attrName>
-                                        </p:attrNameLst>
-                                      </p:cBhvr>
-                                      <p:to>
-                                        <p:strVal val="visible"/>
-                                      </p:to>
-                                    </p:set>
-                                  </p:childTnLst>
-                                </p:cTn>
-                              </p:par>
-                            </p:childTnLst>
-                          </p:cTn>
-                        </p:par>
-                      </p:childTnLst>
-                    </p:cTn>
-                  </p:par>
-                </p:childTnLst>
-              </p:cTn>
-              <p:prevCondLst>
-                <p:cond evt="onPrev" delay="0">
-                  <p:tgtEl>
-                    <p:sldTgt/>
-                  </p:tgtEl>
-                </p:cond>
-              </p:prevCondLst>
-              <p:nextCondLst>
-                <p:cond evt="onNext" delay="0">
-                  <p:tgtEl>
-                    <p:sldTgt/>
-                  </p:tgtEl>
-                </p:cond>
-              </p:nextCondLst>
-            </p:seq>
-          </p:childTnLst>
-        </p:cTn>
+        <p:cTn id="1" dur="indefinite" restart="never" nodeType="tmRoot"/>
       </p:par>
     </p:tnLst>
-    <p:bldLst>
-      <p:bldP spid="6" grpId="0" animBg="1"/>
-    </p:bldLst>
   </p:timing>
 </p:sld>
 </file>
@@ -8062,10 +6906,14 @@
           <a:lstStyle/>
           <a:p>
             <a:r>
-              <a:rPr lang="en-US" noProof="0" dirty="0" smtClean="0"/>
-              <a:t>Logging</a:t>
-            </a:r>
-            <a:endParaRPr lang="en-US" noProof="0" dirty="0"/>
+              <a:rPr lang="en-US" dirty="0"/>
+              <a:t>Code Insertion </a:t>
+            </a:r>
+            <a:r>
+              <a:rPr lang="en-US" dirty="0" smtClean="0"/>
+              <a:t>with LARA</a:t>
+            </a:r>
+            <a:endParaRPr lang="en-US" dirty="0"/>
           </a:p>
         </p:txBody>
       </p:sp>
@@ -8087,58 +6935,107 @@
         </p:spPr>
         <p:txBody>
           <a:bodyPr>
-            <a:normAutofit/>
+            <a:normAutofit fontScale="92500" lnSpcReduction="10000"/>
           </a:bodyPr>
           <a:lstStyle/>
           <a:p>
             <a:r>
-              <a:rPr lang="en-US" noProof="0" dirty="0" smtClean="0"/>
-              <a:t>Log access to setters of objects of type “Shape”</a:t>
+              <a:rPr lang="en-US" dirty="0" smtClean="0">
+                <a:latin typeface="Consolas" panose="020B0609020204030204" pitchFamily="49" charset="0"/>
+                <a:cs typeface="Consolas" panose="020B0609020204030204" pitchFamily="49" charset="0"/>
+              </a:rPr>
+              <a:t>insert</a:t>
+            </a:r>
+            <a:r>
+              <a:rPr lang="en-US" dirty="0" smtClean="0"/>
+              <a:t> </a:t>
+            </a:r>
+            <a:r>
+              <a:rPr lang="en-US" dirty="0"/>
+              <a:t>injects literal code into the </a:t>
+            </a:r>
+            <a:r>
+              <a:rPr lang="en-US" dirty="0" smtClean="0"/>
+              <a:t>application</a:t>
+            </a:r>
+          </a:p>
+          <a:p>
+            <a:endParaRPr lang="en-US" dirty="0"/>
+          </a:p>
+          <a:p>
+            <a:r>
+              <a:rPr lang="en-US" dirty="0" smtClean="0"/>
+              <a:t>Upsides:</a:t>
             </a:r>
           </a:p>
           <a:p>
             <a:pPr lvl="1"/>
+            <a:r>
+              <a:rPr lang="en-US" dirty="0" smtClean="0"/>
+              <a:t>extremely </a:t>
+            </a:r>
+            <a:r>
+              <a:rPr lang="en-US" dirty="0"/>
+              <a:t>versatile, can insert any code you want</a:t>
+            </a:r>
+          </a:p>
+          <a:p>
+            <a:r>
+              <a:rPr lang="en-US" dirty="0" smtClean="0"/>
+              <a:t>Downsides:</a:t>
+            </a:r>
+          </a:p>
+          <a:p>
+            <a:pPr lvl="1"/>
+            <a:r>
+              <a:rPr lang="en-US" dirty="0" smtClean="0"/>
+              <a:t>cumbersome </a:t>
+            </a:r>
+            <a:r>
+              <a:rPr lang="en-US" dirty="0"/>
+              <a:t>(\n), error prone (code might have errors)</a:t>
+            </a:r>
             <a:endParaRPr lang="en-US" noProof="0" dirty="0" smtClean="0"/>
           </a:p>
           <a:p>
-            <a:r>
-              <a:rPr lang="en-US" noProof="0" dirty="0"/>
-              <a:t>Strategy</a:t>
-            </a:r>
             <a:endParaRPr lang="en-US" noProof="0" dirty="0" smtClean="0"/>
           </a:p>
           <a:p>
-            <a:pPr marL="685800" lvl="1" indent="-342900">
-              <a:buFont typeface="+mj-lt"/>
-              <a:buAutoNum type="arabicPeriod"/>
-            </a:pPr>
-            <a:r>
-              <a:rPr lang="en-US" noProof="0" dirty="0" smtClean="0"/>
-              <a:t>Select calls to methods starting with </a:t>
-            </a:r>
-            <a:r>
-              <a:rPr lang="en-US" noProof="0" dirty="0" smtClean="0">
+            <a:r>
+              <a:rPr lang="en-US" dirty="0" smtClean="0"/>
+              <a:t>Mitigating the downsides:</a:t>
+            </a:r>
+            <a:endParaRPr lang="en-US" dirty="0"/>
+          </a:p>
+          <a:p>
+            <a:pPr lvl="1"/>
+            <a:r>
+              <a:rPr lang="en-US" dirty="0" err="1" smtClean="0">
                 <a:latin typeface="Consolas" panose="020B0609020204030204" pitchFamily="49" charset="0"/>
-              </a:rPr>
-              <a:t>"set"</a:t>
-            </a:r>
-          </a:p>
-          <a:p>
-            <a:pPr lvl="2"/>
-            <a:r>
-              <a:rPr lang="en-US" noProof="0" dirty="0" smtClean="0"/>
-              <a:t>Filter selection by classes that are subtype of "Shape"</a:t>
-            </a:r>
-          </a:p>
-          <a:p>
-            <a:pPr marL="685800" lvl="1" indent="-342900">
-              <a:buFont typeface="+mj-lt"/>
-              <a:buAutoNum type="arabicPeriod"/>
-            </a:pPr>
-            <a:r>
-              <a:rPr lang="en-US" noProof="0" dirty="0" smtClean="0"/>
-              <a:t>Insert code after that prints the access to that method</a:t>
-            </a:r>
+                <a:cs typeface="Consolas" panose="020B0609020204030204" pitchFamily="49" charset="0"/>
+              </a:rPr>
+              <a:t>codedef</a:t>
+            </a:r>
+            <a:endParaRPr lang="en-US" dirty="0">
+              <a:latin typeface="Consolas" panose="020B0609020204030204" pitchFamily="49" charset="0"/>
+              <a:cs typeface="Consolas" panose="020B0609020204030204" pitchFamily="49" charset="0"/>
+            </a:endParaRPr>
+          </a:p>
+          <a:p>
+            <a:pPr lvl="1"/>
+            <a:r>
+              <a:rPr lang="en-US" dirty="0" smtClean="0"/>
+              <a:t>Clava option </a:t>
+            </a:r>
+            <a:r>
+              <a:rPr lang="en-US" dirty="0"/>
+              <a:t>to verify </a:t>
+            </a:r>
+            <a:r>
+              <a:rPr lang="en-US" dirty="0" smtClean="0"/>
+              <a:t>syntax</a:t>
+            </a:r>
+            <a:endParaRPr lang="en-US" dirty="0"/>
           </a:p>
         </p:txBody>
       </p:sp>
@@ -8166,215 +7063,10 @@
           </a:p>
         </p:txBody>
       </p:sp>
-      <p:sp>
-        <p:nvSpPr>
-          <p:cNvPr id="5" name="Rectangle 4"/>
-          <p:cNvSpPr/>
-          <p:nvPr/>
-        </p:nvSpPr>
-        <p:spPr>
-          <a:xfrm>
-            <a:off x="828675" y="3678616"/>
-            <a:ext cx="7486650" cy="954107"/>
-          </a:xfrm>
-          <a:prstGeom prst="rect">
-            <a:avLst/>
-          </a:prstGeom>
-        </p:spPr>
-        <p:style>
-          <a:lnRef idx="3">
-            <a:schemeClr val="lt1"/>
-          </a:lnRef>
-          <a:fillRef idx="1">
-            <a:schemeClr val="dk1"/>
-          </a:fillRef>
-          <a:effectRef idx="1">
-            <a:schemeClr val="dk1"/>
-          </a:effectRef>
-          <a:fontRef idx="minor">
-            <a:schemeClr val="lt1"/>
-          </a:fontRef>
-        </p:style>
-        <p:txBody>
-          <a:bodyPr wrap="square">
-            <a:spAutoFit/>
-          </a:bodyPr>
-          <a:lstStyle/>
-          <a:p>
-            <a:r>
-              <a:rPr lang="en-US" sz="1400" dirty="0">
-                <a:solidFill>
-                  <a:schemeClr val="bg1"/>
-                </a:solidFill>
-                <a:latin typeface="Consolas" panose="020B0609020204030204" pitchFamily="49" charset="0"/>
-              </a:rPr>
-              <a:t>| I | 2017/10/19 19:17:23 | Update: Rectangle(20.0, 10.0, 20.0, 20.0) |</a:t>
-            </a:r>
-          </a:p>
-          <a:p>
-            <a:r>
-              <a:rPr lang="en-US" sz="1400" dirty="0">
-                <a:solidFill>
-                  <a:schemeClr val="bg1"/>
-                </a:solidFill>
-                <a:latin typeface="Consolas" panose="020B0609020204030204" pitchFamily="49" charset="0"/>
-              </a:rPr>
-              <a:t>| I | 2017/10/19 19:17:23 | Update: Circle(15.0, 15.0, 20.0) </a:t>
-            </a:r>
-            <a:r>
-              <a:rPr lang="en-US" sz="1400" dirty="0" smtClean="0">
-                <a:solidFill>
-                  <a:schemeClr val="bg1"/>
-                </a:solidFill>
-                <a:latin typeface="Consolas" panose="020B0609020204030204" pitchFamily="49" charset="0"/>
-              </a:rPr>
-              <a:t>|</a:t>
-            </a:r>
-          </a:p>
-          <a:p>
-            <a:endParaRPr lang="en-US" sz="1400" dirty="0">
-              <a:solidFill>
-                <a:schemeClr val="bg1"/>
-              </a:solidFill>
-              <a:latin typeface="Consolas" panose="020B0609020204030204" pitchFamily="49" charset="0"/>
-            </a:endParaRPr>
-          </a:p>
-          <a:p>
-            <a:endParaRPr lang="en-US" sz="1400" dirty="0">
-              <a:solidFill>
-                <a:schemeClr val="bg1"/>
-              </a:solidFill>
-              <a:latin typeface="Consolas" panose="020B0609020204030204" pitchFamily="49" charset="0"/>
-            </a:endParaRPr>
-          </a:p>
-        </p:txBody>
-      </p:sp>
-      <p:sp>
-        <p:nvSpPr>
-          <p:cNvPr id="8" name="Rounded Rectangular Callout 7"/>
-          <p:cNvSpPr/>
-          <p:nvPr/>
-        </p:nvSpPr>
-        <p:spPr>
-          <a:xfrm>
-            <a:off x="4829175" y="170440"/>
-            <a:ext cx="4105275" cy="2868035"/>
-          </a:xfrm>
-          <a:prstGeom prst="wedgeRoundRectCallout">
-            <a:avLst>
-              <a:gd name="adj1" fmla="val -101292"/>
-              <a:gd name="adj2" fmla="val 51180"/>
-              <a:gd name="adj3" fmla="val 16667"/>
-            </a:avLst>
-          </a:prstGeom>
-        </p:spPr>
-        <p:style>
-          <a:lnRef idx="2">
-            <a:schemeClr val="accent1">
-              <a:shade val="50000"/>
-            </a:schemeClr>
-          </a:lnRef>
-          <a:fillRef idx="1">
-            <a:schemeClr val="accent1"/>
-          </a:fillRef>
-          <a:effectRef idx="0">
-            <a:schemeClr val="accent1"/>
-          </a:effectRef>
-          <a:fontRef idx="minor">
-            <a:schemeClr val="lt1"/>
-          </a:fontRef>
-        </p:style>
-        <p:txBody>
-          <a:bodyPr rtlCol="0" anchor="ctr"/>
-          <a:lstStyle/>
-          <a:p>
-            <a:r>
-              <a:rPr lang="en-US" sz="1800" b="1" dirty="0" smtClean="0"/>
-              <a:t>LARA </a:t>
-            </a:r>
-          </a:p>
-          <a:p>
-            <a:pPr marL="285750" indent="-285750">
-              <a:buFont typeface="Arial" panose="020B0604020202020204" pitchFamily="34" charset="0"/>
-              <a:buChar char="•"/>
-            </a:pPr>
-            <a:r>
-              <a:rPr lang="en-US" sz="1800" dirty="0" smtClean="0"/>
-              <a:t>Static weaving</a:t>
-            </a:r>
-          </a:p>
-          <a:p>
-            <a:pPr marL="285750" indent="-285750">
-              <a:buFont typeface="Arial" panose="020B0604020202020204" pitchFamily="34" charset="0"/>
-              <a:buChar char="•"/>
-            </a:pPr>
-            <a:r>
-              <a:rPr lang="en-US" sz="1800" dirty="0" smtClean="0"/>
-              <a:t>Apply is executed at weaving time</a:t>
-            </a:r>
-          </a:p>
-          <a:p>
-            <a:pPr marL="285750" indent="-285750">
-              <a:buFont typeface="Arial" panose="020B0604020202020204" pitchFamily="34" charset="0"/>
-              <a:buChar char="•"/>
-            </a:pPr>
-            <a:r>
-              <a:rPr lang="en-US" sz="1800" dirty="0" smtClean="0"/>
-              <a:t>Inject code “around” the join point</a:t>
-            </a:r>
-          </a:p>
-          <a:p>
-            <a:pPr marL="285750" indent="-285750">
-              <a:buFont typeface="Arial" panose="020B0604020202020204" pitchFamily="34" charset="0"/>
-              <a:buChar char="•"/>
-            </a:pPr>
-            <a:endParaRPr lang="en-US" sz="1800" dirty="0" smtClean="0"/>
-          </a:p>
-          <a:p>
-            <a:r>
-              <a:rPr lang="en-US" sz="1800" b="1" dirty="0" smtClean="0"/>
-              <a:t>AspectJ</a:t>
-            </a:r>
-            <a:endParaRPr lang="en-US" sz="1800" dirty="0" smtClean="0"/>
-          </a:p>
-          <a:p>
-            <a:pPr marL="285750" indent="-285750">
-              <a:buFont typeface="Arial" panose="020B0604020202020204" pitchFamily="34" charset="0"/>
-              <a:buChar char="•"/>
-            </a:pPr>
-            <a:r>
-              <a:rPr lang="en-US" sz="1800" dirty="0" smtClean="0"/>
-              <a:t>Static, Load-time </a:t>
-            </a:r>
-            <a:r>
-              <a:rPr lang="en-US" sz="1800" dirty="0" smtClean="0"/>
-              <a:t>and runtime weaving</a:t>
-            </a:r>
-          </a:p>
-          <a:p>
-            <a:pPr marL="285750" indent="-285750">
-              <a:buFont typeface="Arial" panose="020B0604020202020204" pitchFamily="34" charset="0"/>
-              <a:buChar char="•"/>
-            </a:pPr>
-            <a:r>
-              <a:rPr lang="en-US" sz="1800" dirty="0" smtClean="0"/>
-              <a:t>Advice code will be executed when </a:t>
-            </a:r>
-            <a:r>
-              <a:rPr lang="en-US" sz="1800" dirty="0" err="1" smtClean="0"/>
-              <a:t>pointcut</a:t>
-            </a:r>
-            <a:r>
-              <a:rPr lang="en-US" sz="1800" dirty="0" smtClean="0"/>
-              <a:t> is reached</a:t>
-            </a:r>
-          </a:p>
-        </p:txBody>
-      </p:sp>
     </p:spTree>
     <p:extLst>
       <p:ext uri="{BB962C8B-B14F-4D97-AF65-F5344CB8AC3E}">
-        <p14:creationId xmlns:p14="http://schemas.microsoft.com/office/powerpoint/2010/main" val="1480480953"/>
+        <p14:creationId xmlns:p14="http://schemas.microsoft.com/office/powerpoint/2010/main" val="2826754694"/>
       </p:ext>
     </p:extLst>
   </p:cSld>
@@ -8384,253 +7076,9 @@
   <p:timing>
     <p:tnLst>
       <p:par>
-        <p:cTn id="1" dur="indefinite" restart="never" nodeType="tmRoot">
-          <p:childTnLst>
-            <p:seq concurrent="1" nextAc="seek">
-              <p:cTn id="2" dur="indefinite" nodeType="mainSeq">
-                <p:childTnLst>
-                  <p:par>
-                    <p:cTn id="3" fill="hold">
-                      <p:stCondLst>
-                        <p:cond delay="indefinite"/>
-                      </p:stCondLst>
-                      <p:childTnLst>
-                        <p:par>
-                          <p:cTn id="4" fill="hold">
-                            <p:stCondLst>
-                              <p:cond delay="0"/>
-                            </p:stCondLst>
-                            <p:childTnLst>
-                              <p:par>
-                                <p:cTn id="5" presetID="1" presetClass="entr" presetSubtype="0" fill="hold" grpId="0" nodeType="clickEffect">
-                                  <p:stCondLst>
-                                    <p:cond delay="0"/>
-                                  </p:stCondLst>
-                                  <p:childTnLst>
-                                    <p:set>
-                                      <p:cBhvr>
-                                        <p:cTn id="6" dur="1" fill="hold">
-                                          <p:stCondLst>
-                                            <p:cond delay="0"/>
-                                          </p:stCondLst>
-                                        </p:cTn>
-                                        <p:tgtEl>
-                                          <p:spTgt spid="8"/>
-                                        </p:tgtEl>
-                                        <p:attrNameLst>
-                                          <p:attrName>style.visibility</p:attrName>
-                                        </p:attrNameLst>
-                                      </p:cBhvr>
-                                      <p:to>
-                                        <p:strVal val="visible"/>
-                                      </p:to>
-                                    </p:set>
-                                  </p:childTnLst>
-                                </p:cTn>
-                              </p:par>
-                              <p:par>
-                                <p:cTn id="7" presetID="1" presetClass="entr" presetSubtype="0" fill="hold" nodeType="withEffect">
-                                  <p:stCondLst>
-                                    <p:cond delay="0"/>
-                                  </p:stCondLst>
-                                  <p:childTnLst>
-                                    <p:set>
-                                      <p:cBhvr>
-                                        <p:cTn id="8" dur="1" fill="hold">
-                                          <p:stCondLst>
-                                            <p:cond delay="0"/>
-                                          </p:stCondLst>
-                                        </p:cTn>
-                                        <p:tgtEl>
-                                          <p:spTgt spid="8">
-                                            <p:txEl>
-                                              <p:pRg st="1" end="1"/>
-                                            </p:txEl>
-                                          </p:spTgt>
-                                        </p:tgtEl>
-                                        <p:attrNameLst>
-                                          <p:attrName>style.visibility</p:attrName>
-                                        </p:attrNameLst>
-                                      </p:cBhvr>
-                                      <p:to>
-                                        <p:strVal val="visible"/>
-                                      </p:to>
-                                    </p:set>
-                                  </p:childTnLst>
-                                </p:cTn>
-                              </p:par>
-                              <p:par>
-                                <p:cTn id="9" presetID="1" presetClass="entr" presetSubtype="0" fill="hold" nodeType="withEffect">
-                                  <p:stCondLst>
-                                    <p:cond delay="0"/>
-                                  </p:stCondLst>
-                                  <p:childTnLst>
-                                    <p:set>
-                                      <p:cBhvr>
-                                        <p:cTn id="10" dur="1" fill="hold">
-                                          <p:stCondLst>
-                                            <p:cond delay="0"/>
-                                          </p:stCondLst>
-                                        </p:cTn>
-                                        <p:tgtEl>
-                                          <p:spTgt spid="8">
-                                            <p:txEl>
-                                              <p:pRg st="6" end="6"/>
-                                            </p:txEl>
-                                          </p:spTgt>
-                                        </p:tgtEl>
-                                        <p:attrNameLst>
-                                          <p:attrName>style.visibility</p:attrName>
-                                        </p:attrNameLst>
-                                      </p:cBhvr>
-                                      <p:to>
-                                        <p:strVal val="visible"/>
-                                      </p:to>
-                                    </p:set>
-                                  </p:childTnLst>
-                                </p:cTn>
-                              </p:par>
-                            </p:childTnLst>
-                          </p:cTn>
-                        </p:par>
-                      </p:childTnLst>
-                    </p:cTn>
-                  </p:par>
-                  <p:par>
-                    <p:cTn id="11" fill="hold">
-                      <p:stCondLst>
-                        <p:cond delay="indefinite"/>
-                      </p:stCondLst>
-                      <p:childTnLst>
-                        <p:par>
-                          <p:cTn id="12" fill="hold">
-                            <p:stCondLst>
-                              <p:cond delay="0"/>
-                            </p:stCondLst>
-                            <p:childTnLst>
-                              <p:par>
-                                <p:cTn id="13" presetID="1" presetClass="entr" presetSubtype="0" fill="hold" nodeType="clickEffect">
-                                  <p:stCondLst>
-                                    <p:cond delay="0"/>
-                                  </p:stCondLst>
-                                  <p:childTnLst>
-                                    <p:set>
-                                      <p:cBhvr>
-                                        <p:cTn id="14" dur="1" fill="hold">
-                                          <p:stCondLst>
-                                            <p:cond delay="0"/>
-                                          </p:stCondLst>
-                                        </p:cTn>
-                                        <p:tgtEl>
-                                          <p:spTgt spid="8">
-                                            <p:txEl>
-                                              <p:pRg st="2" end="2"/>
-                                            </p:txEl>
-                                          </p:spTgt>
-                                        </p:tgtEl>
-                                        <p:attrNameLst>
-                                          <p:attrName>style.visibility</p:attrName>
-                                        </p:attrNameLst>
-                                      </p:cBhvr>
-                                      <p:to>
-                                        <p:strVal val="visible"/>
-                                      </p:to>
-                                    </p:set>
-                                  </p:childTnLst>
-                                </p:cTn>
-                              </p:par>
-                              <p:par>
-                                <p:cTn id="15" presetID="1" presetClass="entr" presetSubtype="0" fill="hold" nodeType="withEffect">
-                                  <p:stCondLst>
-                                    <p:cond delay="0"/>
-                                  </p:stCondLst>
-                                  <p:childTnLst>
-                                    <p:set>
-                                      <p:cBhvr>
-                                        <p:cTn id="16" dur="1" fill="hold">
-                                          <p:stCondLst>
-                                            <p:cond delay="0"/>
-                                          </p:stCondLst>
-                                        </p:cTn>
-                                        <p:tgtEl>
-                                          <p:spTgt spid="8">
-                                            <p:txEl>
-                                              <p:pRg st="3" end="3"/>
-                                            </p:txEl>
-                                          </p:spTgt>
-                                        </p:tgtEl>
-                                        <p:attrNameLst>
-                                          <p:attrName>style.visibility</p:attrName>
-                                        </p:attrNameLst>
-                                      </p:cBhvr>
-                                      <p:to>
-                                        <p:strVal val="visible"/>
-                                      </p:to>
-                                    </p:set>
-                                  </p:childTnLst>
-                                </p:cTn>
-                              </p:par>
-                              <p:par>
-                                <p:cTn id="17" presetID="1" presetClass="entr" presetSubtype="0" fill="hold" nodeType="withEffect">
-                                  <p:stCondLst>
-                                    <p:cond delay="0"/>
-                                  </p:stCondLst>
-                                  <p:childTnLst>
-                                    <p:set>
-                                      <p:cBhvr>
-                                        <p:cTn id="18" dur="1" fill="hold">
-                                          <p:stCondLst>
-                                            <p:cond delay="0"/>
-                                          </p:stCondLst>
-                                        </p:cTn>
-                                        <p:tgtEl>
-                                          <p:spTgt spid="8">
-                                            <p:txEl>
-                                              <p:pRg st="7" end="7"/>
-                                            </p:txEl>
-                                          </p:spTgt>
-                                        </p:tgtEl>
-                                        <p:attrNameLst>
-                                          <p:attrName>style.visibility</p:attrName>
-                                        </p:attrNameLst>
-                                      </p:cBhvr>
-                                      <p:to>
-                                        <p:strVal val="visible"/>
-                                      </p:to>
-                                    </p:set>
-                                  </p:childTnLst>
-                                </p:cTn>
-                              </p:par>
-                            </p:childTnLst>
-                          </p:cTn>
-                        </p:par>
-                      </p:childTnLst>
-                    </p:cTn>
-                  </p:par>
-                </p:childTnLst>
-              </p:cTn>
-              <p:prevCondLst>
-                <p:cond evt="onPrev" delay="0">
-                  <p:tgtEl>
-                    <p:sldTgt/>
-                  </p:tgtEl>
-                </p:cond>
-              </p:prevCondLst>
-              <p:nextCondLst>
-                <p:cond evt="onNext" delay="0">
-                  <p:tgtEl>
-                    <p:sldTgt/>
-                  </p:tgtEl>
-                </p:cond>
-              </p:nextCondLst>
-            </p:seq>
-          </p:childTnLst>
-        </p:cTn>
+        <p:cTn id="1" dur="indefinite" restart="never" nodeType="tmRoot"/>
       </p:par>
     </p:tnLst>
-    <p:bldLst>
-      <p:bldP spid="8" grpId="0" animBg="1"/>
-    </p:bldLst>
   </p:timing>
 </p:sld>
 </file>
@@ -8669,7 +7117,7 @@
           <a:p>
             <a:r>
               <a:rPr lang="en-US" noProof="0" dirty="0" smtClean="0"/>
-              <a:t>Measurements</a:t>
+              <a:t>Logging with APIs</a:t>
             </a:r>
             <a:endParaRPr lang="en-US" noProof="0" dirty="0"/>
           </a:p>
@@ -8698,23 +7146,39 @@
           <a:lstStyle/>
           <a:p>
             <a:r>
+              <a:rPr lang="en-US" dirty="0" smtClean="0"/>
+              <a:t>Log </a:t>
+            </a:r>
+            <a:r>
+              <a:rPr lang="en-US" dirty="0"/>
+              <a:t>certain execution events (a more complex example</a:t>
+            </a:r>
+            <a:r>
+              <a:rPr lang="en-US" dirty="0" smtClean="0"/>
+              <a:t>)</a:t>
+            </a:r>
+            <a:endParaRPr lang="en-US" dirty="0"/>
+          </a:p>
+          <a:p>
+            <a:r>
+              <a:rPr lang="en-US" dirty="0" smtClean="0"/>
+              <a:t>Make </a:t>
+            </a:r>
+            <a:r>
+              <a:rPr lang="en-US" dirty="0"/>
+              <a:t>use of Clava </a:t>
+            </a:r>
+            <a:r>
+              <a:rPr lang="en-US" dirty="0" smtClean="0"/>
+              <a:t>APIs</a:t>
+            </a:r>
+          </a:p>
+          <a:p>
+            <a:endParaRPr lang="en-US" noProof="0" dirty="0" smtClean="0"/>
+          </a:p>
+          <a:p>
+            <a:r>
               <a:rPr lang="en-US" noProof="0" dirty="0" smtClean="0"/>
-              <a:t>Measure execution time of calls to method “sort”</a:t>
-            </a:r>
-          </a:p>
-          <a:p>
-            <a:r>
-              <a:rPr lang="en-US" noProof="0" dirty="0" smtClean="0"/>
-              <a:t>Count the exchanges in Quicksort method</a:t>
-            </a:r>
-          </a:p>
-          <a:p>
-            <a:pPr lvl="1"/>
-            <a:endParaRPr lang="en-US" noProof="0" dirty="0" smtClean="0"/>
-          </a:p>
-          <a:p>
-            <a:r>
-              <a:rPr lang="en-US" noProof="0" dirty="0"/>
               <a:t>Strategy</a:t>
             </a:r>
             <a:endParaRPr lang="en-US" noProof="0" dirty="0" smtClean="0"/>
@@ -8725,8 +7189,12 @@
               <a:buAutoNum type="arabicPeriod"/>
             </a:pPr>
             <a:r>
-              <a:rPr lang="en-US" noProof="0" dirty="0" smtClean="0"/>
-              <a:t>Add fields to measure the time and the exchanges</a:t>
+              <a:rPr lang="en-US" dirty="0" smtClean="0"/>
+              <a:t>Same </a:t>
+            </a:r>
+            <a:r>
+              <a:rPr lang="en-US" dirty="0"/>
+              <a:t>as before for functions</a:t>
             </a:r>
           </a:p>
           <a:p>
@@ -8735,16 +7203,12 @@
               <a:buAutoNum type="arabicPeriod"/>
             </a:pPr>
             <a:r>
-              <a:rPr lang="en-US" noProof="0" dirty="0" smtClean="0"/>
-              <a:t>Increment exchanges when </a:t>
-            </a:r>
-            <a:r>
-              <a:rPr lang="en-US" noProof="0" dirty="0" smtClean="0"/>
-              <a:t>“exchange” </a:t>
-            </a:r>
-            <a:r>
-              <a:rPr lang="en-US" noProof="0" dirty="0" smtClean="0"/>
-              <a:t>method is called</a:t>
+              <a:rPr lang="en-US" dirty="0" smtClean="0"/>
+              <a:t>Look </a:t>
+            </a:r>
+            <a:r>
+              <a:rPr lang="en-US" dirty="0"/>
+              <a:t>for writes to variables inside a specific function</a:t>
             </a:r>
           </a:p>
           <a:p>
@@ -8753,8 +7217,12 @@
               <a:buAutoNum type="arabicPeriod"/>
             </a:pPr>
             <a:r>
-              <a:rPr lang="en-US" noProof="0" dirty="0" smtClean="0"/>
-              <a:t>Start timer before calls to sort method</a:t>
+              <a:rPr lang="en-US" dirty="0" smtClean="0"/>
+              <a:t>Filter </a:t>
+            </a:r>
+            <a:r>
+              <a:rPr lang="en-US" dirty="0"/>
+              <a:t>variables based on type</a:t>
             </a:r>
           </a:p>
           <a:p>
@@ -8763,9 +7231,14 @@
               <a:buAutoNum type="arabicPeriod"/>
             </a:pPr>
             <a:r>
-              <a:rPr lang="en-US" noProof="0" dirty="0" smtClean="0"/>
-              <a:t>Stop timer after the calls and print the time and exchanges</a:t>
-            </a:r>
+              <a:rPr lang="en-US" dirty="0" smtClean="0"/>
+              <a:t>Log </a:t>
+            </a:r>
+            <a:r>
+              <a:rPr lang="en-US" dirty="0"/>
+              <a:t>when the writing happens using the Logger API</a:t>
+            </a:r>
+            <a:endParaRPr lang="en-US" noProof="0" dirty="0" smtClean="0"/>
           </a:p>
         </p:txBody>
       </p:sp>
@@ -8793,91 +7266,10 @@
           </a:p>
         </p:txBody>
       </p:sp>
-      <p:sp>
-        <p:nvSpPr>
-          <p:cNvPr id="7" name="Rounded Rectangular Callout 6"/>
-          <p:cNvSpPr/>
-          <p:nvPr/>
-        </p:nvSpPr>
-        <p:spPr>
-          <a:xfrm>
-            <a:off x="4829175" y="170440"/>
-            <a:ext cx="4105275" cy="1147372"/>
-          </a:xfrm>
-          <a:prstGeom prst="wedgeRoundRectCallout">
-            <a:avLst>
-              <a:gd name="adj1" fmla="val -112738"/>
-              <a:gd name="adj2" fmla="val 178850"/>
-              <a:gd name="adj3" fmla="val 16667"/>
-            </a:avLst>
-          </a:prstGeom>
-        </p:spPr>
-        <p:style>
-          <a:lnRef idx="2">
-            <a:schemeClr val="accent1">
-              <a:shade val="50000"/>
-            </a:schemeClr>
-          </a:lnRef>
-          <a:fillRef idx="1">
-            <a:schemeClr val="accent1"/>
-          </a:fillRef>
-          <a:effectRef idx="0">
-            <a:schemeClr val="accent1"/>
-          </a:effectRef>
-          <a:fontRef idx="minor">
-            <a:schemeClr val="lt1"/>
-          </a:fontRef>
-        </p:style>
-        <p:txBody>
-          <a:bodyPr rtlCol="0" anchor="ctr"/>
-          <a:lstStyle/>
-          <a:p>
-            <a:r>
-              <a:rPr lang="en-US" sz="1800" b="1" dirty="0" smtClean="0"/>
-              <a:t>Both AspectJ and LARA can introduce:</a:t>
-            </a:r>
-          </a:p>
-          <a:p>
-            <a:pPr marL="285750" indent="-285750">
-              <a:buFont typeface="Arial" panose="020B0604020202020204" pitchFamily="34" charset="0"/>
-              <a:buChar char="•"/>
-            </a:pPr>
-            <a:r>
-              <a:rPr lang="en-US" sz="1800" b="1" dirty="0" smtClean="0"/>
-              <a:t>New classes</a:t>
-            </a:r>
-          </a:p>
-          <a:p>
-            <a:pPr marL="285750" indent="-285750">
-              <a:buFont typeface="Arial" panose="020B0604020202020204" pitchFamily="34" charset="0"/>
-              <a:buChar char="•"/>
-            </a:pPr>
-            <a:r>
-              <a:rPr lang="en-US" sz="1800" b="1" dirty="0" smtClean="0"/>
-              <a:t>New </a:t>
-            </a:r>
-            <a:r>
-              <a:rPr lang="en-US" sz="1800" b="1" dirty="0" smtClean="0"/>
-              <a:t>elements inside a class</a:t>
-            </a:r>
-          </a:p>
-          <a:p>
-            <a:pPr marL="285750" indent="-285750">
-              <a:buFont typeface="Arial" panose="020B0604020202020204" pitchFamily="34" charset="0"/>
-              <a:buChar char="•"/>
-            </a:pPr>
-            <a:r>
-              <a:rPr lang="en-US" sz="1800" b="1" dirty="0" smtClean="0"/>
-              <a:t>New methods</a:t>
-            </a:r>
-            <a:endParaRPr lang="en-US" sz="1800" dirty="0" smtClean="0"/>
-          </a:p>
-        </p:txBody>
-      </p:sp>
     </p:spTree>
     <p:extLst>
       <p:ext uri="{BB962C8B-B14F-4D97-AF65-F5344CB8AC3E}">
-        <p14:creationId xmlns:p14="http://schemas.microsoft.com/office/powerpoint/2010/main" val="4094113530"/>
+        <p14:creationId xmlns:p14="http://schemas.microsoft.com/office/powerpoint/2010/main" val="471529445"/>
       </p:ext>
     </p:extLst>
   </p:cSld>
@@ -8887,80 +7279,9 @@
   <p:timing>
     <p:tnLst>
       <p:par>
-        <p:cTn id="1" dur="indefinite" restart="never" nodeType="tmRoot">
-          <p:childTnLst>
-            <p:seq concurrent="1" nextAc="seek">
-              <p:cTn id="2" dur="indefinite" nodeType="mainSeq">
-                <p:childTnLst>
-                  <p:par>
-                    <p:cTn id="3" fill="hold">
-                      <p:stCondLst>
-                        <p:cond delay="indefinite"/>
-                      </p:stCondLst>
-                      <p:childTnLst>
-                        <p:par>
-                          <p:cTn id="4" fill="hold">
-                            <p:stCondLst>
-                              <p:cond delay="0"/>
-                            </p:stCondLst>
-                            <p:childTnLst>
-                              <p:par>
-                                <p:cTn id="5" presetID="1" presetClass="entr" presetSubtype="0" fill="hold" grpId="0" nodeType="clickEffect">
-                                  <p:stCondLst>
-                                    <p:cond delay="0"/>
-                                  </p:stCondLst>
-                                  <p:childTnLst>
-                                    <p:set>
-                                      <p:cBhvr>
-                                        <p:cTn id="6" dur="1" fill="hold">
-                                          <p:stCondLst>
-                                            <p:cond delay="0"/>
-                                          </p:stCondLst>
-                                        </p:cTn>
-                                        <p:tgtEl>
-                                          <p:spTgt spid="7"/>
-                                        </p:tgtEl>
-                                        <p:attrNameLst>
-                                          <p:attrName>style.visibility</p:attrName>
-                                        </p:attrNameLst>
-                                      </p:cBhvr>
-                                      <p:to>
-                                        <p:strVal val="visible"/>
-                                      </p:to>
-                                    </p:set>
-                                  </p:childTnLst>
-                                </p:cTn>
-                              </p:par>
-                            </p:childTnLst>
-                          </p:cTn>
-                        </p:par>
-                      </p:childTnLst>
-                    </p:cTn>
-                  </p:par>
-                </p:childTnLst>
-              </p:cTn>
-              <p:prevCondLst>
-                <p:cond evt="onPrev" delay="0">
-                  <p:tgtEl>
-                    <p:sldTgt/>
-                  </p:tgtEl>
-                </p:cond>
-              </p:prevCondLst>
-              <p:nextCondLst>
-                <p:cond evt="onNext" delay="0">
-                  <p:tgtEl>
-                    <p:sldTgt/>
-                  </p:tgtEl>
-                </p:cond>
-              </p:nextCondLst>
-            </p:seq>
-          </p:childTnLst>
-        </p:cTn>
+        <p:cTn id="1" dur="indefinite" restart="never" nodeType="tmRoot"/>
       </p:par>
     </p:tnLst>
-    <p:bldLst>
-      <p:bldP spid="7" grpId="0" animBg="1"/>
-    </p:bldLst>
   </p:timing>
 </p:sld>
 </file>
@@ -8999,7 +7320,7 @@
           <a:p>
             <a:r>
               <a:rPr lang="en-US" noProof="0" dirty="0" smtClean="0"/>
-              <a:t>Permissions</a:t>
+              <a:t>Measurements</a:t>
             </a:r>
             <a:endParaRPr lang="en-US" noProof="0" dirty="0"/>
           </a:p>
@@ -9028,35 +7349,31 @@
           <a:lstStyle/>
           <a:p>
             <a:r>
+              <a:rPr lang="en-US" dirty="0" smtClean="0"/>
+              <a:t>Collect </a:t>
+            </a:r>
+            <a:r>
+              <a:rPr lang="en-US" dirty="0"/>
+              <a:t>metrics on certain events or around pieces of code</a:t>
+            </a:r>
+          </a:p>
+          <a:p>
+            <a:r>
+              <a:rPr lang="en-US" dirty="0" smtClean="0"/>
+              <a:t>Measure </a:t>
+            </a:r>
+            <a:r>
+              <a:rPr lang="en-US" dirty="0"/>
+              <a:t>execution time and energy consumption</a:t>
+            </a:r>
+            <a:endParaRPr lang="en-US" noProof="0" dirty="0" smtClean="0"/>
+          </a:p>
+          <a:p>
+            <a:endParaRPr lang="en-US" noProof="0" dirty="0" smtClean="0"/>
+          </a:p>
+          <a:p>
+            <a:r>
               <a:rPr lang="en-US" noProof="0" dirty="0" smtClean="0"/>
-              <a:t>Add </a:t>
-            </a:r>
-            <a:r>
-              <a:rPr lang="en-US" noProof="0" dirty="0"/>
-              <a:t>access </a:t>
-            </a:r>
-            <a:r>
-              <a:rPr lang="en-US" noProof="0" dirty="0" smtClean="0"/>
-              <a:t>permissions to setter methods </a:t>
-            </a:r>
-            <a:r>
-              <a:rPr lang="en-US" noProof="0" dirty="0"/>
-              <a:t>only </a:t>
-            </a:r>
-            <a:r>
-              <a:rPr lang="en-US" noProof="0" dirty="0" smtClean="0"/>
-              <a:t>to people that are admins</a:t>
-            </a:r>
-          </a:p>
-          <a:p>
-            <a:pPr marL="342900" lvl="1" indent="0">
-              <a:buNone/>
-            </a:pPr>
-            <a:endParaRPr lang="en-US" noProof="0" dirty="0" smtClean="0"/>
-          </a:p>
-          <a:p>
-            <a:r>
-              <a:rPr lang="en-US" noProof="0" dirty="0"/>
               <a:t>Strategy</a:t>
             </a:r>
             <a:endParaRPr lang="en-US" noProof="0" dirty="0" smtClean="0"/>
@@ -9067,8 +7384,12 @@
               <a:buAutoNum type="arabicPeriod"/>
             </a:pPr>
             <a:r>
-              <a:rPr lang="en-US" noProof="0" dirty="0" smtClean="0"/>
-              <a:t>Extend class Person with username, password and admin status</a:t>
+              <a:rPr lang="en-US" dirty="0" smtClean="0"/>
+              <a:t>Capture </a:t>
+            </a:r>
+            <a:r>
+              <a:rPr lang="en-US" dirty="0"/>
+              <a:t>loops inside a specific function</a:t>
             </a:r>
           </a:p>
           <a:p>
@@ -9077,36 +7398,14 @@
               <a:buAutoNum type="arabicPeriod"/>
             </a:pPr>
             <a:r>
-              <a:rPr lang="en-US" noProof="0" dirty="0" smtClean="0"/>
-              <a:t>Add </a:t>
-            </a:r>
-            <a:r>
-              <a:rPr lang="en-US" noProof="0" dirty="0" err="1" smtClean="0"/>
-              <a:t>Auth</a:t>
-            </a:r>
-            <a:r>
-              <a:rPr lang="en-US" noProof="0" dirty="0" smtClean="0"/>
-              <a:t> class to control the list of persons, the login method, and </a:t>
-            </a:r>
-            <a:r>
-              <a:rPr lang="en-US" noProof="0" dirty="0"/>
-              <a:t>the </a:t>
-            </a:r>
-            <a:r>
-              <a:rPr lang="en-US" noProof="0" dirty="0" smtClean="0"/>
-              <a:t>current user</a:t>
-            </a:r>
-            <a:endParaRPr lang="en-US" noProof="0" dirty="0"/>
-          </a:p>
-          <a:p>
-            <a:pPr marL="685800" lvl="1" indent="-342900">
-              <a:buFont typeface="+mj-lt"/>
-              <a:buAutoNum type="arabicPeriod"/>
-            </a:pPr>
-            <a:r>
-              <a:rPr lang="en-US" noProof="0" dirty="0" smtClean="0"/>
-              <a:t>Add code to verify user permissions before calls to setters</a:t>
-            </a:r>
+              <a:rPr lang="en-US" dirty="0" smtClean="0"/>
+              <a:t>Call </a:t>
+            </a:r>
+            <a:r>
+              <a:rPr lang="en-US" dirty="0"/>
+              <a:t>APIs to measure around the selected loops</a:t>
+            </a:r>
+            <a:endParaRPr lang="en-US" noProof="0" dirty="0" smtClean="0"/>
           </a:p>
         </p:txBody>
       </p:sp>
@@ -9137,7 +7436,7 @@
     </p:spTree>
     <p:extLst>
       <p:ext uri="{BB962C8B-B14F-4D97-AF65-F5344CB8AC3E}">
-        <p14:creationId xmlns:p14="http://schemas.microsoft.com/office/powerpoint/2010/main" val="2517567448"/>
+        <p14:creationId xmlns:p14="http://schemas.microsoft.com/office/powerpoint/2010/main" val="3033291362"/>
       </p:ext>
     </p:extLst>
   </p:cSld>
@@ -9187,8 +7486,8 @@
           <a:lstStyle/>
           <a:p>
             <a:r>
-              <a:rPr lang="en-US" noProof="0" dirty="0" smtClean="0"/>
-              <a:t>Observer Pattern</a:t>
+              <a:rPr lang="en-US" noProof="0" dirty="0" err="1" smtClean="0"/>
+              <a:t>AutoPar</a:t>
             </a:r>
             <a:endParaRPr lang="en-US" noProof="0" dirty="0"/>
           </a:p>
@@ -9217,35 +7516,34 @@
           <a:lstStyle/>
           <a:p>
             <a:r>
-              <a:rPr lang="en-US" noProof="0" dirty="0" smtClean="0"/>
-              <a:t>Observe </a:t>
-            </a:r>
-            <a:r>
-              <a:rPr lang="en-US" b="1" noProof="0" dirty="0" smtClean="0"/>
-              <a:t>setter </a:t>
-            </a:r>
-            <a:r>
-              <a:rPr lang="en-US" noProof="0" dirty="0" smtClean="0"/>
-              <a:t>invocations over </a:t>
-            </a:r>
-            <a:r>
-              <a:rPr lang="en-US" b="1" noProof="0" dirty="0" smtClean="0"/>
-              <a:t>Shape</a:t>
-            </a:r>
-            <a:r>
-              <a:rPr lang="en-US" noProof="0" dirty="0" smtClean="0"/>
-              <a:t> instances to redraw the shape in the </a:t>
-            </a:r>
-            <a:r>
-              <a:rPr lang="en-US" b="1" noProof="0" dirty="0" smtClean="0"/>
-              <a:t>Screen</a:t>
-            </a:r>
-            <a:endParaRPr lang="en-US" b="1" noProof="0" dirty="0" smtClean="0"/>
-          </a:p>
-          <a:p>
-            <a:pPr marL="342900" lvl="1" indent="0">
-              <a:buNone/>
-            </a:pPr>
+              <a:rPr lang="en-US" dirty="0" smtClean="0"/>
+              <a:t>Improve </a:t>
+            </a:r>
+            <a:r>
+              <a:rPr lang="en-US" dirty="0"/>
+              <a:t>execution performance with </a:t>
+            </a:r>
+            <a:r>
+              <a:rPr lang="en-US" dirty="0" err="1"/>
+              <a:t>OpenMP</a:t>
+            </a:r>
+            <a:endParaRPr lang="en-US" dirty="0"/>
+          </a:p>
+          <a:p>
+            <a:r>
+              <a:rPr lang="en-US" dirty="0" smtClean="0"/>
+              <a:t>Free </a:t>
+            </a:r>
+            <a:r>
+              <a:rPr lang="en-US" dirty="0"/>
+              <a:t>the user from </a:t>
+            </a:r>
+            <a:r>
+              <a:rPr lang="en-US" dirty="0" smtClean="0"/>
+              <a:t>analysis</a:t>
+            </a:r>
+          </a:p>
+          <a:p>
             <a:endParaRPr lang="en-US" noProof="0" dirty="0" smtClean="0"/>
           </a:p>
           <a:p>
@@ -9253,6 +7551,7 @@
               <a:rPr lang="en-US" noProof="0" dirty="0" smtClean="0"/>
               <a:t>Strategy</a:t>
             </a:r>
+            <a:endParaRPr lang="en-US" noProof="0" dirty="0" smtClean="0"/>
           </a:p>
           <a:p>
             <a:pPr marL="685800" lvl="1" indent="-342900">
@@ -9260,25 +7559,18 @@
               <a:buAutoNum type="arabicPeriod"/>
             </a:pPr>
             <a:r>
-              <a:rPr lang="en-US" noProof="0" dirty="0" smtClean="0"/>
-              <a:t>Add </a:t>
-            </a:r>
-            <a:r>
-              <a:rPr lang="en-US" b="1" noProof="0" dirty="0" smtClean="0"/>
-              <a:t>Subject </a:t>
-            </a:r>
-            <a:r>
-              <a:rPr lang="en-US" noProof="0" dirty="0" smtClean="0"/>
-              <a:t>and </a:t>
-            </a:r>
-            <a:r>
-              <a:rPr lang="en-US" b="1" noProof="0" dirty="0" smtClean="0"/>
-              <a:t>Observer </a:t>
-            </a:r>
-            <a:r>
-              <a:rPr lang="en-US" noProof="0" dirty="0" smtClean="0"/>
-              <a:t>interfaces</a:t>
-            </a:r>
+              <a:rPr lang="en-US" dirty="0" smtClean="0"/>
+              <a:t>Select </a:t>
+            </a:r>
+            <a:r>
+              <a:rPr lang="en-US" dirty="0"/>
+              <a:t>target loop based on </a:t>
+            </a:r>
+            <a:r>
+              <a:rPr lang="en-US" b="1" dirty="0" smtClean="0"/>
+              <a:t>pragma</a:t>
+            </a:r>
+            <a:endParaRPr lang="en-US" b="1" dirty="0"/>
           </a:p>
           <a:p>
             <a:pPr marL="685800" lvl="1" indent="-342900">
@@ -9286,19 +7578,18 @@
               <a:buAutoNum type="arabicPeriod"/>
             </a:pPr>
             <a:r>
-              <a:rPr lang="en-US" noProof="0" dirty="0" smtClean="0"/>
-              <a:t>Extend target classes with these interfaces and methods implementations</a:t>
-            </a:r>
-          </a:p>
-          <a:p>
-            <a:pPr marL="685800" lvl="1" indent="-342900">
-              <a:buFont typeface="+mj-lt"/>
-              <a:buAutoNum type="arabicPeriod"/>
-            </a:pPr>
-            <a:r>
-              <a:rPr lang="en-US" noProof="0" dirty="0" smtClean="0"/>
-              <a:t>Add code to notify observers when shape changes</a:t>
-            </a:r>
+              <a:rPr lang="en-US" dirty="0" smtClean="0"/>
+              <a:t>Call </a:t>
+            </a:r>
+            <a:r>
+              <a:rPr lang="en-US" dirty="0" err="1"/>
+              <a:t>AutoPar</a:t>
+            </a:r>
+            <a:r>
+              <a:rPr lang="en-US" dirty="0"/>
+              <a:t> API to parallelize the target loop</a:t>
+            </a:r>
+            <a:endParaRPr lang="en-US" noProof="0" dirty="0" smtClean="0"/>
           </a:p>
         </p:txBody>
       </p:sp>
@@ -9326,69 +7617,10 @@
           </a:p>
         </p:txBody>
       </p:sp>
-      <p:sp>
-        <p:nvSpPr>
-          <p:cNvPr id="8" name="Rounded Rectangular Callout 7"/>
-          <p:cNvSpPr/>
-          <p:nvPr/>
-        </p:nvSpPr>
-        <p:spPr>
-          <a:xfrm>
-            <a:off x="4829175" y="170440"/>
-            <a:ext cx="4105275" cy="1097576"/>
-          </a:xfrm>
-          <a:prstGeom prst="wedgeRoundRectCallout">
-            <a:avLst>
-              <a:gd name="adj1" fmla="val -77011"/>
-              <a:gd name="adj2" fmla="val -598"/>
-              <a:gd name="adj3" fmla="val 16667"/>
-            </a:avLst>
-          </a:prstGeom>
-        </p:spPr>
-        <p:style>
-          <a:lnRef idx="2">
-            <a:schemeClr val="accent1">
-              <a:shade val="50000"/>
-            </a:schemeClr>
-          </a:lnRef>
-          <a:fillRef idx="1">
-            <a:schemeClr val="accent1"/>
-          </a:fillRef>
-          <a:effectRef idx="0">
-            <a:schemeClr val="accent1"/>
-          </a:effectRef>
-          <a:fontRef idx="minor">
-            <a:schemeClr val="lt1"/>
-          </a:fontRef>
-        </p:style>
-        <p:txBody>
-          <a:bodyPr rtlCol="0" anchor="ctr"/>
-          <a:lstStyle/>
-          <a:p>
-            <a:pPr marL="285750" indent="-285750">
-              <a:buFont typeface="Arial" panose="020B0604020202020204" pitchFamily="34" charset="0"/>
-              <a:buChar char="•"/>
-            </a:pPr>
-            <a:r>
-              <a:rPr lang="en-US" sz="1800" dirty="0" smtClean="0"/>
-              <a:t>Although </a:t>
-            </a:r>
-            <a:r>
-              <a:rPr lang="en-US" sz="1800" dirty="0" smtClean="0"/>
-              <a:t>functional requirements can be specified in LARA, they are not regular cases of LARA </a:t>
-            </a:r>
-            <a:r>
-              <a:rPr lang="en-US" sz="1800" dirty="0" smtClean="0"/>
-              <a:t>usage</a:t>
-            </a:r>
-            <a:endParaRPr lang="en-US" sz="1800" dirty="0"/>
-          </a:p>
-        </p:txBody>
-      </p:sp>
     </p:spTree>
     <p:extLst>
       <p:ext uri="{BB962C8B-B14F-4D97-AF65-F5344CB8AC3E}">
-        <p14:creationId xmlns:p14="http://schemas.microsoft.com/office/powerpoint/2010/main" val="2188625607"/>
+        <p14:creationId xmlns:p14="http://schemas.microsoft.com/office/powerpoint/2010/main" val="232972701"/>
       </p:ext>
     </p:extLst>
   </p:cSld>
@@ -9398,111 +7630,9 @@
   <p:timing>
     <p:tnLst>
       <p:par>
-        <p:cTn id="1" dur="indefinite" restart="never" nodeType="tmRoot">
-          <p:childTnLst>
-            <p:seq concurrent="1" nextAc="seek">
-              <p:cTn id="2" dur="indefinite" nodeType="mainSeq">
-                <p:childTnLst>
-                  <p:par>
-                    <p:cTn id="3" fill="hold">
-                      <p:stCondLst>
-                        <p:cond delay="indefinite"/>
-                      </p:stCondLst>
-                      <p:childTnLst>
-                        <p:par>
-                          <p:cTn id="4" fill="hold">
-                            <p:stCondLst>
-                              <p:cond delay="0"/>
-                            </p:stCondLst>
-                            <p:childTnLst>
-                              <p:par>
-                                <p:cTn id="5" presetID="1" presetClass="entr" presetSubtype="0" fill="hold" grpId="0" nodeType="clickEffect">
-                                  <p:stCondLst>
-                                    <p:cond delay="0"/>
-                                  </p:stCondLst>
-                                  <p:childTnLst>
-                                    <p:set>
-                                      <p:cBhvr>
-                                        <p:cTn id="6" dur="1" fill="hold">
-                                          <p:stCondLst>
-                                            <p:cond delay="0"/>
-                                          </p:stCondLst>
-                                        </p:cTn>
-                                        <p:tgtEl>
-                                          <p:spTgt spid="8"/>
-                                        </p:tgtEl>
-                                        <p:attrNameLst>
-                                          <p:attrName>style.visibility</p:attrName>
-                                        </p:attrNameLst>
-                                      </p:cBhvr>
-                                      <p:to>
-                                        <p:strVal val="visible"/>
-                                      </p:to>
-                                    </p:set>
-                                  </p:childTnLst>
-                                </p:cTn>
-                              </p:par>
-                              <p:par>
-                                <p:cTn id="7" presetID="1" presetClass="entr" presetSubtype="0" fill="hold" nodeType="withEffect">
-                                  <p:stCondLst>
-                                    <p:cond delay="0"/>
-                                  </p:stCondLst>
-                                  <p:childTnLst>
-                                    <p:set>
-                                      <p:cBhvr>
-                                        <p:cTn id="8" dur="1" fill="hold">
-                                          <p:stCondLst>
-                                            <p:cond delay="0"/>
-                                          </p:stCondLst>
-                                        </p:cTn>
-                                        <p:tgtEl>
-                                          <p:spTgt spid="8">
-                                            <p:txEl>
-                                              <p:pRg st="0" end="0"/>
-                                            </p:txEl>
-                                          </p:spTgt>
-                                        </p:tgtEl>
-                                        <p:attrNameLst>
-                                          <p:attrName>style.visibility</p:attrName>
-                                        </p:attrNameLst>
-                                      </p:cBhvr>
-                                      <p:to>
-                                        <p:strVal val="visible"/>
-                                      </p:to>
-                                    </p:set>
-                                  </p:childTnLst>
-                                </p:cTn>
-                              </p:par>
-                            </p:childTnLst>
-                          </p:cTn>
-                        </p:par>
-                      </p:childTnLst>
-                    </p:cTn>
-                  </p:par>
-                </p:childTnLst>
-              </p:cTn>
-              <p:prevCondLst>
-                <p:cond evt="onPrev" delay="0">
-                  <p:tgtEl>
-                    <p:sldTgt/>
-                  </p:tgtEl>
-                </p:cond>
-              </p:prevCondLst>
-              <p:nextCondLst>
-                <p:cond evt="onNext" delay="0">
-                  <p:tgtEl>
-                    <p:sldTgt/>
-                  </p:tgtEl>
-                </p:cond>
-              </p:nextCondLst>
-            </p:seq>
-          </p:childTnLst>
-        </p:cTn>
+        <p:cTn id="1" dur="indefinite" restart="never" nodeType="tmRoot"/>
       </p:par>
     </p:tnLst>
-    <p:bldLst>
-      <p:bldP spid="8" grpId="0" animBg="1"/>
-    </p:bldLst>
   </p:timing>
 </p:sld>
 </file>
@@ -9540,8 +7670,8 @@
           <a:lstStyle/>
           <a:p>
             <a:r>
-              <a:rPr lang="en-US" noProof="0" dirty="0" smtClean="0"/>
-              <a:t>Loop Interchange</a:t>
+              <a:rPr lang="en-US" noProof="0" smtClean="0"/>
+              <a:t>Conclusions</a:t>
             </a:r>
             <a:endParaRPr lang="en-US" noProof="0" dirty="0"/>
           </a:p>
@@ -9560,67 +7690,94 @@
         <p:spPr/>
         <p:txBody>
           <a:bodyPr>
-            <a:normAutofit/>
+            <a:normAutofit fontScale="92500" lnSpcReduction="10000"/>
           </a:bodyPr>
           <a:lstStyle/>
           <a:p>
             <a:r>
               <a:rPr lang="en-US" dirty="0" smtClean="0"/>
-              <a:t>Nested loops of matrix multiplication: which is the best performing loop order?</a:t>
+              <a:t>LARA is a </a:t>
+            </a:r>
+            <a:r>
+              <a:rPr lang="en-US" b="1" dirty="0" smtClean="0"/>
+              <a:t>source-to-source</a:t>
+            </a:r>
+            <a:r>
+              <a:rPr lang="en-US" dirty="0" smtClean="0"/>
+              <a:t> AOP language </a:t>
             </a:r>
           </a:p>
           <a:p>
             <a:endParaRPr lang="en-US" dirty="0" smtClean="0"/>
           </a:p>
           <a:p>
+            <a:r>
+              <a:rPr lang="en-US" b="1" dirty="0" smtClean="0"/>
+              <a:t>Aspect reusability</a:t>
+            </a:r>
+            <a:r>
+              <a:rPr lang="en-US" dirty="0" smtClean="0"/>
+              <a:t> between programs and languages</a:t>
+            </a:r>
+          </a:p>
+          <a:p>
             <a:endParaRPr lang="en-US" dirty="0" smtClean="0"/>
           </a:p>
           <a:p>
             <a:r>
+              <a:rPr lang="en-US" b="1" dirty="0" smtClean="0"/>
+              <a:t>Fine-grained</a:t>
+            </a:r>
+            <a:r>
               <a:rPr lang="en-US" dirty="0" smtClean="0"/>
-              <a:t>First Strategy</a:t>
-            </a:r>
+              <a:t>, structural/syntactic join points with </a:t>
+            </a:r>
+            <a:r>
+              <a:rPr lang="en-US" b="1" dirty="0" smtClean="0"/>
+              <a:t>semantic information</a:t>
+            </a:r>
+          </a:p>
+          <a:p>
+            <a:endParaRPr lang="en-US" dirty="0" smtClean="0"/>
+          </a:p>
+          <a:p>
+            <a:r>
+              <a:rPr lang="en-US" dirty="0" smtClean="0"/>
+              <a:t>Code injection, elements introduction and </a:t>
+            </a:r>
+            <a:r>
+              <a:rPr lang="en-US" b="1" dirty="0" smtClean="0"/>
+              <a:t>code transformations</a:t>
+            </a:r>
+          </a:p>
+          <a:p>
+            <a:endParaRPr lang="en-US" dirty="0" smtClean="0"/>
+          </a:p>
+          <a:p>
+            <a:r>
+              <a:rPr lang="en-US" dirty="0" err="1" smtClean="0"/>
+              <a:t>Kadabra</a:t>
+            </a:r>
+            <a:r>
+              <a:rPr lang="en-US" dirty="0" smtClean="0"/>
+              <a:t> weaver includes </a:t>
+            </a:r>
+            <a:r>
+              <a:rPr lang="en-US" b="1" dirty="0" smtClean="0"/>
+              <a:t>runtime adaptation</a:t>
+            </a:r>
+            <a:r>
+              <a:rPr lang="en-US" dirty="0" smtClean="0"/>
+              <a:t> mechanisms such as </a:t>
+            </a:r>
+            <a:r>
+              <a:rPr lang="en-US" b="1" dirty="0" err="1" smtClean="0"/>
+              <a:t>Autotuning</a:t>
+            </a:r>
+            <a:endParaRPr lang="en-US" b="1" dirty="0" smtClean="0"/>
+          </a:p>
+          <a:p>
             <a:endParaRPr lang="en-US" dirty="0"/>
-          </a:p>
-          <a:p>
-            <a:pPr marL="685800" lvl="1" indent="-342900">
-              <a:buFont typeface="+mj-lt"/>
-              <a:buAutoNum type="arabicPeriod"/>
-            </a:pPr>
-            <a:r>
-              <a:rPr lang="en-US" dirty="0" smtClean="0"/>
-              <a:t>Select nested loops to interchange</a:t>
-            </a:r>
-          </a:p>
-          <a:p>
-            <a:pPr marL="685800" lvl="1" indent="-342900">
-              <a:buFont typeface="+mj-lt"/>
-              <a:buAutoNum type="arabicPeriod"/>
-            </a:pPr>
-            <a:r>
-              <a:rPr lang="en-US" dirty="0" smtClean="0"/>
-              <a:t>Apply “interchange” code transformation</a:t>
-            </a:r>
-          </a:p>
-          <a:p>
-            <a:pPr marL="685800" lvl="1" indent="-342900">
-              <a:buFont typeface="+mj-lt"/>
-              <a:buAutoNum type="arabicPeriod"/>
-            </a:pPr>
-            <a:r>
-              <a:rPr lang="en-US" dirty="0" smtClean="0"/>
-              <a:t>Add execution time monitor</a:t>
-            </a:r>
-          </a:p>
-          <a:p>
-            <a:pPr marL="685800" lvl="1" indent="-342900">
-              <a:buFont typeface="+mj-lt"/>
-              <a:buAutoNum type="arabicPeriod"/>
-            </a:pPr>
-            <a:r>
-              <a:rPr lang="en-US" dirty="0" smtClean="0"/>
-              <a:t>Execute application and verify execution time</a:t>
-            </a:r>
           </a:p>
         </p:txBody>
       </p:sp>
@@ -9651,13 +7808,21 @@
     </p:spTree>
     <p:extLst>
       <p:ext uri="{BB962C8B-B14F-4D97-AF65-F5344CB8AC3E}">
-        <p14:creationId xmlns:p14="http://schemas.microsoft.com/office/powerpoint/2010/main" val="2306583442"/>
+        <p14:creationId xmlns:p14="http://schemas.microsoft.com/office/powerpoint/2010/main" val="2123864331"/>
       </p:ext>
     </p:extLst>
   </p:cSld>
   <p:clrMapOvr>
     <a:masterClrMapping/>
   </p:clrMapOvr>
+  <mc:AlternateContent xmlns:mc="http://schemas.openxmlformats.org/markup-compatibility/2006" xmlns:p14="http://schemas.microsoft.com/office/powerpoint/2010/main">
+    <mc:Choice Requires="p14">
+      <p:transition p14:dur="0"/>
+    </mc:Choice>
+    <mc:Fallback xmlns="">
+      <p:transition/>
+    </mc:Fallback>
+  </mc:AlternateContent>
   <p:timing>
     <p:tnLst>
       <p:par>
@@ -9723,56 +7888,6 @@
           <a:bodyPr/>
           <a:lstStyle/>
           <a:p>
-            <a:r>
-              <a:rPr lang="en-US" noProof="0" dirty="0" smtClean="0"/>
-              <a:t>Motivation</a:t>
-            </a:r>
-          </a:p>
-          <a:p>
-            <a:r>
-              <a:rPr lang="en-US" noProof="0" dirty="0" smtClean="0"/>
-              <a:t>The LARA Approach</a:t>
-            </a:r>
-          </a:p>
-          <a:p>
-            <a:r>
-              <a:rPr lang="en-US" noProof="0" dirty="0" smtClean="0"/>
-              <a:t>Examples</a:t>
-            </a:r>
-          </a:p>
-          <a:p>
-            <a:pPr lvl="1"/>
-            <a:r>
-              <a:rPr lang="en-US" noProof="0" dirty="0" smtClean="0"/>
-              <a:t>Static Profiling</a:t>
-            </a:r>
-          </a:p>
-          <a:p>
-            <a:pPr lvl="1"/>
-            <a:r>
-              <a:rPr lang="en-US" noProof="0" dirty="0" smtClean="0"/>
-              <a:t>Non-functional Requirements</a:t>
-            </a:r>
-          </a:p>
-          <a:p>
-            <a:pPr lvl="1"/>
-            <a:r>
-              <a:rPr lang="en-US" noProof="0" dirty="0" smtClean="0"/>
-              <a:t>Functional Requirements</a:t>
-            </a:r>
-          </a:p>
-          <a:p>
-            <a:pPr lvl="1"/>
-            <a:r>
-              <a:rPr lang="en-US" noProof="0" dirty="0" smtClean="0"/>
-              <a:t>Code Optimization</a:t>
-            </a:r>
-          </a:p>
-          <a:p>
-            <a:r>
-              <a:rPr lang="en-US" noProof="0" dirty="0" smtClean="0"/>
-              <a:t>Conclusions</a:t>
-            </a:r>
             <a:endParaRPr lang="en-US" noProof="0" dirty="0" smtClean="0"/>
           </a:p>
         </p:txBody>
@@ -9846,3086 +7961,6 @@
           <a:chExt cx="0" cy="0"/>
         </a:xfrm>
       </p:grpSpPr>
-      <p:sp>
-        <p:nvSpPr>
-          <p:cNvPr id="2" name="Title 1"/>
-          <p:cNvSpPr>
-            <a:spLocks noGrp="1"/>
-          </p:cNvSpPr>
-          <p:nvPr>
-            <p:ph type="title"/>
-          </p:nvPr>
-        </p:nvSpPr>
-        <p:spPr/>
-        <p:txBody>
-          <a:bodyPr/>
-          <a:lstStyle/>
-          <a:p>
-            <a:r>
-              <a:rPr lang="en-US" noProof="0" dirty="0" smtClean="0"/>
-              <a:t>Loop Interchange</a:t>
-            </a:r>
-            <a:endParaRPr lang="en-US" noProof="0" dirty="0"/>
-          </a:p>
-        </p:txBody>
-      </p:sp>
-      <p:sp>
-        <p:nvSpPr>
-          <p:cNvPr id="3" name="Content Placeholder 2"/>
-          <p:cNvSpPr>
-            <a:spLocks noGrp="1"/>
-          </p:cNvSpPr>
-          <p:nvPr>
-            <p:ph idx="1"/>
-          </p:nvPr>
-        </p:nvSpPr>
-        <p:spPr/>
-        <p:txBody>
-          <a:bodyPr>
-            <a:normAutofit lnSpcReduction="10000"/>
-          </a:bodyPr>
-          <a:lstStyle/>
-          <a:p>
-            <a:r>
-              <a:rPr lang="en-US" dirty="0" smtClean="0"/>
-              <a:t>Nested loops of matrix multiplication: which is the best performing loop order?</a:t>
-            </a:r>
-          </a:p>
-          <a:p>
-            <a:endParaRPr lang="en-US" dirty="0" smtClean="0"/>
-          </a:p>
-          <a:p>
-            <a:endParaRPr lang="en-US" dirty="0" smtClean="0"/>
-          </a:p>
-          <a:p>
-            <a:r>
-              <a:rPr lang="en-US" dirty="0" smtClean="0"/>
-              <a:t>Second Strategy</a:t>
-            </a:r>
-            <a:endParaRPr lang="en-US" dirty="0"/>
-          </a:p>
-          <a:p>
-            <a:pPr marL="685800" lvl="1" indent="-342900">
-              <a:buFont typeface="+mj-lt"/>
-              <a:buAutoNum type="arabicPeriod"/>
-            </a:pPr>
-            <a:r>
-              <a:rPr lang="en-US" dirty="0" smtClean="0"/>
-              <a:t>Generate clone for each possible loop permutation</a:t>
-            </a:r>
-          </a:p>
-          <a:p>
-            <a:pPr marL="685800" lvl="1" indent="-342900">
-              <a:buFont typeface="+mj-lt"/>
-              <a:buAutoNum type="arabicPeriod"/>
-            </a:pPr>
-            <a:r>
-              <a:rPr lang="en-US" dirty="0" smtClean="0"/>
-              <a:t>Apply a different loop “interchange” in each clone</a:t>
-            </a:r>
-          </a:p>
-          <a:p>
-            <a:pPr marL="685800" lvl="1" indent="-342900">
-              <a:buFont typeface="+mj-lt"/>
-              <a:buAutoNum type="arabicPeriod"/>
-            </a:pPr>
-            <a:r>
-              <a:rPr lang="en-US" dirty="0" smtClean="0"/>
-              <a:t>Add execution of these clones after the original method</a:t>
-            </a:r>
-          </a:p>
-          <a:p>
-            <a:pPr marL="685800" lvl="1" indent="-342900">
-              <a:buFont typeface="+mj-lt"/>
-              <a:buAutoNum type="arabicPeriod"/>
-            </a:pPr>
-            <a:r>
-              <a:rPr lang="en-US" dirty="0" smtClean="0"/>
-              <a:t>Add execution time monitors for all invocations</a:t>
-            </a:r>
-          </a:p>
-          <a:p>
-            <a:pPr marL="685800" lvl="1" indent="-342900">
-              <a:buFont typeface="+mj-lt"/>
-              <a:buAutoNum type="arabicPeriod"/>
-            </a:pPr>
-            <a:r>
-              <a:rPr lang="en-US" dirty="0" smtClean="0"/>
-              <a:t>Execute application and verify execution time</a:t>
-            </a:r>
-          </a:p>
-        </p:txBody>
-      </p:sp>
-      <p:sp>
-        <p:nvSpPr>
-          <p:cNvPr id="4" name="Slide Number Placeholder 3"/>
-          <p:cNvSpPr>
-            <a:spLocks noGrp="1"/>
-          </p:cNvSpPr>
-          <p:nvPr>
-            <p:ph type="sldNum" sz="quarter" idx="12"/>
-          </p:nvPr>
-        </p:nvSpPr>
-        <p:spPr/>
-        <p:txBody>
-          <a:bodyPr/>
-          <a:lstStyle/>
-          <a:p>
-            <a:fld id="{38DF255E-9420-4F7A-80EB-BC56962E5981}" type="slidenum">
-              <a:rPr lang="pt-PT" smtClean="0"/>
-              <a:pPr/>
-              <a:t>20</a:t>
-            </a:fld>
-            <a:endParaRPr lang="pt-PT" dirty="0"/>
-          </a:p>
-        </p:txBody>
-      </p:sp>
-      <p:sp>
-        <p:nvSpPr>
-          <p:cNvPr id="6" name="Rounded Rectangular Callout 5"/>
-          <p:cNvSpPr/>
-          <p:nvPr/>
-        </p:nvSpPr>
-        <p:spPr>
-          <a:xfrm>
-            <a:off x="4829175" y="170440"/>
-            <a:ext cx="4238625" cy="3163310"/>
-          </a:xfrm>
-          <a:prstGeom prst="wedgeRoundRectCallout">
-            <a:avLst>
-              <a:gd name="adj1" fmla="val -76582"/>
-              <a:gd name="adj2" fmla="val -30050"/>
-              <a:gd name="adj3" fmla="val 16667"/>
-            </a:avLst>
-          </a:prstGeom>
-        </p:spPr>
-        <p:style>
-          <a:lnRef idx="2">
-            <a:schemeClr val="accent1">
-              <a:shade val="50000"/>
-            </a:schemeClr>
-          </a:lnRef>
-          <a:fillRef idx="1">
-            <a:schemeClr val="accent1"/>
-          </a:fillRef>
-          <a:effectRef idx="0">
-            <a:schemeClr val="accent1"/>
-          </a:effectRef>
-          <a:fontRef idx="minor">
-            <a:schemeClr val="lt1"/>
-          </a:fontRef>
-        </p:style>
-        <p:txBody>
-          <a:bodyPr rtlCol="0" anchor="ctr"/>
-          <a:lstStyle/>
-          <a:p>
-            <a:r>
-              <a:rPr lang="en-US" sz="1800" b="1" dirty="0" smtClean="0"/>
-              <a:t>LARA </a:t>
-            </a:r>
-          </a:p>
-          <a:p>
-            <a:pPr marL="285750" indent="-285750">
-              <a:buFont typeface="Arial" panose="020B0604020202020204" pitchFamily="34" charset="0"/>
-              <a:buChar char="•"/>
-            </a:pPr>
-            <a:r>
-              <a:rPr lang="en-US" sz="1800" dirty="0" smtClean="0"/>
-              <a:t>Code transformations</a:t>
-            </a:r>
-          </a:p>
-          <a:p>
-            <a:pPr marL="628650" lvl="1" indent="-285750">
-              <a:buFont typeface="Arial" panose="020B0604020202020204" pitchFamily="34" charset="0"/>
-              <a:buChar char="•"/>
-            </a:pPr>
-            <a:r>
-              <a:rPr lang="en-US" sz="1800" dirty="0" smtClean="0"/>
-              <a:t>Loop tiling, interchange, unroll,...</a:t>
-            </a:r>
-          </a:p>
-          <a:p>
-            <a:pPr marL="285750" indent="-285750">
-              <a:buFont typeface="Arial" panose="020B0604020202020204" pitchFamily="34" charset="0"/>
-              <a:buChar char="•"/>
-            </a:pPr>
-            <a:r>
-              <a:rPr lang="en-US" sz="1800" dirty="0" smtClean="0"/>
-              <a:t>Different weaving tools may have different code transformations</a:t>
-            </a:r>
-          </a:p>
-          <a:p>
-            <a:pPr marL="285750" indent="-285750">
-              <a:buFont typeface="Arial" panose="020B0604020202020204" pitchFamily="34" charset="0"/>
-              <a:buChar char="•"/>
-            </a:pPr>
-            <a:r>
-              <a:rPr lang="en-US" sz="1800" dirty="0"/>
-              <a:t>Capability of defining and using aspects and JavaScript APIs</a:t>
-            </a:r>
-          </a:p>
-          <a:p>
-            <a:endParaRPr lang="en-US" sz="1800" dirty="0" smtClean="0"/>
-          </a:p>
-          <a:p>
-            <a:r>
-              <a:rPr lang="en-US" sz="1800" b="1" dirty="0" smtClean="0"/>
-              <a:t>AspectJ</a:t>
-            </a:r>
-          </a:p>
-          <a:p>
-            <a:pPr marL="285750" indent="-285750">
-              <a:buFont typeface="Arial" panose="020B0604020202020204" pitchFamily="34" charset="0"/>
-              <a:buChar char="•"/>
-            </a:pPr>
-            <a:r>
-              <a:rPr lang="en-US" sz="1800" dirty="0" smtClean="0"/>
-              <a:t>Limited to code injection and new members introduction</a:t>
-            </a:r>
-          </a:p>
-        </p:txBody>
-      </p:sp>
-    </p:spTree>
-    <p:extLst>
-      <p:ext uri="{BB962C8B-B14F-4D97-AF65-F5344CB8AC3E}">
-        <p14:creationId xmlns:p14="http://schemas.microsoft.com/office/powerpoint/2010/main" val="3272602615"/>
-      </p:ext>
-    </p:extLst>
-  </p:cSld>
-  <p:clrMapOvr>
-    <a:masterClrMapping/>
-  </p:clrMapOvr>
-  <p:timing>
-    <p:tnLst>
-      <p:par>
-        <p:cTn id="1" dur="indefinite" restart="never" nodeType="tmRoot">
-          <p:childTnLst>
-            <p:seq concurrent="1" nextAc="seek">
-              <p:cTn id="2" dur="indefinite" nodeType="mainSeq">
-                <p:childTnLst>
-                  <p:par>
-                    <p:cTn id="3" fill="hold">
-                      <p:stCondLst>
-                        <p:cond delay="indefinite"/>
-                      </p:stCondLst>
-                      <p:childTnLst>
-                        <p:par>
-                          <p:cTn id="4" fill="hold">
-                            <p:stCondLst>
-                              <p:cond delay="0"/>
-                            </p:stCondLst>
-                            <p:childTnLst>
-                              <p:par>
-                                <p:cTn id="5" presetID="1" presetClass="entr" presetSubtype="0" fill="hold" grpId="0" nodeType="clickEffect">
-                                  <p:stCondLst>
-                                    <p:cond delay="0"/>
-                                  </p:stCondLst>
-                                  <p:childTnLst>
-                                    <p:set>
-                                      <p:cBhvr>
-                                        <p:cTn id="6" dur="1" fill="hold">
-                                          <p:stCondLst>
-                                            <p:cond delay="0"/>
-                                          </p:stCondLst>
-                                        </p:cTn>
-                                        <p:tgtEl>
-                                          <p:spTgt spid="6"/>
-                                        </p:tgtEl>
-                                        <p:attrNameLst>
-                                          <p:attrName>style.visibility</p:attrName>
-                                        </p:attrNameLst>
-                                      </p:cBhvr>
-                                      <p:to>
-                                        <p:strVal val="visible"/>
-                                      </p:to>
-                                    </p:set>
-                                  </p:childTnLst>
-                                </p:cTn>
-                              </p:par>
-                            </p:childTnLst>
-                          </p:cTn>
-                        </p:par>
-                      </p:childTnLst>
-                    </p:cTn>
-                  </p:par>
-                </p:childTnLst>
-              </p:cTn>
-              <p:prevCondLst>
-                <p:cond evt="onPrev" delay="0">
-                  <p:tgtEl>
-                    <p:sldTgt/>
-                  </p:tgtEl>
-                </p:cond>
-              </p:prevCondLst>
-              <p:nextCondLst>
-                <p:cond evt="onNext" delay="0">
-                  <p:tgtEl>
-                    <p:sldTgt/>
-                  </p:tgtEl>
-                </p:cond>
-              </p:nextCondLst>
-            </p:seq>
-          </p:childTnLst>
-        </p:cTn>
-      </p:par>
-    </p:tnLst>
-    <p:bldLst>
-      <p:bldP spid="6" grpId="0" animBg="1"/>
-    </p:bldLst>
-  </p:timing>
-</p:sld>
-</file>
-
-<file path=ppt/slides/slide21.xml><?xml version="1.0" encoding="utf-8"?>
-<p:sld xmlns:a="http://schemas.openxmlformats.org/drawingml/2006/main" xmlns:r="http://schemas.openxmlformats.org/officeDocument/2006/relationships" xmlns:p="http://schemas.openxmlformats.org/presentationml/2006/main">
-  <p:cSld>
-    <p:spTree>
-      <p:nvGrpSpPr>
-        <p:cNvPr id="1" name=""/>
-        <p:cNvGrpSpPr/>
-        <p:nvPr/>
-      </p:nvGrpSpPr>
-      <p:grpSpPr>
-        <a:xfrm>
-          <a:off x="0" y="0"/>
-          <a:ext cx="0" cy="0"/>
-          <a:chOff x="0" y="0"/>
-          <a:chExt cx="0" cy="0"/>
-        </a:xfrm>
-      </p:grpSpPr>
-      <p:sp>
-        <p:nvSpPr>
-          <p:cNvPr id="2" name="Title 1"/>
-          <p:cNvSpPr>
-            <a:spLocks noGrp="1"/>
-          </p:cNvSpPr>
-          <p:nvPr>
-            <p:ph type="title"/>
-          </p:nvPr>
-        </p:nvSpPr>
-        <p:spPr/>
-        <p:txBody>
-          <a:bodyPr>
-            <a:normAutofit/>
-          </a:bodyPr>
-          <a:lstStyle/>
-          <a:p>
-            <a:r>
-              <a:rPr lang="en-US" noProof="0" dirty="0" err="1" smtClean="0"/>
-              <a:t>Autotuning</a:t>
-            </a:r>
-            <a:endParaRPr lang="en-US" noProof="0" dirty="0"/>
-          </a:p>
-        </p:txBody>
-      </p:sp>
-      <p:sp>
-        <p:nvSpPr>
-          <p:cNvPr id="3" name="Content Placeholder 2"/>
-          <p:cNvSpPr>
-            <a:spLocks noGrp="1"/>
-          </p:cNvSpPr>
-          <p:nvPr>
-            <p:ph idx="1"/>
-          </p:nvPr>
-        </p:nvSpPr>
-        <p:spPr>
-          <a:xfrm>
-            <a:off x="192155" y="1062507"/>
-            <a:ext cx="8524664" cy="3978600"/>
-          </a:xfrm>
-        </p:spPr>
-        <p:txBody>
-          <a:bodyPr>
-            <a:noAutofit/>
-          </a:bodyPr>
-          <a:lstStyle/>
-          <a:p>
-            <a:r>
-              <a:rPr lang="en-US" noProof="0" dirty="0" smtClean="0"/>
-              <a:t>A way of exploring and managing:</a:t>
-            </a:r>
-          </a:p>
-          <a:p>
-            <a:pPr lvl="1"/>
-            <a:r>
-              <a:rPr lang="en-US" noProof="0" dirty="0" smtClean="0"/>
-              <a:t>Different algorithms with the same goal</a:t>
-            </a:r>
-          </a:p>
-          <a:p>
-            <a:pPr lvl="1"/>
-            <a:r>
-              <a:rPr lang="en-US" noProof="0" dirty="0" smtClean="0"/>
-              <a:t>Parameter configurations</a:t>
-            </a:r>
-            <a:endParaRPr lang="en-US" noProof="0" dirty="0" smtClean="0"/>
-          </a:p>
-          <a:p>
-            <a:pPr lvl="1"/>
-            <a:endParaRPr lang="en-US" noProof="0" dirty="0" smtClean="0"/>
-          </a:p>
-          <a:p>
-            <a:r>
-              <a:rPr lang="en-US" noProof="0" dirty="0" smtClean="0"/>
-              <a:t>Provides </a:t>
-            </a:r>
-            <a:r>
-              <a:rPr lang="en-US" noProof="0" dirty="0"/>
-              <a:t>new versions to the </a:t>
-            </a:r>
-            <a:r>
-              <a:rPr lang="en-US" noProof="0" dirty="0" smtClean="0"/>
-              <a:t>application</a:t>
-            </a:r>
-          </a:p>
-          <a:p>
-            <a:pPr lvl="1"/>
-            <a:r>
-              <a:rPr lang="en-US" noProof="0" dirty="0" smtClean="0"/>
-              <a:t>Application </a:t>
-            </a:r>
-            <a:r>
-              <a:rPr lang="en-US" noProof="0" dirty="0"/>
-              <a:t>feedbacks </a:t>
-            </a:r>
-            <a:r>
-              <a:rPr lang="en-US" noProof="0" dirty="0" smtClean="0"/>
-              <a:t>measurements</a:t>
-            </a:r>
-          </a:p>
-          <a:p>
-            <a:pPr lvl="1"/>
-            <a:endParaRPr lang="en-US" sz="1500" noProof="0" dirty="0"/>
-          </a:p>
-          <a:p>
-            <a:r>
-              <a:rPr lang="en-US" noProof="0" dirty="0" smtClean="0"/>
-              <a:t>Configured with</a:t>
-            </a:r>
-            <a:r>
-              <a:rPr lang="en-US" noProof="0" dirty="0" smtClean="0"/>
-              <a:t>:</a:t>
-            </a:r>
-            <a:endParaRPr lang="en-US" noProof="0" dirty="0" smtClean="0"/>
-          </a:p>
-          <a:p>
-            <a:pPr marL="685800" lvl="1" indent="-342900">
-              <a:buFont typeface="+mj-lt"/>
-              <a:buAutoNum type="alphaLcParenR"/>
-            </a:pPr>
-            <a:r>
-              <a:rPr lang="en-US" noProof="0" dirty="0" smtClean="0"/>
-              <a:t>Signature of the algorithms</a:t>
-            </a:r>
-          </a:p>
-          <a:p>
-            <a:pPr marL="685800" lvl="1" indent="-342900">
-              <a:buFont typeface="+mj-lt"/>
-              <a:buAutoNum type="alphaLcParenR"/>
-            </a:pPr>
-            <a:r>
-              <a:rPr lang="en-US" noProof="0" dirty="0" smtClean="0"/>
-              <a:t>List </a:t>
-            </a:r>
-            <a:r>
-              <a:rPr lang="en-US" noProof="0" dirty="0"/>
-              <a:t>of </a:t>
-            </a:r>
-            <a:r>
-              <a:rPr lang="en-US" noProof="0" dirty="0" smtClean="0"/>
-              <a:t>candidate </a:t>
-            </a:r>
-            <a:r>
-              <a:rPr lang="en-US" noProof="0" dirty="0" smtClean="0"/>
-              <a:t>algorithms</a:t>
-            </a:r>
-            <a:endParaRPr lang="en-US" noProof="0" dirty="0" smtClean="0"/>
-          </a:p>
-          <a:p>
-            <a:pPr marL="685800" lvl="1" indent="-342900">
-              <a:buFont typeface="+mj-lt"/>
-              <a:buAutoNum type="alphaLcParenR"/>
-            </a:pPr>
-            <a:r>
-              <a:rPr lang="en-US" noProof="0" dirty="0" smtClean="0"/>
-              <a:t>Type </a:t>
-            </a:r>
-            <a:r>
-              <a:rPr lang="en-US" noProof="0" dirty="0"/>
-              <a:t>of monitor to </a:t>
-            </a:r>
-            <a:r>
-              <a:rPr lang="en-US" noProof="0" dirty="0" smtClean="0"/>
-              <a:t>use</a:t>
-            </a:r>
-          </a:p>
-          <a:p>
-            <a:pPr marL="685800" lvl="1" indent="-342900">
-              <a:buFont typeface="+mj-lt"/>
-              <a:buAutoNum type="alphaLcParenR"/>
-            </a:pPr>
-            <a:r>
-              <a:rPr lang="en-US" noProof="0" dirty="0" smtClean="0"/>
-              <a:t>Exploration key – </a:t>
-            </a:r>
-            <a:r>
-              <a:rPr lang="en-US" dirty="0" smtClean="0"/>
-              <a:t>adaptation</a:t>
-            </a:r>
-            <a:r>
-              <a:rPr lang="en-US" noProof="0" dirty="0" smtClean="0"/>
-              <a:t> for different inputs</a:t>
-            </a:r>
-          </a:p>
-        </p:txBody>
-      </p:sp>
-      <p:sp>
-        <p:nvSpPr>
-          <p:cNvPr id="7" name="Slide Number Placeholder 6"/>
-          <p:cNvSpPr>
-            <a:spLocks noGrp="1"/>
-          </p:cNvSpPr>
-          <p:nvPr>
-            <p:ph type="sldNum" sz="quarter" idx="12"/>
-          </p:nvPr>
-        </p:nvSpPr>
-        <p:spPr/>
-        <p:txBody>
-          <a:bodyPr/>
-          <a:lstStyle/>
-          <a:p>
-            <a:fld id="{6A41518D-D16D-43FD-AC0E-8530844D9895}" type="slidenum">
-              <a:rPr lang="en-US" smtClean="0"/>
-              <a:t>21</a:t>
-            </a:fld>
-            <a:endParaRPr lang="en-US" dirty="0"/>
-          </a:p>
-        </p:txBody>
-      </p:sp>
-      <p:grpSp>
-        <p:nvGrpSpPr>
-          <p:cNvPr id="8" name="Group 7"/>
-          <p:cNvGrpSpPr/>
-          <p:nvPr/>
-        </p:nvGrpSpPr>
-        <p:grpSpPr>
-          <a:xfrm>
-            <a:off x="5320948" y="1746298"/>
-            <a:ext cx="3712572" cy="2711975"/>
-            <a:chOff x="7002582" y="3149245"/>
-            <a:chExt cx="4867987" cy="3458179"/>
-          </a:xfrm>
-        </p:grpSpPr>
-        <p:grpSp>
-          <p:nvGrpSpPr>
-            <p:cNvPr id="10" name="Group 9"/>
-            <p:cNvGrpSpPr/>
-            <p:nvPr/>
-          </p:nvGrpSpPr>
-          <p:grpSpPr>
-            <a:xfrm>
-              <a:off x="7002582" y="3149245"/>
-              <a:ext cx="4867987" cy="3458179"/>
-              <a:chOff x="7028474" y="1987933"/>
-              <a:chExt cx="4867987" cy="3458179"/>
-            </a:xfrm>
-            <a:noFill/>
-          </p:grpSpPr>
-          <p:grpSp>
-            <p:nvGrpSpPr>
-              <p:cNvPr id="12" name="Group 11"/>
-              <p:cNvGrpSpPr/>
-              <p:nvPr/>
-            </p:nvGrpSpPr>
-            <p:grpSpPr>
-              <a:xfrm>
-                <a:off x="7028474" y="1987933"/>
-                <a:ext cx="4867987" cy="3458179"/>
-                <a:chOff x="3532919" y="3623357"/>
-                <a:chExt cx="4867987" cy="3458179"/>
-              </a:xfrm>
-              <a:grpFill/>
-            </p:grpSpPr>
-            <p:grpSp>
-              <p:nvGrpSpPr>
-                <p:cNvPr id="14" name="Group 13"/>
-                <p:cNvGrpSpPr/>
-                <p:nvPr/>
-              </p:nvGrpSpPr>
-              <p:grpSpPr>
-                <a:xfrm>
-                  <a:off x="3532919" y="3623359"/>
-                  <a:ext cx="917870" cy="601400"/>
-                  <a:chOff x="794343" y="2141316"/>
-                  <a:chExt cx="1586974" cy="1296365"/>
-                </a:xfrm>
-                <a:grpFill/>
-              </p:grpSpPr>
-              <p:sp>
-                <p:nvSpPr>
-                  <p:cNvPr id="30" name="Folded Corner 29"/>
-                  <p:cNvSpPr/>
-                  <p:nvPr/>
-                </p:nvSpPr>
-                <p:spPr>
-                  <a:xfrm flipV="1">
-                    <a:off x="855492" y="2141316"/>
-                    <a:ext cx="1525824" cy="1296365"/>
-                  </a:xfrm>
-                  <a:prstGeom prst="foldedCorner">
-                    <a:avLst>
-                      <a:gd name="adj" fmla="val 21171"/>
-                    </a:avLst>
-                  </a:prstGeom>
-                  <a:grpFill/>
-                  <a:ln>
-                    <a:solidFill>
-                      <a:schemeClr val="tx1"/>
-                    </a:solidFill>
-                  </a:ln>
-                </p:spPr>
-                <p:style>
-                  <a:lnRef idx="2">
-                    <a:schemeClr val="accent1">
-                      <a:shade val="50000"/>
-                    </a:schemeClr>
-                  </a:lnRef>
-                  <a:fillRef idx="1">
-                    <a:schemeClr val="accent1"/>
-                  </a:fillRef>
-                  <a:effectRef idx="0">
-                    <a:schemeClr val="accent1"/>
-                  </a:effectRef>
-                  <a:fontRef idx="minor">
-                    <a:schemeClr val="lt1"/>
-                  </a:fontRef>
-                </p:style>
-                <p:txBody>
-                  <a:bodyPr wrap="square" rtlCol="0" anchor="ctr"/>
-                  <a:lstStyle/>
-                  <a:p>
-                    <a:pPr algn="ctr"/>
-                    <a:endParaRPr lang="en-US" sz="1050" dirty="0">
-                      <a:solidFill>
-                        <a:schemeClr val="tx1"/>
-                      </a:solidFill>
-                    </a:endParaRPr>
-                  </a:p>
-                </p:txBody>
-              </p:sp>
-              <p:sp>
-                <p:nvSpPr>
-                  <p:cNvPr id="31" name="TextBox 30"/>
-                  <p:cNvSpPr txBox="1"/>
-                  <p:nvPr/>
-                </p:nvSpPr>
-                <p:spPr>
-                  <a:xfrm>
-                    <a:off x="794343" y="2429953"/>
-                    <a:ext cx="1586974" cy="719085"/>
-                  </a:xfrm>
-                  <a:prstGeom prst="rect">
-                    <a:avLst/>
-                  </a:prstGeom>
-                  <a:grpFill/>
-                </p:spPr>
-                <p:txBody>
-                  <a:bodyPr wrap="square" rtlCol="0" anchor="ctr">
-                    <a:spAutoFit/>
-                  </a:bodyPr>
-                  <a:lstStyle/>
-                  <a:p>
-                    <a:pPr algn="ctr"/>
-                    <a:r>
-                      <a:rPr lang="en-US" sz="1050" dirty="0" smtClean="0"/>
-                      <a:t>Alg. </a:t>
-                    </a:r>
-                    <a:r>
-                      <a:rPr lang="en-US" sz="1050" dirty="0" smtClean="0"/>
-                      <a:t>1</a:t>
-                    </a:r>
-                    <a:endParaRPr lang="en-US" sz="1050" dirty="0"/>
-                  </a:p>
-                </p:txBody>
-              </p:sp>
-            </p:grpSp>
-            <p:grpSp>
-              <p:nvGrpSpPr>
-                <p:cNvPr id="15" name="Group 14"/>
-                <p:cNvGrpSpPr/>
-                <p:nvPr/>
-              </p:nvGrpSpPr>
-              <p:grpSpPr>
-                <a:xfrm>
-                  <a:off x="4638365" y="3623359"/>
-                  <a:ext cx="866552" cy="601400"/>
-                  <a:chOff x="1080629" y="2141318"/>
-                  <a:chExt cx="1498246" cy="1296365"/>
-                </a:xfrm>
-                <a:grpFill/>
-              </p:grpSpPr>
-              <p:sp>
-                <p:nvSpPr>
-                  <p:cNvPr id="28" name="Folded Corner 27"/>
-                  <p:cNvSpPr/>
-                  <p:nvPr/>
-                </p:nvSpPr>
-                <p:spPr>
-                  <a:xfrm flipV="1">
-                    <a:off x="1080629" y="2141318"/>
-                    <a:ext cx="1498246" cy="1296365"/>
-                  </a:xfrm>
-                  <a:prstGeom prst="foldedCorner">
-                    <a:avLst>
-                      <a:gd name="adj" fmla="val 21171"/>
-                    </a:avLst>
-                  </a:prstGeom>
-                  <a:grpFill/>
-                  <a:ln>
-                    <a:solidFill>
-                      <a:schemeClr val="tx1"/>
-                    </a:solidFill>
-                  </a:ln>
-                </p:spPr>
-                <p:style>
-                  <a:lnRef idx="2">
-                    <a:schemeClr val="accent1">
-                      <a:shade val="50000"/>
-                    </a:schemeClr>
-                  </a:lnRef>
-                  <a:fillRef idx="1">
-                    <a:schemeClr val="accent1"/>
-                  </a:fillRef>
-                  <a:effectRef idx="0">
-                    <a:schemeClr val="accent1"/>
-                  </a:effectRef>
-                  <a:fontRef idx="minor">
-                    <a:schemeClr val="lt1"/>
-                  </a:fontRef>
-                </p:style>
-                <p:txBody>
-                  <a:bodyPr wrap="square" rtlCol="0" anchor="ctr"/>
-                  <a:lstStyle/>
-                  <a:p>
-                    <a:pPr algn="ctr"/>
-                    <a:endParaRPr lang="en-US" sz="1050" dirty="0">
-                      <a:solidFill>
-                        <a:schemeClr val="tx1"/>
-                      </a:solidFill>
-                    </a:endParaRPr>
-                  </a:p>
-                </p:txBody>
-              </p:sp>
-              <p:sp>
-                <p:nvSpPr>
-                  <p:cNvPr id="29" name="TextBox 28"/>
-                  <p:cNvSpPr txBox="1"/>
-                  <p:nvPr/>
-                </p:nvSpPr>
-                <p:spPr>
-                  <a:xfrm>
-                    <a:off x="1080631" y="2429955"/>
-                    <a:ext cx="1498244" cy="719085"/>
-                  </a:xfrm>
-                  <a:prstGeom prst="rect">
-                    <a:avLst/>
-                  </a:prstGeom>
-                  <a:grpFill/>
-                </p:spPr>
-                <p:txBody>
-                  <a:bodyPr wrap="square" rtlCol="0" anchor="ctr">
-                    <a:spAutoFit/>
-                  </a:bodyPr>
-                  <a:lstStyle/>
-                  <a:p>
-                    <a:pPr algn="ctr"/>
-                    <a:r>
-                      <a:rPr lang="en-US" sz="1050" dirty="0" smtClean="0"/>
-                      <a:t>Alg. </a:t>
-                    </a:r>
-                    <a:r>
-                      <a:rPr lang="en-US" sz="1050" dirty="0" smtClean="0"/>
-                      <a:t>2</a:t>
-                    </a:r>
-                    <a:endParaRPr lang="en-US" sz="1050" dirty="0"/>
-                  </a:p>
-                </p:txBody>
-              </p:sp>
-            </p:grpSp>
-            <p:grpSp>
-              <p:nvGrpSpPr>
-                <p:cNvPr id="16" name="Group 15"/>
-                <p:cNvGrpSpPr/>
-                <p:nvPr/>
-              </p:nvGrpSpPr>
-              <p:grpSpPr>
-                <a:xfrm>
-                  <a:off x="5812928" y="3623358"/>
-                  <a:ext cx="885275" cy="601400"/>
-                  <a:chOff x="1486410" y="2141316"/>
-                  <a:chExt cx="1530617" cy="1296365"/>
-                </a:xfrm>
-                <a:grpFill/>
-              </p:grpSpPr>
-              <p:sp>
-                <p:nvSpPr>
-                  <p:cNvPr id="26" name="Folded Corner 25"/>
-                  <p:cNvSpPr/>
-                  <p:nvPr/>
-                </p:nvSpPr>
-                <p:spPr>
-                  <a:xfrm flipV="1">
-                    <a:off x="1486410" y="2141316"/>
-                    <a:ext cx="1530617" cy="1296365"/>
-                  </a:xfrm>
-                  <a:prstGeom prst="foldedCorner">
-                    <a:avLst>
-                      <a:gd name="adj" fmla="val 21171"/>
-                    </a:avLst>
-                  </a:prstGeom>
-                  <a:grpFill/>
-                  <a:ln>
-                    <a:solidFill>
-                      <a:schemeClr val="tx1"/>
-                    </a:solidFill>
-                  </a:ln>
-                </p:spPr>
-                <p:style>
-                  <a:lnRef idx="2">
-                    <a:schemeClr val="accent1">
-                      <a:shade val="50000"/>
-                    </a:schemeClr>
-                  </a:lnRef>
-                  <a:fillRef idx="1">
-                    <a:schemeClr val="accent1"/>
-                  </a:fillRef>
-                  <a:effectRef idx="0">
-                    <a:schemeClr val="accent1"/>
-                  </a:effectRef>
-                  <a:fontRef idx="minor">
-                    <a:schemeClr val="lt1"/>
-                  </a:fontRef>
-                </p:style>
-                <p:txBody>
-                  <a:bodyPr wrap="square" rtlCol="0" anchor="ctr"/>
-                  <a:lstStyle/>
-                  <a:p>
-                    <a:pPr algn="ctr"/>
-                    <a:endParaRPr lang="en-US" sz="1050" dirty="0">
-                      <a:solidFill>
-                        <a:schemeClr val="tx1"/>
-                      </a:solidFill>
-                    </a:endParaRPr>
-                  </a:p>
-                </p:txBody>
-              </p:sp>
-              <p:sp>
-                <p:nvSpPr>
-                  <p:cNvPr id="27" name="TextBox 26"/>
-                  <p:cNvSpPr txBox="1"/>
-                  <p:nvPr/>
-                </p:nvSpPr>
-                <p:spPr>
-                  <a:xfrm>
-                    <a:off x="1486412" y="2429953"/>
-                    <a:ext cx="1530615" cy="719085"/>
-                  </a:xfrm>
-                  <a:prstGeom prst="rect">
-                    <a:avLst/>
-                  </a:prstGeom>
-                  <a:grpFill/>
-                </p:spPr>
-                <p:txBody>
-                  <a:bodyPr wrap="square" rtlCol="0" anchor="ctr">
-                    <a:spAutoFit/>
-                  </a:bodyPr>
-                  <a:lstStyle/>
-                  <a:p>
-                    <a:pPr algn="ctr"/>
-                    <a:r>
-                      <a:rPr lang="en-US" sz="1050" dirty="0" smtClean="0"/>
-                      <a:t>Alg. </a:t>
-                    </a:r>
-                    <a:r>
-                      <a:rPr lang="en-US" sz="1050" dirty="0" smtClean="0"/>
-                      <a:t>3</a:t>
-                    </a:r>
-                    <a:endParaRPr lang="en-US" sz="1050" dirty="0"/>
-                  </a:p>
-                </p:txBody>
-              </p:sp>
-            </p:grpSp>
-            <p:grpSp>
-              <p:nvGrpSpPr>
-                <p:cNvPr id="17" name="Group 16"/>
-                <p:cNvGrpSpPr/>
-                <p:nvPr/>
-              </p:nvGrpSpPr>
-              <p:grpSpPr>
-                <a:xfrm>
-                  <a:off x="7570379" y="3623357"/>
-                  <a:ext cx="830527" cy="601400"/>
-                  <a:chOff x="1955424" y="2141316"/>
-                  <a:chExt cx="1435960" cy="1296365"/>
-                </a:xfrm>
-                <a:grpFill/>
-              </p:grpSpPr>
-              <p:sp>
-                <p:nvSpPr>
-                  <p:cNvPr id="24" name="Folded Corner 23"/>
-                  <p:cNvSpPr/>
-                  <p:nvPr/>
-                </p:nvSpPr>
-                <p:spPr>
-                  <a:xfrm flipV="1">
-                    <a:off x="1955424" y="2141316"/>
-                    <a:ext cx="1435958" cy="1296365"/>
-                  </a:xfrm>
-                  <a:prstGeom prst="foldedCorner">
-                    <a:avLst>
-                      <a:gd name="adj" fmla="val 21171"/>
-                    </a:avLst>
-                  </a:prstGeom>
-                  <a:grpFill/>
-                  <a:ln>
-                    <a:solidFill>
-                      <a:schemeClr val="tx1"/>
-                    </a:solidFill>
-                  </a:ln>
-                </p:spPr>
-                <p:style>
-                  <a:lnRef idx="2">
-                    <a:schemeClr val="accent1">
-                      <a:shade val="50000"/>
-                    </a:schemeClr>
-                  </a:lnRef>
-                  <a:fillRef idx="1">
-                    <a:schemeClr val="accent1"/>
-                  </a:fillRef>
-                  <a:effectRef idx="0">
-                    <a:schemeClr val="accent1"/>
-                  </a:effectRef>
-                  <a:fontRef idx="minor">
-                    <a:schemeClr val="lt1"/>
-                  </a:fontRef>
-                </p:style>
-                <p:txBody>
-                  <a:bodyPr wrap="square" rtlCol="0" anchor="ctr"/>
-                  <a:lstStyle/>
-                  <a:p>
-                    <a:pPr algn="ctr"/>
-                    <a:endParaRPr lang="en-US" sz="1050" dirty="0">
-                      <a:solidFill>
-                        <a:schemeClr val="tx1"/>
-                      </a:solidFill>
-                    </a:endParaRPr>
-                  </a:p>
-                </p:txBody>
-              </p:sp>
-              <p:sp>
-                <p:nvSpPr>
-                  <p:cNvPr id="25" name="TextBox 24"/>
-                  <p:cNvSpPr txBox="1"/>
-                  <p:nvPr/>
-                </p:nvSpPr>
-                <p:spPr>
-                  <a:xfrm>
-                    <a:off x="1955426" y="2429953"/>
-                    <a:ext cx="1435958" cy="719085"/>
-                  </a:xfrm>
-                  <a:prstGeom prst="rect">
-                    <a:avLst/>
-                  </a:prstGeom>
-                  <a:grpFill/>
-                </p:spPr>
-                <p:txBody>
-                  <a:bodyPr wrap="square" rtlCol="0" anchor="ctr">
-                    <a:spAutoFit/>
-                  </a:bodyPr>
-                  <a:lstStyle/>
-                  <a:p>
-                    <a:pPr algn="ctr"/>
-                    <a:r>
-                      <a:rPr lang="en-US" sz="1050" dirty="0" smtClean="0"/>
-                      <a:t>Alg. N</a:t>
-                    </a:r>
-                    <a:endParaRPr lang="en-US" sz="1050" dirty="0"/>
-                  </a:p>
-                </p:txBody>
-              </p:sp>
-            </p:grpSp>
-            <p:sp>
-              <p:nvSpPr>
-                <p:cNvPr id="18" name="TextBox 17"/>
-                <p:cNvSpPr txBox="1"/>
-                <p:nvPr/>
-              </p:nvSpPr>
-              <p:spPr>
-                <a:xfrm>
-                  <a:off x="6686118" y="3869728"/>
-                  <a:ext cx="743093" cy="333592"/>
-                </a:xfrm>
-                <a:prstGeom prst="rect">
-                  <a:avLst/>
-                </a:prstGeom>
-                <a:grpFill/>
-              </p:spPr>
-              <p:txBody>
-                <a:bodyPr wrap="square" rtlCol="0" anchor="ctr">
-                  <a:spAutoFit/>
-                </a:bodyPr>
-                <a:lstStyle/>
-                <a:p>
-                  <a:pPr algn="ctr"/>
-                  <a:r>
-                    <a:rPr lang="en-US" sz="1050" dirty="0" smtClean="0"/>
-                    <a:t>…</a:t>
-                  </a:r>
-                  <a:endParaRPr lang="en-US" sz="1050" dirty="0"/>
-                </a:p>
-              </p:txBody>
-            </p:sp>
-            <p:pic>
-              <p:nvPicPr>
-                <p:cNvPr id="19" name="Picture 18"/>
-                <p:cNvPicPr>
-                  <a:picLocks noChangeAspect="1"/>
-                </p:cNvPicPr>
-                <p:nvPr/>
-              </p:nvPicPr>
-              <p:blipFill>
-                <a:blip r:embed="rId3">
-                  <a:clrChange>
-                    <a:clrFrom>
-                      <a:srgbClr val="FFFFFF"/>
-                    </a:clrFrom>
-                    <a:clrTo>
-                      <a:srgbClr val="FFFFFF">
-                        <a:alpha val="0"/>
-                      </a:srgbClr>
-                    </a:clrTo>
-                  </a:clrChange>
-                  <a:extLst>
-                    <a:ext uri="{28A0092B-C50C-407E-A947-70E740481C1C}">
-                      <a14:useLocalDpi xmlns:a14="http://schemas.microsoft.com/office/drawing/2010/main" val="0"/>
-                    </a:ext>
-                  </a:extLst>
-                </a:blip>
-                <a:stretch>
-                  <a:fillRect/>
-                </a:stretch>
-              </p:blipFill>
-              <p:spPr>
-                <a:xfrm>
-                  <a:off x="5321702" y="5216324"/>
-                  <a:ext cx="1865212" cy="1865212"/>
-                </a:xfrm>
-                <a:prstGeom prst="rect">
-                  <a:avLst/>
-                </a:prstGeom>
-                <a:grpFill/>
-              </p:spPr>
-            </p:pic>
-            <p:cxnSp>
-              <p:nvCxnSpPr>
-                <p:cNvPr id="20" name="Elbow Connector 19"/>
-                <p:cNvCxnSpPr>
-                  <a:stCxn id="19" idx="0"/>
-                  <a:endCxn id="30" idx="0"/>
-                </p:cNvCxnSpPr>
-                <p:nvPr/>
-              </p:nvCxnSpPr>
-              <p:spPr>
-                <a:xfrm rot="16200000" flipV="1">
-                  <a:off x="4636141" y="3598156"/>
-                  <a:ext cx="991565" cy="2244771"/>
-                </a:xfrm>
-                <a:prstGeom prst="bentConnector3">
-                  <a:avLst/>
-                </a:prstGeom>
-                <a:grpFill/>
-                <a:ln w="38100">
-                  <a:tailEnd type="triangle"/>
-                </a:ln>
-              </p:spPr>
-              <p:style>
-                <a:lnRef idx="1">
-                  <a:schemeClr val="accent1"/>
-                </a:lnRef>
-                <a:fillRef idx="0">
-                  <a:schemeClr val="accent1"/>
-                </a:fillRef>
-                <a:effectRef idx="0">
-                  <a:schemeClr val="accent1"/>
-                </a:effectRef>
-                <a:fontRef idx="minor">
-                  <a:schemeClr val="tx1"/>
-                </a:fontRef>
-              </p:style>
-            </p:cxnSp>
-            <p:cxnSp>
-              <p:nvCxnSpPr>
-                <p:cNvPr id="21" name="Elbow Connector 20"/>
-                <p:cNvCxnSpPr>
-                  <a:stCxn id="19" idx="0"/>
-                  <a:endCxn id="28" idx="0"/>
-                </p:cNvCxnSpPr>
-                <p:nvPr/>
-              </p:nvCxnSpPr>
-              <p:spPr>
-                <a:xfrm rot="16200000" flipV="1">
-                  <a:off x="5167193" y="4129208"/>
-                  <a:ext cx="991565" cy="1182667"/>
-                </a:xfrm>
-                <a:prstGeom prst="bentConnector3">
-                  <a:avLst/>
-                </a:prstGeom>
-                <a:grpFill/>
-                <a:ln w="38100">
-                  <a:tailEnd type="triangle"/>
-                </a:ln>
-              </p:spPr>
-              <p:style>
-                <a:lnRef idx="1">
-                  <a:schemeClr val="accent1"/>
-                </a:lnRef>
-                <a:fillRef idx="0">
-                  <a:schemeClr val="accent1"/>
-                </a:fillRef>
-                <a:effectRef idx="0">
-                  <a:schemeClr val="accent1"/>
-                </a:effectRef>
-                <a:fontRef idx="minor">
-                  <a:schemeClr val="tx1"/>
-                </a:fontRef>
-              </p:style>
-            </p:cxnSp>
-            <p:cxnSp>
-              <p:nvCxnSpPr>
-                <p:cNvPr id="22" name="Elbow Connector 21"/>
-                <p:cNvCxnSpPr>
-                  <a:stCxn id="19" idx="0"/>
-                  <a:endCxn id="26" idx="0"/>
-                </p:cNvCxnSpPr>
-                <p:nvPr/>
-              </p:nvCxnSpPr>
-              <p:spPr>
-                <a:xfrm rot="5400000" flipH="1" flipV="1">
-                  <a:off x="5759154" y="4719913"/>
-                  <a:ext cx="991565" cy="1256"/>
-                </a:xfrm>
-                <a:prstGeom prst="bentConnector3">
-                  <a:avLst/>
-                </a:prstGeom>
-                <a:grpFill/>
-                <a:ln w="38100">
-                  <a:tailEnd type="triangle"/>
-                </a:ln>
-              </p:spPr>
-              <p:style>
-                <a:lnRef idx="1">
-                  <a:schemeClr val="accent1"/>
-                </a:lnRef>
-                <a:fillRef idx="0">
-                  <a:schemeClr val="accent1"/>
-                </a:fillRef>
-                <a:effectRef idx="0">
-                  <a:schemeClr val="accent1"/>
-                </a:effectRef>
-                <a:fontRef idx="minor">
-                  <a:schemeClr val="tx1"/>
-                </a:fontRef>
-              </p:style>
-            </p:cxnSp>
-            <p:cxnSp>
-              <p:nvCxnSpPr>
-                <p:cNvPr id="23" name="Elbow Connector 22"/>
-                <p:cNvCxnSpPr>
-                  <a:stCxn id="19" idx="0"/>
-                  <a:endCxn id="24" idx="0"/>
-                </p:cNvCxnSpPr>
-                <p:nvPr/>
-              </p:nvCxnSpPr>
-              <p:spPr>
-                <a:xfrm rot="5400000" flipH="1" flipV="1">
-                  <a:off x="6624192" y="3854874"/>
-                  <a:ext cx="991567" cy="1731333"/>
-                </a:xfrm>
-                <a:prstGeom prst="bentConnector3">
-                  <a:avLst>
-                    <a:gd name="adj1" fmla="val 50000"/>
-                  </a:avLst>
-                </a:prstGeom>
-                <a:grpFill/>
-                <a:ln w="38100">
-                  <a:tailEnd type="triangle"/>
-                </a:ln>
-              </p:spPr>
-              <p:style>
-                <a:lnRef idx="1">
-                  <a:schemeClr val="accent1"/>
-                </a:lnRef>
-                <a:fillRef idx="0">
-                  <a:schemeClr val="accent1"/>
-                </a:fillRef>
-                <a:effectRef idx="0">
-                  <a:schemeClr val="accent1"/>
-                </a:effectRef>
-                <a:fontRef idx="minor">
-                  <a:schemeClr val="tx1"/>
-                </a:fontRef>
-              </p:style>
-            </p:cxnSp>
-          </p:grpSp>
-          <p:sp>
-            <p:nvSpPr>
-              <p:cNvPr id="13" name="Cloud Callout 12"/>
-              <p:cNvSpPr/>
-              <p:nvPr/>
-            </p:nvSpPr>
-            <p:spPr bwMode="auto">
-              <a:xfrm>
-                <a:off x="7245955" y="3513019"/>
-                <a:ext cx="1775930" cy="1099429"/>
-              </a:xfrm>
-              <a:prstGeom prst="cloudCallout">
-                <a:avLst>
-                  <a:gd name="adj1" fmla="val 80837"/>
-                  <a:gd name="adj2" fmla="val -10644"/>
-                </a:avLst>
-              </a:prstGeom>
-              <a:grpFill/>
-              <a:ln w="19050" cap="flat" cmpd="sng" algn="ctr">
-                <a:solidFill>
-                  <a:schemeClr val="bg1">
-                    <a:lumMod val="95000"/>
-                  </a:schemeClr>
-                </a:solidFill>
-                <a:prstDash val="solid"/>
-                <a:round/>
-                <a:headEnd type="none" w="med" len="med"/>
-                <a:tailEnd type="none" w="med" len="med"/>
-              </a:ln>
-              <a:effectLst/>
-            </p:spPr>
-            <p:txBody>
-              <a:bodyPr vert="horz" wrap="square" lIns="0" tIns="0" rIns="0" bIns="0" numCol="1" rtlCol="0" anchor="ctr" anchorCtr="0" compatLnSpc="1">
-                <a:prstTxWarp prst="textNoShape">
-                  <a:avLst/>
-                </a:prstTxWarp>
-                <a:noAutofit/>
-              </a:bodyPr>
-              <a:lstStyle/>
-              <a:p>
-                <a:pPr algn="ctr" fontAlgn="base">
-                  <a:lnSpc>
-                    <a:spcPct val="89000"/>
-                  </a:lnSpc>
-                  <a:spcBef>
-                    <a:spcPct val="0"/>
-                  </a:spcBef>
-                  <a:spcAft>
-                    <a:spcPct val="0"/>
-                  </a:spcAft>
-                </a:pPr>
-                <a:r>
-                  <a:rPr lang="en-US" sz="1100" b="1" dirty="0" smtClean="0">
-                    <a:latin typeface="Trebuchet MS" pitchFamily="34" charset="0"/>
-                  </a:rPr>
-                  <a:t>Which </a:t>
-                </a:r>
-                <a:r>
-                  <a:rPr lang="en-US" sz="1100" b="1" dirty="0" smtClean="0">
-                    <a:latin typeface="Trebuchet MS" pitchFamily="34" charset="0"/>
-                  </a:rPr>
-                  <a:t>one?</a:t>
-                </a:r>
-                <a:endParaRPr lang="en-US" sz="1100" b="1" dirty="0" smtClean="0">
-                  <a:latin typeface="Trebuchet MS" pitchFamily="34" charset="0"/>
-                </a:endParaRPr>
-              </a:p>
-            </p:txBody>
-          </p:sp>
-        </p:grpSp>
-        <p:cxnSp>
-          <p:nvCxnSpPr>
-            <p:cNvPr id="11" name="Straight Arrow Connector 10"/>
-            <p:cNvCxnSpPr>
-              <a:endCxn id="18" idx="2"/>
-            </p:cNvCxnSpPr>
-            <p:nvPr/>
-          </p:nvCxnSpPr>
-          <p:spPr>
-            <a:xfrm flipV="1">
-              <a:off x="10527327" y="3729208"/>
-              <a:ext cx="0" cy="534119"/>
-            </a:xfrm>
-            <a:prstGeom prst="straightConnector1">
-              <a:avLst/>
-            </a:prstGeom>
-            <a:ln w="38100">
-              <a:prstDash val="sysDash"/>
-              <a:tailEnd type="triangle"/>
-            </a:ln>
-          </p:spPr>
-          <p:style>
-            <a:lnRef idx="1">
-              <a:schemeClr val="accent1"/>
-            </a:lnRef>
-            <a:fillRef idx="0">
-              <a:schemeClr val="accent1"/>
-            </a:fillRef>
-            <a:effectRef idx="0">
-              <a:schemeClr val="accent1"/>
-            </a:effectRef>
-            <a:fontRef idx="minor">
-              <a:schemeClr val="tx1"/>
-            </a:fontRef>
-          </p:style>
-        </p:cxnSp>
-      </p:grpSp>
-      <p:pic>
-        <p:nvPicPr>
-          <p:cNvPr id="32" name="Picture 31"/>
-          <p:cNvPicPr>
-            <a:picLocks noChangeAspect="1"/>
-          </p:cNvPicPr>
-          <p:nvPr/>
-        </p:nvPicPr>
-        <p:blipFill>
-          <a:blip r:embed="rId4" cstate="print">
-            <a:extLst>
-              <a:ext uri="{28A0092B-C50C-407E-A947-70E740481C1C}">
-                <a14:useLocalDpi xmlns:a14="http://schemas.microsoft.com/office/drawing/2010/main" val="0"/>
-              </a:ext>
-            </a:extLst>
-          </a:blip>
-          <a:stretch>
-            <a:fillRect/>
-          </a:stretch>
-        </p:blipFill>
-        <p:spPr>
-          <a:xfrm>
-            <a:off x="8020926" y="3130282"/>
-            <a:ext cx="197967" cy="376500"/>
-          </a:xfrm>
-          <a:prstGeom prst="rect">
-            <a:avLst/>
-          </a:prstGeom>
-        </p:spPr>
-      </p:pic>
-    </p:spTree>
-    <p:extLst>
-      <p:ext uri="{BB962C8B-B14F-4D97-AF65-F5344CB8AC3E}">
-        <p14:creationId xmlns:p14="http://schemas.microsoft.com/office/powerpoint/2010/main" val="1765205900"/>
-      </p:ext>
-    </p:extLst>
-  </p:cSld>
-  <p:clrMapOvr>
-    <a:masterClrMapping/>
-  </p:clrMapOvr>
-  <mc:AlternateContent xmlns:mc="http://schemas.openxmlformats.org/markup-compatibility/2006" xmlns:p14="http://schemas.microsoft.com/office/powerpoint/2010/main">
-    <mc:Choice Requires="p14">
-      <p:transition spd="slow" p14:dur="2000" advTm="4467"/>
-    </mc:Choice>
-    <mc:Fallback xmlns="">
-      <p:transition spd="slow" advTm="4467"/>
-    </mc:Fallback>
-  </mc:AlternateContent>
-  <p:timing>
-    <p:tnLst>
-      <p:par>
-        <p:cTn id="1" dur="indefinite" restart="never" nodeType="tmRoot"/>
-      </p:par>
-    </p:tnLst>
-  </p:timing>
-</p:sld>
-</file>
-
-<file path=ppt/slides/slide22.xml><?xml version="1.0" encoding="utf-8"?>
-<p:sld xmlns:a="http://schemas.openxmlformats.org/drawingml/2006/main" xmlns:r="http://schemas.openxmlformats.org/officeDocument/2006/relationships" xmlns:p="http://schemas.openxmlformats.org/presentationml/2006/main">
-  <p:cSld>
-    <p:spTree>
-      <p:nvGrpSpPr>
-        <p:cNvPr id="1" name=""/>
-        <p:cNvGrpSpPr/>
-        <p:nvPr/>
-      </p:nvGrpSpPr>
-      <p:grpSpPr>
-        <a:xfrm>
-          <a:off x="0" y="0"/>
-          <a:ext cx="0" cy="0"/>
-          <a:chOff x="0" y="0"/>
-          <a:chExt cx="0" cy="0"/>
-        </a:xfrm>
-      </p:grpSpPr>
-      <p:sp>
-        <p:nvSpPr>
-          <p:cNvPr id="2" name="Title 1"/>
-          <p:cNvSpPr>
-            <a:spLocks noGrp="1"/>
-          </p:cNvSpPr>
-          <p:nvPr>
-            <p:ph type="title"/>
-          </p:nvPr>
-        </p:nvSpPr>
-        <p:spPr/>
-        <p:txBody>
-          <a:bodyPr>
-            <a:normAutofit/>
-          </a:bodyPr>
-          <a:lstStyle/>
-          <a:p>
-            <a:r>
-              <a:rPr lang="en-US" dirty="0"/>
-              <a:t>Sort </a:t>
-            </a:r>
-            <a:r>
-              <a:rPr lang="en-US" dirty="0" err="1"/>
-              <a:t>Autotuning</a:t>
-            </a:r>
-            <a:endParaRPr lang="en-US" noProof="0" dirty="0"/>
-          </a:p>
-        </p:txBody>
-      </p:sp>
-      <p:sp>
-        <p:nvSpPr>
-          <p:cNvPr id="3" name="Content Placeholder 2"/>
-          <p:cNvSpPr>
-            <a:spLocks noGrp="1"/>
-          </p:cNvSpPr>
-          <p:nvPr>
-            <p:ph idx="1"/>
-          </p:nvPr>
-        </p:nvSpPr>
-        <p:spPr>
-          <a:xfrm>
-            <a:off x="281533" y="1188714"/>
-            <a:ext cx="8696350" cy="3852393"/>
-          </a:xfrm>
-        </p:spPr>
-        <p:txBody>
-          <a:bodyPr>
-            <a:noAutofit/>
-          </a:bodyPr>
-          <a:lstStyle/>
-          <a:p>
-            <a:r>
-              <a:rPr lang="en-US" sz="2000" noProof="0" dirty="0" smtClean="0"/>
-              <a:t>Which  sorting algorithm is the best according to the number of elements to sort?</a:t>
-            </a:r>
-          </a:p>
-          <a:p>
-            <a:pPr lvl="1"/>
-            <a:r>
-              <a:rPr lang="en-US" sz="1600" noProof="0" dirty="0" err="1" smtClean="0"/>
-              <a:t>BubbleSort</a:t>
-            </a:r>
-            <a:r>
-              <a:rPr lang="en-US" sz="1600" noProof="0" dirty="0" smtClean="0"/>
-              <a:t>, </a:t>
-            </a:r>
-            <a:r>
-              <a:rPr lang="en-US" sz="1600" noProof="0" dirty="0" err="1" smtClean="0"/>
-              <a:t>CountingSort</a:t>
-            </a:r>
-            <a:r>
-              <a:rPr lang="en-US" sz="1600" noProof="0" dirty="0" smtClean="0"/>
-              <a:t>, </a:t>
-            </a:r>
-            <a:r>
-              <a:rPr lang="en-US" sz="1600" noProof="0" dirty="0" err="1" smtClean="0"/>
-              <a:t>InsertionSort</a:t>
-            </a:r>
-            <a:r>
-              <a:rPr lang="en-US" sz="1600" noProof="0" dirty="0" smtClean="0"/>
-              <a:t>,</a:t>
-            </a:r>
-            <a:r>
-              <a:rPr lang="en-US" sz="1600" noProof="0" dirty="0"/>
-              <a:t> </a:t>
-            </a:r>
-            <a:r>
-              <a:rPr lang="en-US" sz="1600" noProof="0" dirty="0" err="1" smtClean="0"/>
-              <a:t>MergerSort</a:t>
-            </a:r>
-            <a:r>
-              <a:rPr lang="en-US" sz="1600" noProof="0" dirty="0" smtClean="0"/>
-              <a:t>, Quicksort and  </a:t>
-            </a:r>
-            <a:r>
-              <a:rPr lang="en-US" sz="1600" noProof="0" dirty="0" err="1" smtClean="0"/>
-              <a:t>SortingNetwork</a:t>
-            </a:r>
-            <a:endParaRPr lang="en-US" sz="1600" noProof="0" dirty="0"/>
-          </a:p>
-          <a:p>
-            <a:endParaRPr lang="en-US" sz="2000" noProof="0" dirty="0" smtClean="0"/>
-          </a:p>
-          <a:p>
-            <a:r>
-              <a:rPr lang="en-US" sz="2000" noProof="0" dirty="0"/>
-              <a:t>Strategy</a:t>
-            </a:r>
-          </a:p>
-          <a:p>
-            <a:pPr marL="685800" lvl="1" indent="-342900">
-              <a:buFont typeface="+mj-lt"/>
-              <a:buAutoNum type="arabicPeriod"/>
-            </a:pPr>
-            <a:r>
-              <a:rPr lang="en-US" sz="1600" noProof="0" dirty="0" smtClean="0"/>
-              <a:t>Extract call to </a:t>
-            </a:r>
-            <a:r>
-              <a:rPr lang="en-US" sz="1600" b="1" noProof="0" dirty="0" smtClean="0"/>
-              <a:t>sort </a:t>
-            </a:r>
-            <a:r>
-              <a:rPr lang="en-US" sz="1600" noProof="0" dirty="0" smtClean="0"/>
-              <a:t>of Quicksort into a </a:t>
-            </a:r>
-            <a:r>
-              <a:rPr lang="en-US" sz="1600" b="1" noProof="0" dirty="0" smtClean="0"/>
-              <a:t>field</a:t>
-            </a:r>
-            <a:endParaRPr lang="en-US" sz="1600" b="1" noProof="0" dirty="0"/>
-          </a:p>
-          <a:p>
-            <a:pPr marL="685800" lvl="1" indent="-342900">
-              <a:buFont typeface="+mj-lt"/>
-              <a:buAutoNum type="arabicPeriod"/>
-            </a:pPr>
-            <a:r>
-              <a:rPr lang="en-US" sz="1600" noProof="0" dirty="0" smtClean="0"/>
-              <a:t>Generate an </a:t>
-            </a:r>
-            <a:r>
-              <a:rPr lang="en-US" sz="1600" noProof="0" dirty="0" err="1" smtClean="0"/>
-              <a:t>autotuner</a:t>
-            </a:r>
-            <a:r>
-              <a:rPr lang="en-US" sz="1600" noProof="0" dirty="0" smtClean="0"/>
-              <a:t> based on:</a:t>
-            </a:r>
-          </a:p>
-          <a:p>
-            <a:pPr marL="1028700" lvl="2" indent="-342900">
-              <a:buFont typeface="+mj-lt"/>
-              <a:buAutoNum type="alphaLcParenR"/>
-            </a:pPr>
-            <a:r>
-              <a:rPr lang="en-US" sz="1400" noProof="0" dirty="0" smtClean="0"/>
-              <a:t>Signature of</a:t>
-            </a:r>
-            <a:r>
-              <a:rPr lang="en-US" sz="1400" b="1" noProof="0" dirty="0" smtClean="0"/>
-              <a:t> sort </a:t>
-            </a:r>
-            <a:r>
-              <a:rPr lang="en-US" sz="1400" noProof="0" dirty="0" smtClean="0"/>
-              <a:t>method</a:t>
-            </a:r>
-          </a:p>
-          <a:p>
-            <a:pPr marL="1028700" lvl="2" indent="-342900">
-              <a:buFont typeface="+mj-lt"/>
-              <a:buAutoNum type="alphaLcParenR"/>
-            </a:pPr>
-            <a:r>
-              <a:rPr lang="en-US" sz="1400" noProof="0" dirty="0" smtClean="0"/>
-              <a:t>List of </a:t>
-            </a:r>
-            <a:r>
-              <a:rPr lang="en-US" sz="1400" b="1" noProof="0" dirty="0" smtClean="0"/>
-              <a:t>sort </a:t>
-            </a:r>
-            <a:r>
-              <a:rPr lang="en-US" sz="1400" noProof="0" dirty="0" smtClean="0"/>
-              <a:t>algorithms available</a:t>
-            </a:r>
-          </a:p>
-          <a:p>
-            <a:pPr marL="1028700" lvl="2" indent="-342900">
-              <a:buFont typeface="+mj-lt"/>
-              <a:buAutoNum type="alphaLcParenR"/>
-            </a:pPr>
-            <a:r>
-              <a:rPr lang="en-US" sz="1400" dirty="0" smtClean="0"/>
-              <a:t>Average execution </a:t>
-            </a:r>
-            <a:r>
-              <a:rPr lang="en-US" sz="1400" b="1" dirty="0"/>
-              <a:t>time </a:t>
-            </a:r>
-            <a:r>
-              <a:rPr lang="en-US" sz="1400" noProof="0" dirty="0" smtClean="0"/>
-              <a:t>as measurer</a:t>
-            </a:r>
-          </a:p>
-          <a:p>
-            <a:pPr marL="1028700" lvl="2" indent="-342900">
-              <a:buFont typeface="+mj-lt"/>
-              <a:buAutoNum type="alphaLcParenR"/>
-            </a:pPr>
-            <a:r>
-              <a:rPr lang="en-US" sz="1400" noProof="0" dirty="0"/>
-              <a:t>Number of elements to </a:t>
-            </a:r>
-            <a:r>
-              <a:rPr lang="en-US" sz="1400" noProof="0" dirty="0" smtClean="0"/>
-              <a:t>sort as </a:t>
-            </a:r>
-            <a:r>
-              <a:rPr lang="en-US" sz="1400" b="1" noProof="0" dirty="0" smtClean="0"/>
-              <a:t>exploration key</a:t>
-            </a:r>
-          </a:p>
-          <a:p>
-            <a:pPr marL="685800" lvl="1" indent="-342900">
-              <a:buFont typeface="+mj-lt"/>
-              <a:buAutoNum type="arabicPeriod"/>
-            </a:pPr>
-            <a:r>
-              <a:rPr lang="en-US" sz="1600" noProof="0" dirty="0" smtClean="0"/>
-              <a:t>Inject code to update the new </a:t>
-            </a:r>
-            <a:r>
-              <a:rPr lang="en-US" sz="1600" b="1" noProof="0" dirty="0" smtClean="0"/>
-              <a:t>field</a:t>
-            </a:r>
-            <a:r>
-              <a:rPr lang="en-US" sz="1600" noProof="0" dirty="0" smtClean="0"/>
-              <a:t> and measure the </a:t>
-            </a:r>
-            <a:r>
-              <a:rPr lang="en-US" sz="1600" b="1" noProof="0" dirty="0" smtClean="0"/>
-              <a:t>sort </a:t>
-            </a:r>
-            <a:r>
-              <a:rPr lang="en-US" sz="1600" noProof="0" dirty="0" smtClean="0"/>
-              <a:t>execution</a:t>
-            </a:r>
-            <a:endParaRPr lang="en-US" sz="1600" noProof="0" dirty="0"/>
-          </a:p>
-        </p:txBody>
-      </p:sp>
-      <p:sp>
-        <p:nvSpPr>
-          <p:cNvPr id="7" name="Slide Number Placeholder 6"/>
-          <p:cNvSpPr>
-            <a:spLocks noGrp="1"/>
-          </p:cNvSpPr>
-          <p:nvPr>
-            <p:ph type="sldNum" sz="quarter" idx="12"/>
-          </p:nvPr>
-        </p:nvSpPr>
-        <p:spPr/>
-        <p:txBody>
-          <a:bodyPr/>
-          <a:lstStyle/>
-          <a:p>
-            <a:fld id="{6A41518D-D16D-43FD-AC0E-8530844D9895}" type="slidenum">
-              <a:rPr lang="en-US" smtClean="0"/>
-              <a:t>22</a:t>
-            </a:fld>
-            <a:endParaRPr lang="en-US"/>
-          </a:p>
-        </p:txBody>
-      </p:sp>
-    </p:spTree>
-    <p:extLst>
-      <p:ext uri="{BB962C8B-B14F-4D97-AF65-F5344CB8AC3E}">
-        <p14:creationId xmlns:p14="http://schemas.microsoft.com/office/powerpoint/2010/main" val="318402703"/>
-      </p:ext>
-    </p:extLst>
-  </p:cSld>
-  <p:clrMapOvr>
-    <a:masterClrMapping/>
-  </p:clrMapOvr>
-  <mc:AlternateContent xmlns:mc="http://schemas.openxmlformats.org/markup-compatibility/2006" xmlns:p14="http://schemas.microsoft.com/office/powerpoint/2010/main">
-    <mc:Choice Requires="p14">
-      <p:transition spd="slow" p14:dur="2000" advTm="4467"/>
-    </mc:Choice>
-    <mc:Fallback xmlns="">
-      <p:transition spd="slow" advTm="4467"/>
-    </mc:Fallback>
-  </mc:AlternateContent>
-  <p:timing>
-    <p:tnLst>
-      <p:par>
-        <p:cTn id="1" dur="indefinite" restart="never" nodeType="tmRoot"/>
-      </p:par>
-    </p:tnLst>
-  </p:timing>
-</p:sld>
-</file>
-
-<file path=ppt/slides/slide23.xml><?xml version="1.0" encoding="utf-8"?>
-<p:sld xmlns:a="http://schemas.openxmlformats.org/drawingml/2006/main" xmlns:r="http://schemas.openxmlformats.org/officeDocument/2006/relationships" xmlns:p="http://schemas.openxmlformats.org/presentationml/2006/main">
-  <p:cSld>
-    <p:spTree>
-      <p:nvGrpSpPr>
-        <p:cNvPr id="1" name=""/>
-        <p:cNvGrpSpPr/>
-        <p:nvPr/>
-      </p:nvGrpSpPr>
-      <p:grpSpPr>
-        <a:xfrm>
-          <a:off x="0" y="0"/>
-          <a:ext cx="0" cy="0"/>
-          <a:chOff x="0" y="0"/>
-          <a:chExt cx="0" cy="0"/>
-        </a:xfrm>
-      </p:grpSpPr>
-      <p:sp>
-        <p:nvSpPr>
-          <p:cNvPr id="2" name="Title 1"/>
-          <p:cNvSpPr>
-            <a:spLocks noGrp="1"/>
-          </p:cNvSpPr>
-          <p:nvPr>
-            <p:ph type="title"/>
-          </p:nvPr>
-        </p:nvSpPr>
-        <p:spPr/>
-        <p:txBody>
-          <a:bodyPr/>
-          <a:lstStyle/>
-          <a:p>
-            <a:r>
-              <a:rPr lang="en-US" noProof="0" dirty="0" err="1" smtClean="0"/>
-              <a:t>Autotuning</a:t>
-            </a:r>
-            <a:r>
-              <a:rPr lang="en-US" noProof="0" dirty="0" smtClean="0"/>
-              <a:t> Report</a:t>
-            </a:r>
-            <a:endParaRPr lang="en-US" noProof="0" dirty="0"/>
-          </a:p>
-        </p:txBody>
-      </p:sp>
-      <p:sp>
-        <p:nvSpPr>
-          <p:cNvPr id="4" name="Slide Number Placeholder 3"/>
-          <p:cNvSpPr>
-            <a:spLocks noGrp="1"/>
-          </p:cNvSpPr>
-          <p:nvPr>
-            <p:ph type="sldNum" sz="quarter" idx="12"/>
-          </p:nvPr>
-        </p:nvSpPr>
-        <p:spPr/>
-        <p:txBody>
-          <a:bodyPr/>
-          <a:lstStyle/>
-          <a:p>
-            <a:fld id="{38DF255E-9420-4F7A-80EB-BC56962E5981}" type="slidenum">
-              <a:rPr lang="pt-PT" smtClean="0"/>
-              <a:pPr/>
-              <a:t>23</a:t>
-            </a:fld>
-            <a:endParaRPr lang="pt-PT" dirty="0"/>
-          </a:p>
-        </p:txBody>
-      </p:sp>
-      <p:sp>
-        <p:nvSpPr>
-          <p:cNvPr id="5" name="Rectangle 4"/>
-          <p:cNvSpPr/>
-          <p:nvPr/>
-        </p:nvSpPr>
-        <p:spPr>
-          <a:xfrm>
-            <a:off x="389964" y="1402556"/>
-            <a:ext cx="8364071" cy="3231654"/>
-          </a:xfrm>
-          <a:prstGeom prst="rect">
-            <a:avLst/>
-          </a:prstGeom>
-          <a:solidFill>
-            <a:schemeClr val="tx1"/>
-          </a:solidFill>
-        </p:spPr>
-        <p:txBody>
-          <a:bodyPr wrap="square">
-            <a:spAutoFit/>
-          </a:bodyPr>
-          <a:lstStyle/>
-          <a:p>
-            <a:pPr algn="ctr"/>
-            <a:r>
-              <a:rPr lang="en-US" sz="1200" dirty="0">
-                <a:solidFill>
-                  <a:schemeClr val="bg1"/>
-                </a:solidFill>
-                <a:latin typeface="Consolas" panose="020B0609020204030204" pitchFamily="49" charset="0"/>
-              </a:rPr>
-              <a:t>-= SORT EXPLORATION REPORT =-</a:t>
-            </a:r>
-          </a:p>
-          <a:p>
-            <a:r>
-              <a:rPr lang="en-US" sz="1200" dirty="0" smtClean="0">
-                <a:solidFill>
-                  <a:schemeClr val="bg1"/>
-                </a:solidFill>
-                <a:latin typeface="Consolas" panose="020B0609020204030204" pitchFamily="49" charset="0"/>
-              </a:rPr>
-              <a:t>...</a:t>
-            </a:r>
-            <a:endParaRPr lang="en-US" sz="1200" dirty="0">
-              <a:solidFill>
-                <a:schemeClr val="bg1"/>
-              </a:solidFill>
-              <a:latin typeface="Consolas" panose="020B0609020204030204" pitchFamily="49" charset="0"/>
-            </a:endParaRPr>
-          </a:p>
-          <a:p>
-            <a:endParaRPr lang="en-US" sz="1200" dirty="0">
-              <a:solidFill>
-                <a:schemeClr val="bg1"/>
-              </a:solidFill>
-              <a:latin typeface="Consolas" panose="020B0609020204030204" pitchFamily="49" charset="0"/>
-            </a:endParaRPr>
-          </a:p>
-          <a:p>
-            <a:r>
-              <a:rPr lang="en-US" sz="1200" dirty="0">
-                <a:solidFill>
-                  <a:schemeClr val="bg1"/>
-                </a:solidFill>
-                <a:latin typeface="Consolas" panose="020B0609020204030204" pitchFamily="49" charset="0"/>
-              </a:rPr>
-              <a:t>100={</a:t>
-            </a:r>
-          </a:p>
-          <a:p>
-            <a:r>
-              <a:rPr lang="en-US" sz="1200" dirty="0" smtClean="0">
-                <a:solidFill>
-                  <a:schemeClr val="bg1"/>
-                </a:solidFill>
-                <a:latin typeface="Consolas" panose="020B0609020204030204" pitchFamily="49" charset="0"/>
-              </a:rPr>
-              <a:t> BEST</a:t>
-            </a:r>
-            <a:r>
-              <a:rPr lang="en-US" sz="1200" dirty="0">
-                <a:solidFill>
-                  <a:schemeClr val="bg1"/>
-                </a:solidFill>
-                <a:latin typeface="Consolas" panose="020B0609020204030204" pitchFamily="49" charset="0"/>
-              </a:rPr>
-              <a:t>: Quicksort @ </a:t>
-            </a:r>
-            <a:r>
-              <a:rPr lang="en-US" sz="1200" dirty="0" smtClean="0">
-                <a:solidFill>
-                  <a:schemeClr val="bg1"/>
-                </a:solidFill>
-                <a:latin typeface="Consolas" panose="020B0609020204030204" pitchFamily="49" charset="0"/>
-              </a:rPr>
-              <a:t>9043ns(w</a:t>
-            </a:r>
-            <a:r>
-              <a:rPr lang="en-US" sz="1200" dirty="0">
-                <a:solidFill>
-                  <a:schemeClr val="bg1"/>
-                </a:solidFill>
-                <a:latin typeface="Consolas" panose="020B0609020204030204" pitchFamily="49" charset="0"/>
-              </a:rPr>
-              <a:t>: </a:t>
-            </a:r>
-            <a:r>
-              <a:rPr lang="en-US" sz="1200" dirty="0" smtClean="0">
-                <a:solidFill>
-                  <a:schemeClr val="bg1"/>
-                </a:solidFill>
-                <a:latin typeface="Consolas" panose="020B0609020204030204" pitchFamily="49" charset="0"/>
-              </a:rPr>
-              <a:t>5, </a:t>
-            </a:r>
-            <a:r>
-              <a:rPr lang="en-US" sz="1200" dirty="0">
-                <a:solidFill>
-                  <a:schemeClr val="bg1"/>
-                </a:solidFill>
-                <a:latin typeface="Consolas" panose="020B0609020204030204" pitchFamily="49" charset="0"/>
-              </a:rPr>
-              <a:t>t:120)</a:t>
-            </a:r>
-          </a:p>
-          <a:p>
-            <a:r>
-              <a:rPr lang="en-US" sz="1200" dirty="0">
-                <a:solidFill>
-                  <a:schemeClr val="bg1"/>
-                </a:solidFill>
-                <a:latin typeface="Consolas" panose="020B0609020204030204" pitchFamily="49" charset="0"/>
-              </a:rPr>
-              <a:t> Explored(Top 5): [Quicksort @ </a:t>
-            </a:r>
-            <a:r>
-              <a:rPr lang="en-US" sz="1200" dirty="0" smtClean="0">
-                <a:solidFill>
-                  <a:schemeClr val="bg1"/>
-                </a:solidFill>
-                <a:latin typeface="Consolas" panose="020B0609020204030204" pitchFamily="49" charset="0"/>
-              </a:rPr>
-              <a:t>9043ns (w</a:t>
-            </a:r>
-            <a:r>
-              <a:rPr lang="en-US" sz="1200" dirty="0">
-                <a:solidFill>
-                  <a:schemeClr val="bg1"/>
-                </a:solidFill>
-                <a:latin typeface="Consolas" panose="020B0609020204030204" pitchFamily="49" charset="0"/>
-              </a:rPr>
-              <a:t>: </a:t>
-            </a:r>
-            <a:r>
-              <a:rPr lang="en-US" sz="1200" dirty="0" smtClean="0">
-                <a:solidFill>
-                  <a:schemeClr val="bg1"/>
-                </a:solidFill>
-                <a:latin typeface="Consolas" panose="020B0609020204030204" pitchFamily="49" charset="0"/>
-              </a:rPr>
-              <a:t>5, t:120) </a:t>
-            </a:r>
-            <a:r>
-              <a:rPr lang="en-US" sz="1200" dirty="0">
-                <a:solidFill>
-                  <a:schemeClr val="bg1"/>
-                </a:solidFill>
-                <a:latin typeface="Consolas" panose="020B0609020204030204" pitchFamily="49" charset="0"/>
-              </a:rPr>
-              <a:t>| </a:t>
-            </a:r>
-            <a:r>
-              <a:rPr lang="en-US" sz="1200" dirty="0" err="1">
-                <a:solidFill>
-                  <a:schemeClr val="bg1"/>
-                </a:solidFill>
-                <a:latin typeface="Consolas" panose="020B0609020204030204" pitchFamily="49" charset="0"/>
-              </a:rPr>
-              <a:t>CountingSort</a:t>
-            </a:r>
-            <a:r>
-              <a:rPr lang="en-US" sz="1200" dirty="0">
-                <a:solidFill>
-                  <a:schemeClr val="bg1"/>
-                </a:solidFill>
-                <a:latin typeface="Consolas" panose="020B0609020204030204" pitchFamily="49" charset="0"/>
-              </a:rPr>
-              <a:t> @ </a:t>
-            </a:r>
-            <a:r>
-              <a:rPr lang="en-US" sz="1200" dirty="0" smtClean="0">
-                <a:solidFill>
-                  <a:schemeClr val="bg1"/>
-                </a:solidFill>
-                <a:latin typeface="Consolas" panose="020B0609020204030204" pitchFamily="49" charset="0"/>
-              </a:rPr>
-              <a:t>16915ns (w</a:t>
-            </a:r>
-            <a:r>
-              <a:rPr lang="en-US" sz="1200" dirty="0">
-                <a:solidFill>
-                  <a:schemeClr val="bg1"/>
-                </a:solidFill>
-                <a:latin typeface="Consolas" panose="020B0609020204030204" pitchFamily="49" charset="0"/>
-              </a:rPr>
-              <a:t>: 5, t:10) </a:t>
-            </a:r>
-            <a:r>
-              <a:rPr lang="en-US" sz="1200" dirty="0" smtClean="0">
-                <a:solidFill>
-                  <a:schemeClr val="bg1"/>
-                </a:solidFill>
-                <a:latin typeface="Consolas" panose="020B0609020204030204" pitchFamily="49" charset="0"/>
-              </a:rPr>
-              <a:t>|...]</a:t>
-            </a:r>
-            <a:endParaRPr lang="en-US" sz="1200" dirty="0">
-              <a:solidFill>
-                <a:schemeClr val="bg1"/>
-              </a:solidFill>
-              <a:latin typeface="Consolas" panose="020B0609020204030204" pitchFamily="49" charset="0"/>
-            </a:endParaRPr>
-          </a:p>
-          <a:p>
-            <a:r>
-              <a:rPr lang="en-US" sz="1200" dirty="0" smtClean="0">
-                <a:solidFill>
-                  <a:schemeClr val="bg1"/>
-                </a:solidFill>
-                <a:latin typeface="Consolas" panose="020B0609020204030204" pitchFamily="49" charset="0"/>
-              </a:rPr>
-              <a:t>}</a:t>
-            </a:r>
-            <a:endParaRPr lang="en-US" sz="1200" dirty="0">
-              <a:solidFill>
-                <a:schemeClr val="bg1"/>
-              </a:solidFill>
-              <a:latin typeface="Consolas" panose="020B0609020204030204" pitchFamily="49" charset="0"/>
-            </a:endParaRPr>
-          </a:p>
-          <a:p>
-            <a:endParaRPr lang="en-US" sz="1200" dirty="0">
-              <a:solidFill>
-                <a:schemeClr val="bg1"/>
-              </a:solidFill>
-              <a:latin typeface="Consolas" panose="020B0609020204030204" pitchFamily="49" charset="0"/>
-            </a:endParaRPr>
-          </a:p>
-          <a:p>
-            <a:r>
-              <a:rPr lang="en-US" sz="1200" dirty="0">
-                <a:solidFill>
-                  <a:schemeClr val="bg1"/>
-                </a:solidFill>
-                <a:latin typeface="Consolas" panose="020B0609020204030204" pitchFamily="49" charset="0"/>
-              </a:rPr>
-              <a:t>200={</a:t>
-            </a:r>
-          </a:p>
-          <a:p>
-            <a:r>
-              <a:rPr lang="en-US" sz="1200" dirty="0" smtClean="0">
-                <a:solidFill>
-                  <a:schemeClr val="bg1"/>
-                </a:solidFill>
-                <a:latin typeface="Consolas" panose="020B0609020204030204" pitchFamily="49" charset="0"/>
-              </a:rPr>
-              <a:t> BEST</a:t>
-            </a:r>
-            <a:r>
-              <a:rPr lang="en-US" sz="1200" dirty="0">
-                <a:solidFill>
-                  <a:schemeClr val="bg1"/>
-                </a:solidFill>
-                <a:latin typeface="Consolas" panose="020B0609020204030204" pitchFamily="49" charset="0"/>
-              </a:rPr>
-              <a:t>: </a:t>
-            </a:r>
-            <a:r>
-              <a:rPr lang="en-US" sz="1200" dirty="0" err="1">
-                <a:solidFill>
-                  <a:schemeClr val="bg1"/>
-                </a:solidFill>
-                <a:latin typeface="Consolas" panose="020B0609020204030204" pitchFamily="49" charset="0"/>
-              </a:rPr>
-              <a:t>InsertionSort</a:t>
-            </a:r>
-            <a:r>
-              <a:rPr lang="en-US" sz="1200" dirty="0">
-                <a:solidFill>
-                  <a:schemeClr val="bg1"/>
-                </a:solidFill>
-                <a:latin typeface="Consolas" panose="020B0609020204030204" pitchFamily="49" charset="0"/>
-              </a:rPr>
-              <a:t> @ </a:t>
-            </a:r>
-            <a:r>
-              <a:rPr lang="en-US" sz="1200" dirty="0" smtClean="0">
-                <a:solidFill>
-                  <a:schemeClr val="bg1"/>
-                </a:solidFill>
-                <a:latin typeface="Consolas" panose="020B0609020204030204" pitchFamily="49" charset="0"/>
-              </a:rPr>
-              <a:t>12727</a:t>
-            </a:r>
-            <a:r>
-              <a:rPr lang="en-US" sz="1200" dirty="0">
-                <a:solidFill>
-                  <a:schemeClr val="bg1"/>
-                </a:solidFill>
-                <a:latin typeface="Consolas" panose="020B0609020204030204" pitchFamily="49" charset="0"/>
-              </a:rPr>
-              <a:t>ns </a:t>
-            </a:r>
-            <a:r>
-              <a:rPr lang="en-US" sz="1200" dirty="0" smtClean="0">
-                <a:solidFill>
-                  <a:schemeClr val="bg1"/>
-                </a:solidFill>
-                <a:latin typeface="Consolas" panose="020B0609020204030204" pitchFamily="49" charset="0"/>
-              </a:rPr>
-              <a:t>(</a:t>
-            </a:r>
-            <a:r>
-              <a:rPr lang="en-US" sz="1200" dirty="0">
-                <a:solidFill>
-                  <a:schemeClr val="bg1"/>
-                </a:solidFill>
-                <a:latin typeface="Consolas" panose="020B0609020204030204" pitchFamily="49" charset="0"/>
-              </a:rPr>
-              <a:t>w: 5, t:120)</a:t>
-            </a:r>
-          </a:p>
-          <a:p>
-            <a:r>
-              <a:rPr lang="en-US" sz="1200" dirty="0">
-                <a:solidFill>
-                  <a:schemeClr val="bg1"/>
-                </a:solidFill>
-                <a:latin typeface="Consolas" panose="020B0609020204030204" pitchFamily="49" charset="0"/>
-              </a:rPr>
-              <a:t> Explored(Top 5): [</a:t>
-            </a:r>
-            <a:r>
-              <a:rPr lang="en-US" sz="1200" dirty="0" err="1">
-                <a:solidFill>
-                  <a:schemeClr val="bg1"/>
-                </a:solidFill>
-                <a:latin typeface="Consolas" panose="020B0609020204030204" pitchFamily="49" charset="0"/>
-              </a:rPr>
-              <a:t>InsertionSort</a:t>
-            </a:r>
-            <a:r>
-              <a:rPr lang="en-US" sz="1200" dirty="0">
-                <a:solidFill>
-                  <a:schemeClr val="bg1"/>
-                </a:solidFill>
-                <a:latin typeface="Consolas" panose="020B0609020204030204" pitchFamily="49" charset="0"/>
-              </a:rPr>
-              <a:t> @ </a:t>
-            </a:r>
-            <a:r>
-              <a:rPr lang="en-US" sz="1200" dirty="0" smtClean="0">
-                <a:solidFill>
-                  <a:schemeClr val="bg1"/>
-                </a:solidFill>
-                <a:latin typeface="Consolas" panose="020B0609020204030204" pitchFamily="49" charset="0"/>
-              </a:rPr>
-              <a:t>12727ns (w</a:t>
-            </a:r>
-            <a:r>
-              <a:rPr lang="en-US" sz="1200" dirty="0">
-                <a:solidFill>
-                  <a:schemeClr val="bg1"/>
-                </a:solidFill>
-                <a:latin typeface="Consolas" panose="020B0609020204030204" pitchFamily="49" charset="0"/>
-              </a:rPr>
-              <a:t>: 5, t:120) | Quicksort @ </a:t>
-            </a:r>
-            <a:r>
-              <a:rPr lang="en-US" sz="1200" dirty="0" smtClean="0">
-                <a:solidFill>
-                  <a:schemeClr val="bg1"/>
-                </a:solidFill>
-                <a:latin typeface="Consolas" panose="020B0609020204030204" pitchFamily="49" charset="0"/>
-              </a:rPr>
-              <a:t>17180ns (w</a:t>
-            </a:r>
-            <a:r>
-              <a:rPr lang="en-US" sz="1200" dirty="0">
-                <a:solidFill>
-                  <a:schemeClr val="bg1"/>
-                </a:solidFill>
-                <a:latin typeface="Consolas" panose="020B0609020204030204" pitchFamily="49" charset="0"/>
-              </a:rPr>
-              <a:t>: 5, t:10) </a:t>
-            </a:r>
-            <a:r>
-              <a:rPr lang="en-US" sz="1200" dirty="0" smtClean="0">
-                <a:solidFill>
-                  <a:schemeClr val="bg1"/>
-                </a:solidFill>
-                <a:latin typeface="Consolas" panose="020B0609020204030204" pitchFamily="49" charset="0"/>
-              </a:rPr>
-              <a:t>|...]</a:t>
-            </a:r>
-            <a:endParaRPr lang="en-US" sz="1200" dirty="0">
-              <a:solidFill>
-                <a:schemeClr val="bg1"/>
-              </a:solidFill>
-              <a:latin typeface="Consolas" panose="020B0609020204030204" pitchFamily="49" charset="0"/>
-            </a:endParaRPr>
-          </a:p>
-          <a:p>
-            <a:r>
-              <a:rPr lang="en-US" sz="1200" dirty="0" smtClean="0">
-                <a:solidFill>
-                  <a:schemeClr val="bg1"/>
-                </a:solidFill>
-                <a:latin typeface="Consolas" panose="020B0609020204030204" pitchFamily="49" charset="0"/>
-              </a:rPr>
-              <a:t>}</a:t>
-            </a:r>
-            <a:endParaRPr lang="en-US" sz="1200" dirty="0">
-              <a:solidFill>
-                <a:schemeClr val="bg1"/>
-              </a:solidFill>
-              <a:latin typeface="Consolas" panose="020B0609020204030204" pitchFamily="49" charset="0"/>
-            </a:endParaRPr>
-          </a:p>
-          <a:p>
-            <a:endParaRPr lang="en-US" sz="1200" dirty="0">
-              <a:solidFill>
-                <a:schemeClr val="bg1"/>
-              </a:solidFill>
-              <a:latin typeface="Consolas" panose="020B0609020204030204" pitchFamily="49" charset="0"/>
-            </a:endParaRPr>
-          </a:p>
-          <a:p>
-            <a:r>
-              <a:rPr lang="en-US" sz="1200" dirty="0">
-                <a:solidFill>
-                  <a:schemeClr val="bg1"/>
-                </a:solidFill>
-                <a:latin typeface="Consolas" panose="020B0609020204030204" pitchFamily="49" charset="0"/>
-              </a:rPr>
-              <a:t>500={</a:t>
-            </a:r>
-          </a:p>
-          <a:p>
-            <a:r>
-              <a:rPr lang="en-US" sz="1200" dirty="0" smtClean="0">
-                <a:solidFill>
-                  <a:schemeClr val="bg1"/>
-                </a:solidFill>
-                <a:latin typeface="Consolas" panose="020B0609020204030204" pitchFamily="49" charset="0"/>
-              </a:rPr>
-              <a:t> BEST</a:t>
-            </a:r>
-            <a:r>
-              <a:rPr lang="en-US" sz="1200" dirty="0">
-                <a:solidFill>
-                  <a:schemeClr val="bg1"/>
-                </a:solidFill>
-                <a:latin typeface="Consolas" panose="020B0609020204030204" pitchFamily="49" charset="0"/>
-              </a:rPr>
-              <a:t>: </a:t>
-            </a:r>
-            <a:r>
-              <a:rPr lang="en-US" sz="1200" dirty="0" err="1">
-                <a:solidFill>
-                  <a:schemeClr val="bg1"/>
-                </a:solidFill>
-                <a:latin typeface="Consolas" panose="020B0609020204030204" pitchFamily="49" charset="0"/>
-              </a:rPr>
-              <a:t>CountingSort</a:t>
-            </a:r>
-            <a:r>
-              <a:rPr lang="en-US" sz="1200" dirty="0">
-                <a:solidFill>
-                  <a:schemeClr val="bg1"/>
-                </a:solidFill>
-                <a:latin typeface="Consolas" panose="020B0609020204030204" pitchFamily="49" charset="0"/>
-              </a:rPr>
-              <a:t> @ </a:t>
-            </a:r>
-            <a:r>
-              <a:rPr lang="en-US" sz="1200" dirty="0" smtClean="0">
-                <a:solidFill>
-                  <a:schemeClr val="bg1"/>
-                </a:solidFill>
-                <a:latin typeface="Consolas" panose="020B0609020204030204" pitchFamily="49" charset="0"/>
-              </a:rPr>
-              <a:t>17784</a:t>
-            </a:r>
-            <a:r>
-              <a:rPr lang="en-US" sz="1200" dirty="0">
-                <a:solidFill>
-                  <a:schemeClr val="bg1"/>
-                </a:solidFill>
-                <a:latin typeface="Consolas" panose="020B0609020204030204" pitchFamily="49" charset="0"/>
-              </a:rPr>
-              <a:t>ns </a:t>
-            </a:r>
-            <a:r>
-              <a:rPr lang="en-US" sz="1200" dirty="0" smtClean="0">
-                <a:solidFill>
-                  <a:schemeClr val="bg1"/>
-                </a:solidFill>
-                <a:latin typeface="Consolas" panose="020B0609020204030204" pitchFamily="49" charset="0"/>
-              </a:rPr>
-              <a:t>(</a:t>
-            </a:r>
-            <a:r>
-              <a:rPr lang="en-US" sz="1200" dirty="0">
-                <a:solidFill>
-                  <a:schemeClr val="bg1"/>
-                </a:solidFill>
-                <a:latin typeface="Consolas" panose="020B0609020204030204" pitchFamily="49" charset="0"/>
-              </a:rPr>
-              <a:t>w: 5, t:120)</a:t>
-            </a:r>
-          </a:p>
-          <a:p>
-            <a:r>
-              <a:rPr lang="en-US" sz="1200" dirty="0">
-                <a:solidFill>
-                  <a:schemeClr val="bg1"/>
-                </a:solidFill>
-                <a:latin typeface="Consolas" panose="020B0609020204030204" pitchFamily="49" charset="0"/>
-              </a:rPr>
-              <a:t> Explored(Top 5): [</a:t>
-            </a:r>
-            <a:r>
-              <a:rPr lang="en-US" sz="1200" dirty="0" err="1">
-                <a:solidFill>
-                  <a:schemeClr val="bg1"/>
-                </a:solidFill>
-                <a:latin typeface="Consolas" panose="020B0609020204030204" pitchFamily="49" charset="0"/>
-              </a:rPr>
-              <a:t>CountingSort</a:t>
-            </a:r>
-            <a:r>
-              <a:rPr lang="en-US" sz="1200" dirty="0">
-                <a:solidFill>
-                  <a:schemeClr val="bg1"/>
-                </a:solidFill>
-                <a:latin typeface="Consolas" panose="020B0609020204030204" pitchFamily="49" charset="0"/>
-              </a:rPr>
-              <a:t> @ </a:t>
-            </a:r>
-            <a:r>
-              <a:rPr lang="en-US" sz="1200" dirty="0" smtClean="0">
-                <a:solidFill>
-                  <a:schemeClr val="bg1"/>
-                </a:solidFill>
-                <a:latin typeface="Consolas" panose="020B0609020204030204" pitchFamily="49" charset="0"/>
-              </a:rPr>
-              <a:t>17784ns (w</a:t>
-            </a:r>
-            <a:r>
-              <a:rPr lang="en-US" sz="1200" dirty="0">
-                <a:solidFill>
-                  <a:schemeClr val="bg1"/>
-                </a:solidFill>
-                <a:latin typeface="Consolas" panose="020B0609020204030204" pitchFamily="49" charset="0"/>
-              </a:rPr>
-              <a:t>: 5, t:120) | Quicksort @ </a:t>
-            </a:r>
-            <a:r>
-              <a:rPr lang="en-US" sz="1200" dirty="0" smtClean="0">
-                <a:solidFill>
-                  <a:schemeClr val="bg1"/>
-                </a:solidFill>
-                <a:latin typeface="Consolas" panose="020B0609020204030204" pitchFamily="49" charset="0"/>
-              </a:rPr>
-              <a:t>53578ns (w</a:t>
-            </a:r>
-            <a:r>
-              <a:rPr lang="en-US" sz="1200" dirty="0">
-                <a:solidFill>
-                  <a:schemeClr val="bg1"/>
-                </a:solidFill>
-                <a:latin typeface="Consolas" panose="020B0609020204030204" pitchFamily="49" charset="0"/>
-              </a:rPr>
-              <a:t>: 5, t:10) </a:t>
-            </a:r>
-            <a:r>
-              <a:rPr lang="en-US" sz="1200" dirty="0" smtClean="0">
-                <a:solidFill>
-                  <a:schemeClr val="bg1"/>
-                </a:solidFill>
-                <a:latin typeface="Consolas" panose="020B0609020204030204" pitchFamily="49" charset="0"/>
-              </a:rPr>
-              <a:t>|...]</a:t>
-            </a:r>
-            <a:endParaRPr lang="en-US" sz="1200" dirty="0">
-              <a:solidFill>
-                <a:schemeClr val="bg1"/>
-              </a:solidFill>
-              <a:latin typeface="Consolas" panose="020B0609020204030204" pitchFamily="49" charset="0"/>
-            </a:endParaRPr>
-          </a:p>
-          <a:p>
-            <a:r>
-              <a:rPr lang="en-US" sz="1200" dirty="0" smtClean="0">
-                <a:solidFill>
-                  <a:schemeClr val="bg1"/>
-                </a:solidFill>
-                <a:latin typeface="Consolas" panose="020B0609020204030204" pitchFamily="49" charset="0"/>
-              </a:rPr>
-              <a:t>}</a:t>
-            </a:r>
-            <a:endParaRPr lang="en-US" sz="1200" dirty="0">
-              <a:solidFill>
-                <a:schemeClr val="bg1"/>
-              </a:solidFill>
-              <a:latin typeface="Consolas" panose="020B0609020204030204" pitchFamily="49" charset="0"/>
-            </a:endParaRPr>
-          </a:p>
-        </p:txBody>
-      </p:sp>
-      <p:sp>
-        <p:nvSpPr>
-          <p:cNvPr id="7" name="Rounded Rectangular Callout 6"/>
-          <p:cNvSpPr/>
-          <p:nvPr/>
-        </p:nvSpPr>
-        <p:spPr>
-          <a:xfrm>
-            <a:off x="4887446" y="705971"/>
-            <a:ext cx="4105275" cy="425934"/>
-          </a:xfrm>
-          <a:prstGeom prst="wedgeRoundRectCallout">
-            <a:avLst>
-              <a:gd name="adj1" fmla="val -150002"/>
-              <a:gd name="adj2" fmla="val 265065"/>
-              <a:gd name="adj3" fmla="val 16667"/>
-            </a:avLst>
-          </a:prstGeom>
-        </p:spPr>
-        <p:style>
-          <a:lnRef idx="2">
-            <a:schemeClr val="accent1">
-              <a:shade val="50000"/>
-            </a:schemeClr>
-          </a:lnRef>
-          <a:fillRef idx="1">
-            <a:schemeClr val="accent1"/>
-          </a:fillRef>
-          <a:effectRef idx="0">
-            <a:schemeClr val="accent1"/>
-          </a:effectRef>
-          <a:fontRef idx="minor">
-            <a:schemeClr val="lt1"/>
-          </a:fontRef>
-        </p:style>
-        <p:txBody>
-          <a:bodyPr rtlCol="0" anchor="ctr"/>
-          <a:lstStyle/>
-          <a:p>
-            <a:r>
-              <a:rPr lang="en-US" sz="1800" b="1" dirty="0" smtClean="0"/>
-              <a:t>Exploration key: array size</a:t>
-            </a:r>
-          </a:p>
-        </p:txBody>
-      </p:sp>
-      <p:sp>
-        <p:nvSpPr>
-          <p:cNvPr id="6" name="Rounded Rectangular Callout 5"/>
-          <p:cNvSpPr/>
-          <p:nvPr/>
-        </p:nvSpPr>
-        <p:spPr>
-          <a:xfrm>
-            <a:off x="4887446" y="1131905"/>
-            <a:ext cx="4105275" cy="1064239"/>
-          </a:xfrm>
-          <a:prstGeom prst="wedgeRoundRectCallout">
-            <a:avLst>
-              <a:gd name="adj1" fmla="val -122650"/>
-              <a:gd name="adj2" fmla="val 48126"/>
-              <a:gd name="adj3" fmla="val 16667"/>
-            </a:avLst>
-          </a:prstGeom>
-        </p:spPr>
-        <p:style>
-          <a:lnRef idx="2">
-            <a:schemeClr val="accent1">
-              <a:shade val="50000"/>
-            </a:schemeClr>
-          </a:lnRef>
-          <a:fillRef idx="1">
-            <a:schemeClr val="accent1"/>
-          </a:fillRef>
-          <a:effectRef idx="0">
-            <a:schemeClr val="accent1"/>
-          </a:effectRef>
-          <a:fontRef idx="minor">
-            <a:schemeClr val="lt1"/>
-          </a:fontRef>
-        </p:style>
-        <p:txBody>
-          <a:bodyPr rtlCol="0" anchor="ctr"/>
-          <a:lstStyle/>
-          <a:p>
-            <a:r>
-              <a:rPr lang="en-US" sz="1800" b="1" dirty="0" smtClean="0"/>
-              <a:t>After exploring all available algorithms it will always execute the most fitting algorithm</a:t>
-            </a:r>
-            <a:endParaRPr lang="en-US" sz="1800" dirty="0" smtClean="0"/>
-          </a:p>
-        </p:txBody>
-      </p:sp>
-      <p:sp>
-        <p:nvSpPr>
-          <p:cNvPr id="8" name="Rounded Rectangle 7"/>
-          <p:cNvSpPr/>
-          <p:nvPr/>
-        </p:nvSpPr>
-        <p:spPr>
-          <a:xfrm>
-            <a:off x="1035424" y="2171700"/>
-            <a:ext cx="813547" cy="208429"/>
-          </a:xfrm>
-          <a:prstGeom prst="roundRect">
-            <a:avLst/>
-          </a:prstGeom>
-          <a:noFill/>
-          <a:ln w="38100">
-            <a:solidFill>
-              <a:schemeClr val="accent1"/>
-            </a:solidFill>
-          </a:ln>
-        </p:spPr>
-        <p:style>
-          <a:lnRef idx="2">
-            <a:schemeClr val="accent1">
-              <a:shade val="50000"/>
-            </a:schemeClr>
-          </a:lnRef>
-          <a:fillRef idx="1">
-            <a:schemeClr val="accent1"/>
-          </a:fillRef>
-          <a:effectRef idx="0">
-            <a:schemeClr val="accent1"/>
-          </a:effectRef>
-          <a:fontRef idx="minor">
-            <a:schemeClr val="lt1"/>
-          </a:fontRef>
-        </p:style>
-        <p:txBody>
-          <a:bodyPr rtlCol="0" anchor="ctr"/>
-          <a:lstStyle/>
-          <a:p>
-            <a:pPr algn="ctr"/>
-            <a:endParaRPr lang="en-US"/>
-          </a:p>
-        </p:txBody>
-      </p:sp>
-      <p:sp>
-        <p:nvSpPr>
-          <p:cNvPr id="9" name="Rounded Rectangle 8"/>
-          <p:cNvSpPr/>
-          <p:nvPr/>
-        </p:nvSpPr>
-        <p:spPr>
-          <a:xfrm>
-            <a:off x="1035424" y="3079376"/>
-            <a:ext cx="1163171" cy="221877"/>
-          </a:xfrm>
-          <a:prstGeom prst="roundRect">
-            <a:avLst/>
-          </a:prstGeom>
-          <a:noFill/>
-          <a:ln w="38100">
-            <a:solidFill>
-              <a:schemeClr val="accent1"/>
-            </a:solidFill>
-          </a:ln>
-        </p:spPr>
-        <p:style>
-          <a:lnRef idx="2">
-            <a:schemeClr val="accent1">
-              <a:shade val="50000"/>
-            </a:schemeClr>
-          </a:lnRef>
-          <a:fillRef idx="1">
-            <a:schemeClr val="accent1"/>
-          </a:fillRef>
-          <a:effectRef idx="0">
-            <a:schemeClr val="accent1"/>
-          </a:effectRef>
-          <a:fontRef idx="minor">
-            <a:schemeClr val="lt1"/>
-          </a:fontRef>
-        </p:style>
-        <p:txBody>
-          <a:bodyPr rtlCol="0" anchor="ctr"/>
-          <a:lstStyle/>
-          <a:p>
-            <a:pPr algn="ctr"/>
-            <a:endParaRPr lang="en-US"/>
-          </a:p>
-        </p:txBody>
-      </p:sp>
-      <p:sp>
-        <p:nvSpPr>
-          <p:cNvPr id="10" name="Rounded Rectangle 9"/>
-          <p:cNvSpPr/>
-          <p:nvPr/>
-        </p:nvSpPr>
-        <p:spPr>
-          <a:xfrm>
-            <a:off x="1035424" y="4007224"/>
-            <a:ext cx="1095935" cy="201705"/>
-          </a:xfrm>
-          <a:prstGeom prst="roundRect">
-            <a:avLst/>
-          </a:prstGeom>
-          <a:noFill/>
-          <a:ln w="38100">
-            <a:solidFill>
-              <a:schemeClr val="accent1"/>
-            </a:solidFill>
-          </a:ln>
-        </p:spPr>
-        <p:style>
-          <a:lnRef idx="2">
-            <a:schemeClr val="accent1">
-              <a:shade val="50000"/>
-            </a:schemeClr>
-          </a:lnRef>
-          <a:fillRef idx="1">
-            <a:schemeClr val="accent1"/>
-          </a:fillRef>
-          <a:effectRef idx="0">
-            <a:schemeClr val="accent1"/>
-          </a:effectRef>
-          <a:fontRef idx="minor">
-            <a:schemeClr val="lt1"/>
-          </a:fontRef>
-        </p:style>
-        <p:txBody>
-          <a:bodyPr rtlCol="0" anchor="ctr"/>
-          <a:lstStyle/>
-          <a:p>
-            <a:pPr algn="ctr"/>
-            <a:endParaRPr lang="en-US"/>
-          </a:p>
-        </p:txBody>
-      </p:sp>
-    </p:spTree>
-    <p:extLst>
-      <p:ext uri="{BB962C8B-B14F-4D97-AF65-F5344CB8AC3E}">
-        <p14:creationId xmlns:p14="http://schemas.microsoft.com/office/powerpoint/2010/main" val="3301949985"/>
-      </p:ext>
-    </p:extLst>
-  </p:cSld>
-  <p:clrMapOvr>
-    <a:masterClrMapping/>
-  </p:clrMapOvr>
-  <mc:AlternateContent xmlns:mc="http://schemas.openxmlformats.org/markup-compatibility/2006" xmlns:p14="http://schemas.microsoft.com/office/powerpoint/2010/main">
-    <mc:Choice Requires="p14">
-      <p:transition p14:dur="0"/>
-    </mc:Choice>
-    <mc:Fallback xmlns="">
-      <p:transition/>
-    </mc:Fallback>
-  </mc:AlternateContent>
-  <p:timing>
-    <p:tnLst>
-      <p:par>
-        <p:cTn id="1" dur="indefinite" restart="never" nodeType="tmRoot">
-          <p:childTnLst>
-            <p:seq concurrent="1" nextAc="seek">
-              <p:cTn id="2" dur="indefinite" nodeType="mainSeq">
-                <p:childTnLst>
-                  <p:par>
-                    <p:cTn id="3" fill="hold">
-                      <p:stCondLst>
-                        <p:cond delay="indefinite"/>
-                      </p:stCondLst>
-                      <p:childTnLst>
-                        <p:par>
-                          <p:cTn id="4" fill="hold">
-                            <p:stCondLst>
-                              <p:cond delay="0"/>
-                            </p:stCondLst>
-                            <p:childTnLst>
-                              <p:par>
-                                <p:cTn id="5" presetID="1" presetClass="entr" presetSubtype="0" fill="hold" grpId="0" nodeType="clickEffect">
-                                  <p:stCondLst>
-                                    <p:cond delay="0"/>
-                                  </p:stCondLst>
-                                  <p:childTnLst>
-                                    <p:set>
-                                      <p:cBhvr>
-                                        <p:cTn id="6" dur="1" fill="hold">
-                                          <p:stCondLst>
-                                            <p:cond delay="0"/>
-                                          </p:stCondLst>
-                                        </p:cTn>
-                                        <p:tgtEl>
-                                          <p:spTgt spid="7"/>
-                                        </p:tgtEl>
-                                        <p:attrNameLst>
-                                          <p:attrName>style.visibility</p:attrName>
-                                        </p:attrNameLst>
-                                      </p:cBhvr>
-                                      <p:to>
-                                        <p:strVal val="visible"/>
-                                      </p:to>
-                                    </p:set>
-                                  </p:childTnLst>
-                                </p:cTn>
-                              </p:par>
-                            </p:childTnLst>
-                          </p:cTn>
-                        </p:par>
-                      </p:childTnLst>
-                    </p:cTn>
-                  </p:par>
-                  <p:par>
-                    <p:cTn id="7" fill="hold">
-                      <p:stCondLst>
-                        <p:cond delay="indefinite"/>
-                      </p:stCondLst>
-                      <p:childTnLst>
-                        <p:par>
-                          <p:cTn id="8" fill="hold">
-                            <p:stCondLst>
-                              <p:cond delay="0"/>
-                            </p:stCondLst>
-                            <p:childTnLst>
-                              <p:par>
-                                <p:cTn id="9" presetID="1" presetClass="entr" presetSubtype="0" fill="hold" grpId="0" nodeType="clickEffect">
-                                  <p:stCondLst>
-                                    <p:cond delay="0"/>
-                                  </p:stCondLst>
-                                  <p:childTnLst>
-                                    <p:set>
-                                      <p:cBhvr>
-                                        <p:cTn id="10" dur="1" fill="hold">
-                                          <p:stCondLst>
-                                            <p:cond delay="0"/>
-                                          </p:stCondLst>
-                                        </p:cTn>
-                                        <p:tgtEl>
-                                          <p:spTgt spid="6"/>
-                                        </p:tgtEl>
-                                        <p:attrNameLst>
-                                          <p:attrName>style.visibility</p:attrName>
-                                        </p:attrNameLst>
-                                      </p:cBhvr>
-                                      <p:to>
-                                        <p:strVal val="visible"/>
-                                      </p:to>
-                                    </p:set>
-                                  </p:childTnLst>
-                                </p:cTn>
-                              </p:par>
-                              <p:par>
-                                <p:cTn id="11" presetID="1" presetClass="entr" presetSubtype="0" fill="hold" grpId="0" nodeType="withEffect">
-                                  <p:stCondLst>
-                                    <p:cond delay="0"/>
-                                  </p:stCondLst>
-                                  <p:childTnLst>
-                                    <p:set>
-                                      <p:cBhvr>
-                                        <p:cTn id="12" dur="1" fill="hold">
-                                          <p:stCondLst>
-                                            <p:cond delay="0"/>
-                                          </p:stCondLst>
-                                        </p:cTn>
-                                        <p:tgtEl>
-                                          <p:spTgt spid="10"/>
-                                        </p:tgtEl>
-                                        <p:attrNameLst>
-                                          <p:attrName>style.visibility</p:attrName>
-                                        </p:attrNameLst>
-                                      </p:cBhvr>
-                                      <p:to>
-                                        <p:strVal val="visible"/>
-                                      </p:to>
-                                    </p:set>
-                                  </p:childTnLst>
-                                </p:cTn>
-                              </p:par>
-                              <p:par>
-                                <p:cTn id="13" presetID="1" presetClass="entr" presetSubtype="0" fill="hold" grpId="0" nodeType="withEffect">
-                                  <p:stCondLst>
-                                    <p:cond delay="0"/>
-                                  </p:stCondLst>
-                                  <p:childTnLst>
-                                    <p:set>
-                                      <p:cBhvr>
-                                        <p:cTn id="14" dur="1" fill="hold">
-                                          <p:stCondLst>
-                                            <p:cond delay="0"/>
-                                          </p:stCondLst>
-                                        </p:cTn>
-                                        <p:tgtEl>
-                                          <p:spTgt spid="8"/>
-                                        </p:tgtEl>
-                                        <p:attrNameLst>
-                                          <p:attrName>style.visibility</p:attrName>
-                                        </p:attrNameLst>
-                                      </p:cBhvr>
-                                      <p:to>
-                                        <p:strVal val="visible"/>
-                                      </p:to>
-                                    </p:set>
-                                  </p:childTnLst>
-                                </p:cTn>
-                              </p:par>
-                              <p:par>
-                                <p:cTn id="15" presetID="1" presetClass="entr" presetSubtype="0" fill="hold" grpId="0" nodeType="withEffect">
-                                  <p:stCondLst>
-                                    <p:cond delay="0"/>
-                                  </p:stCondLst>
-                                  <p:childTnLst>
-                                    <p:set>
-                                      <p:cBhvr>
-                                        <p:cTn id="16" dur="1" fill="hold">
-                                          <p:stCondLst>
-                                            <p:cond delay="0"/>
-                                          </p:stCondLst>
-                                        </p:cTn>
-                                        <p:tgtEl>
-                                          <p:spTgt spid="9"/>
-                                        </p:tgtEl>
-                                        <p:attrNameLst>
-                                          <p:attrName>style.visibility</p:attrName>
-                                        </p:attrNameLst>
-                                      </p:cBhvr>
-                                      <p:to>
-                                        <p:strVal val="visible"/>
-                                      </p:to>
-                                    </p:set>
-                                  </p:childTnLst>
-                                </p:cTn>
-                              </p:par>
-                            </p:childTnLst>
-                          </p:cTn>
-                        </p:par>
-                      </p:childTnLst>
-                    </p:cTn>
-                  </p:par>
-                </p:childTnLst>
-              </p:cTn>
-              <p:prevCondLst>
-                <p:cond evt="onPrev" delay="0">
-                  <p:tgtEl>
-                    <p:sldTgt/>
-                  </p:tgtEl>
-                </p:cond>
-              </p:prevCondLst>
-              <p:nextCondLst>
-                <p:cond evt="onNext" delay="0">
-                  <p:tgtEl>
-                    <p:sldTgt/>
-                  </p:tgtEl>
-                </p:cond>
-              </p:nextCondLst>
-            </p:seq>
-          </p:childTnLst>
-        </p:cTn>
-      </p:par>
-    </p:tnLst>
-    <p:bldLst>
-      <p:bldP spid="7" grpId="0" animBg="1"/>
-      <p:bldP spid="6" grpId="0" animBg="1"/>
-      <p:bldP spid="8" grpId="0" animBg="1"/>
-      <p:bldP spid="9" grpId="0" animBg="1"/>
-      <p:bldP spid="10" grpId="0" animBg="1"/>
-    </p:bldLst>
-  </p:timing>
-</p:sld>
-</file>
-
-<file path=ppt/slides/slide24.xml><?xml version="1.0" encoding="utf-8"?>
-<p:sld xmlns:a="http://schemas.openxmlformats.org/drawingml/2006/main" xmlns:r="http://schemas.openxmlformats.org/officeDocument/2006/relationships" xmlns:p="http://schemas.openxmlformats.org/presentationml/2006/main">
-  <p:cSld>
-    <p:spTree>
-      <p:nvGrpSpPr>
-        <p:cNvPr id="1" name=""/>
-        <p:cNvGrpSpPr/>
-        <p:nvPr/>
-      </p:nvGrpSpPr>
-      <p:grpSpPr>
-        <a:xfrm>
-          <a:off x="0" y="0"/>
-          <a:ext cx="0" cy="0"/>
-          <a:chOff x="0" y="0"/>
-          <a:chExt cx="0" cy="0"/>
-        </a:xfrm>
-      </p:grpSpPr>
-      <p:sp>
-        <p:nvSpPr>
-          <p:cNvPr id="2" name="Title 1"/>
-          <p:cNvSpPr>
-            <a:spLocks noGrp="1"/>
-          </p:cNvSpPr>
-          <p:nvPr>
-            <p:ph type="title"/>
-          </p:nvPr>
-        </p:nvSpPr>
-        <p:spPr/>
-        <p:txBody>
-          <a:bodyPr/>
-          <a:lstStyle/>
-          <a:p>
-            <a:r>
-              <a:rPr lang="en-US" noProof="0" smtClean="0"/>
-              <a:t>Conclusions</a:t>
-            </a:r>
-            <a:endParaRPr lang="en-US" noProof="0" dirty="0"/>
-          </a:p>
-        </p:txBody>
-      </p:sp>
-      <p:sp>
-        <p:nvSpPr>
-          <p:cNvPr id="3" name="Content Placeholder 2"/>
-          <p:cNvSpPr>
-            <a:spLocks noGrp="1"/>
-          </p:cNvSpPr>
-          <p:nvPr>
-            <p:ph idx="1"/>
-          </p:nvPr>
-        </p:nvSpPr>
-        <p:spPr/>
-        <p:txBody>
-          <a:bodyPr>
-            <a:normAutofit fontScale="92500" lnSpcReduction="10000"/>
-          </a:bodyPr>
-          <a:lstStyle/>
-          <a:p>
-            <a:r>
-              <a:rPr lang="en-US" dirty="0" smtClean="0"/>
-              <a:t>LARA is a </a:t>
-            </a:r>
-            <a:r>
-              <a:rPr lang="en-US" b="1" dirty="0" smtClean="0"/>
-              <a:t>source-to-source</a:t>
-            </a:r>
-            <a:r>
-              <a:rPr lang="en-US" dirty="0" smtClean="0"/>
-              <a:t> AOP language </a:t>
-            </a:r>
-          </a:p>
-          <a:p>
-            <a:endParaRPr lang="en-US" dirty="0" smtClean="0"/>
-          </a:p>
-          <a:p>
-            <a:r>
-              <a:rPr lang="en-US" b="1" dirty="0" smtClean="0"/>
-              <a:t>Aspect reusability</a:t>
-            </a:r>
-            <a:r>
-              <a:rPr lang="en-US" dirty="0" smtClean="0"/>
-              <a:t> between programs and languages</a:t>
-            </a:r>
-          </a:p>
-          <a:p>
-            <a:endParaRPr lang="en-US" dirty="0" smtClean="0"/>
-          </a:p>
-          <a:p>
-            <a:r>
-              <a:rPr lang="en-US" b="1" dirty="0" smtClean="0"/>
-              <a:t>Fine-grained</a:t>
-            </a:r>
-            <a:r>
-              <a:rPr lang="en-US" dirty="0" smtClean="0"/>
-              <a:t>, structural/syntactic join points with </a:t>
-            </a:r>
-            <a:r>
-              <a:rPr lang="en-US" b="1" dirty="0" smtClean="0"/>
-              <a:t>semantic information</a:t>
-            </a:r>
-          </a:p>
-          <a:p>
-            <a:endParaRPr lang="en-US" dirty="0" smtClean="0"/>
-          </a:p>
-          <a:p>
-            <a:r>
-              <a:rPr lang="en-US" dirty="0" smtClean="0"/>
-              <a:t>Code injection, elements introduction and </a:t>
-            </a:r>
-            <a:r>
-              <a:rPr lang="en-US" b="1" dirty="0" smtClean="0"/>
-              <a:t>code transformations</a:t>
-            </a:r>
-          </a:p>
-          <a:p>
-            <a:endParaRPr lang="en-US" dirty="0" smtClean="0"/>
-          </a:p>
-          <a:p>
-            <a:r>
-              <a:rPr lang="en-US" dirty="0" err="1" smtClean="0"/>
-              <a:t>Kadabra</a:t>
-            </a:r>
-            <a:r>
-              <a:rPr lang="en-US" dirty="0" smtClean="0"/>
-              <a:t> weaver includes </a:t>
-            </a:r>
-            <a:r>
-              <a:rPr lang="en-US" b="1" dirty="0" smtClean="0"/>
-              <a:t>runtime adaptation</a:t>
-            </a:r>
-            <a:r>
-              <a:rPr lang="en-US" dirty="0" smtClean="0"/>
-              <a:t> mechanisms such as </a:t>
-            </a:r>
-            <a:r>
-              <a:rPr lang="en-US" b="1" dirty="0" err="1" smtClean="0"/>
-              <a:t>Autotuning</a:t>
-            </a:r>
-            <a:endParaRPr lang="en-US" b="1" dirty="0" smtClean="0"/>
-          </a:p>
-          <a:p>
-            <a:endParaRPr lang="en-US" dirty="0"/>
-          </a:p>
-        </p:txBody>
-      </p:sp>
-      <p:sp>
-        <p:nvSpPr>
-          <p:cNvPr id="4" name="Slide Number Placeholder 3"/>
-          <p:cNvSpPr>
-            <a:spLocks noGrp="1"/>
-          </p:cNvSpPr>
-          <p:nvPr>
-            <p:ph type="sldNum" sz="quarter" idx="12"/>
-          </p:nvPr>
-        </p:nvSpPr>
-        <p:spPr/>
-        <p:txBody>
-          <a:bodyPr/>
-          <a:lstStyle/>
-          <a:p>
-            <a:fld id="{38DF255E-9420-4F7A-80EB-BC56962E5981}" type="slidenum">
-              <a:rPr lang="pt-PT" smtClean="0"/>
-              <a:pPr/>
-              <a:t>24</a:t>
-            </a:fld>
-            <a:endParaRPr lang="pt-PT" dirty="0"/>
-          </a:p>
-        </p:txBody>
-      </p:sp>
-    </p:spTree>
-    <p:extLst>
-      <p:ext uri="{BB962C8B-B14F-4D97-AF65-F5344CB8AC3E}">
-        <p14:creationId xmlns:p14="http://schemas.microsoft.com/office/powerpoint/2010/main" val="2123864331"/>
-      </p:ext>
-    </p:extLst>
-  </p:cSld>
-  <p:clrMapOvr>
-    <a:masterClrMapping/>
-  </p:clrMapOvr>
-  <mc:AlternateContent xmlns:mc="http://schemas.openxmlformats.org/markup-compatibility/2006" xmlns:p14="http://schemas.microsoft.com/office/powerpoint/2010/main">
-    <mc:Choice Requires="p14">
-      <p:transition p14:dur="0"/>
-    </mc:Choice>
-    <mc:Fallback xmlns="">
-      <p:transition/>
-    </mc:Fallback>
-  </mc:AlternateContent>
-  <p:timing>
-    <p:tnLst>
-      <p:par>
-        <p:cTn id="1" dur="indefinite" restart="never" nodeType="tmRoot"/>
-      </p:par>
-    </p:tnLst>
-  </p:timing>
-</p:sld>
-</file>
-
-<file path=ppt/slides/slide25.xml><?xml version="1.0" encoding="utf-8"?>
-<p:sld xmlns:a="http://schemas.openxmlformats.org/drawingml/2006/main" xmlns:r="http://schemas.openxmlformats.org/officeDocument/2006/relationships" xmlns:p="http://schemas.openxmlformats.org/presentationml/2006/main">
-  <p:cSld>
-    <p:spTree>
-      <p:nvGrpSpPr>
-        <p:cNvPr id="1" name=""/>
-        <p:cNvGrpSpPr/>
-        <p:nvPr/>
-      </p:nvGrpSpPr>
-      <p:grpSpPr>
-        <a:xfrm>
-          <a:off x="0" y="0"/>
-          <a:ext cx="0" cy="0"/>
-          <a:chOff x="0" y="0"/>
-          <a:chExt cx="0" cy="0"/>
-        </a:xfrm>
-      </p:grpSpPr>
       <p:pic>
         <p:nvPicPr>
           <p:cNvPr id="12" name="Picture 6" descr="http://ussu.co.uk/files/minisites/1443/faq(1).jpg"/>
@@ -13000,7 +8035,7 @@
           <a:p>
             <a:fld id="{38DF255E-9420-4F7A-80EB-BC56962E5981}" type="slidenum">
               <a:rPr lang="pt-PT" sz="1600" smtClean="0"/>
-              <a:t>25</a:t>
+              <a:t>20</a:t>
             </a:fld>
             <a:endParaRPr lang="pt-PT" sz="1600" dirty="0"/>
           </a:p>
@@ -13094,7 +8129,7 @@
 </p:sld>
 </file>
 
-<file path=ppt/slides/slide26.xml><?xml version="1.0" encoding="utf-8"?>
+<file path=ppt/slides/slide21.xml><?xml version="1.0" encoding="utf-8"?>
 <p:sld xmlns:a="http://schemas.openxmlformats.org/drawingml/2006/main" xmlns:r="http://schemas.openxmlformats.org/officeDocument/2006/relationships" xmlns:p="http://schemas.openxmlformats.org/presentationml/2006/main">
   <p:cSld>
     <p:spTree>
@@ -13170,7 +8205,7 @@
           <a:p>
             <a:fld id="{38DF255E-9420-4F7A-80EB-BC56962E5981}" type="slidenum">
               <a:rPr lang="pt-PT" smtClean="0"/>
-              <a:t>26</a:t>
+              <a:t>21</a:t>
             </a:fld>
             <a:endParaRPr lang="pt-PT"/>
           </a:p>
@@ -13204,7 +8239,7 @@
 </p:sld>
 </file>
 
-<file path=ppt/slides/slide27.xml><?xml version="1.0" encoding="utf-8"?>
+<file path=ppt/slides/slide22.xml><?xml version="1.0" encoding="utf-8"?>
 <p:sld xmlns:a="http://schemas.openxmlformats.org/drawingml/2006/main" xmlns:r="http://schemas.openxmlformats.org/officeDocument/2006/relationships" xmlns:p="http://schemas.openxmlformats.org/presentationml/2006/main">
   <p:cSld>
     <p:spTree>
@@ -14268,7 +9303,7 @@
             <a:fld id="{38DF255E-9420-4F7A-80EB-BC56962E5981}" type="slidenum">
               <a:rPr lang="pt-PT" smtClean="0"/>
               <a:pPr/>
-              <a:t>27</a:t>
+              <a:t>22</a:t>
             </a:fld>
             <a:endParaRPr lang="pt-PT" dirty="0"/>
           </a:p>
@@ -14302,7 +9337,7 @@
 </p:sld>
 </file>
 
-<file path=ppt/slides/slide28.xml><?xml version="1.0" encoding="utf-8"?>
+<file path=ppt/slides/slide23.xml><?xml version="1.0" encoding="utf-8"?>
 <p:sld xmlns:a="http://schemas.openxmlformats.org/drawingml/2006/main" xmlns:r="http://schemas.openxmlformats.org/officeDocument/2006/relationships" xmlns:p="http://schemas.openxmlformats.org/presentationml/2006/main">
   <p:cSld>
     <p:spTree>
@@ -14979,7 +10014,7 @@
           <a:p>
             <a:fld id="{38DF255E-9420-4F7A-80EB-BC56962E5981}" type="slidenum">
               <a:rPr lang="pt-PT" smtClean="0"/>
-              <a:t>28</a:t>
+              <a:t>23</a:t>
             </a:fld>
             <a:endParaRPr lang="pt-PT"/>
           </a:p>
@@ -15050,7 +10085,6 @@
               <a:rPr lang="en-US" altLang="en-US" noProof="0" dirty="0" smtClean="0"/>
               <a:t>Why another AOP language?</a:t>
             </a:r>
-            <a:endParaRPr lang="en-US" altLang="en-US" noProof="0" dirty="0" smtClean="0"/>
           </a:p>
         </p:txBody>
       </p:sp>
@@ -15436,9 +10470,6 @@
               </a:rPr>
               <a:t>The LARA Language</a:t>
             </a:r>
-            <a:endParaRPr lang="en-US" altLang="en-US" noProof="0" dirty="0" smtClean="0">
-              <a:ea typeface="ＭＳ Ｐゴシック" pitchFamily="34" charset="-128"/>
-            </a:endParaRPr>
           </a:p>
         </p:txBody>
       </p:sp>
@@ -17249,7 +12280,6 @@
               <a:rPr lang="en-US" sz="1400" dirty="0" smtClean="0"/>
               <a:t>(64);</a:t>
             </a:r>
-            <a:endParaRPr lang="en-US" sz="1400" dirty="0" smtClean="0"/>
           </a:p>
           <a:p>
             <a:pPr eaLnBrk="1" hangingPunct="1">
@@ -18666,13 +13696,7 @@
               <a:rPr lang="en-US" sz="1200" dirty="0" smtClean="0">
                 <a:latin typeface="Consolas" panose="020B0609020204030204" pitchFamily="49" charset="0"/>
               </a:rPr>
-              <a:t>'more code</a:t>
-            </a:r>
-            <a:r>
-              <a:rPr lang="en-US" sz="1200" dirty="0" smtClean="0">
-                <a:latin typeface="Consolas" panose="020B0609020204030204" pitchFamily="49" charset="0"/>
-              </a:rPr>
-              <a:t>';</a:t>
+              <a:t>'more code';</a:t>
             </a:r>
             <a:r>
               <a:rPr lang="pt-PT" sz="1200" dirty="0" smtClean="0">
@@ -18743,13 +13767,7 @@
               <a:rPr lang="pt-PT" sz="1200" dirty="0" smtClean="0">
                 <a:latin typeface="Consolas" panose="020B0609020204030204" pitchFamily="49" charset="0"/>
               </a:rPr>
-              <a:t>$</a:t>
-            </a:r>
-            <a:r>
-              <a:rPr lang="pt-PT" sz="1200" dirty="0" smtClean="0">
-                <a:latin typeface="Consolas" panose="020B0609020204030204" pitchFamily="49" charset="0"/>
-              </a:rPr>
-              <a:t>loop.</a:t>
+              <a:t>$loop.</a:t>
             </a:r>
             <a:r>
               <a:rPr lang="pt-PT" sz="1200" dirty="0" smtClean="0">
@@ -18821,13 +13839,7 @@
               <a:rPr lang="pt-PT" sz="1200" dirty="0" smtClean="0">
                 <a:latin typeface="Consolas" panose="020B0609020204030204" pitchFamily="49" charset="0"/>
               </a:rPr>
-              <a:t>type</a:t>
-            </a:r>
-            <a:r>
-              <a:rPr lang="pt-PT" sz="1200" dirty="0" smtClean="0">
-                <a:latin typeface="Consolas" panose="020B0609020204030204" pitchFamily="49" charset="0"/>
-              </a:rPr>
-              <a:t>=</a:t>
+              <a:t>type=</a:t>
             </a:r>
             <a:r>
               <a:rPr lang="en-US" sz="1200" dirty="0">
@@ -19054,15 +14066,7 @@
                   <a:srgbClr val="C00000"/>
                 </a:solidFill>
               </a:rPr>
-              <a:t>insert </a:t>
-            </a:r>
-            <a:r>
-              <a:rPr lang="pt-PT" sz="1600" dirty="0" smtClean="0">
-                <a:solidFill>
-                  <a:srgbClr val="C00000"/>
-                </a:solidFill>
-              </a:rPr>
-              <a:t>before|after|replace</a:t>
+              <a:t>insert before|after|replace</a:t>
             </a:r>
           </a:p>
           <a:p>
@@ -19084,23 +14088,13 @@
               </a:rPr>
               <a:t>exec</a:t>
             </a:r>
-            <a:endParaRPr lang="pt-PT" sz="1600" dirty="0" smtClean="0">
-              <a:solidFill>
-                <a:srgbClr val="C00000"/>
-              </a:solidFill>
-            </a:endParaRPr>
           </a:p>
           <a:p>
             <a:pPr lvl="1"/>
             <a:r>
               <a:rPr lang="pt-PT" sz="1400" dirty="0" smtClean="0"/>
-              <a:t>For executing a compiler </a:t>
-            </a:r>
-            <a:r>
-              <a:rPr lang="pt-PT" sz="1400" dirty="0" smtClean="0"/>
-              <a:t>action</a:t>
-            </a:r>
-            <a:endParaRPr lang="pt-PT" sz="1400" dirty="0" smtClean="0"/>
+              <a:t>For executing a compiler action</a:t>
+            </a:r>
           </a:p>
           <a:p>
             <a:pPr marL="0" indent="0">
@@ -19114,21 +14108,12 @@
               </a:rPr>
               <a:t>def</a:t>
             </a:r>
-            <a:endParaRPr lang="pt-PT" sz="1600" dirty="0" smtClean="0">
-              <a:solidFill>
-                <a:srgbClr val="C00000"/>
-              </a:solidFill>
-            </a:endParaRPr>
           </a:p>
           <a:p>
             <a:pPr lvl="1"/>
             <a:r>
               <a:rPr lang="pt-PT" sz="1400" dirty="0" smtClean="0"/>
-              <a:t>For defining the value of </a:t>
-            </a:r>
-            <a:r>
-              <a:rPr lang="pt-PT" sz="1400" dirty="0" smtClean="0"/>
-              <a:t>an attribute</a:t>
+              <a:t>For defining the value of an attribute</a:t>
             </a:r>
             <a:endParaRPr lang="pt-PT" sz="1400" dirty="0"/>
           </a:p>
@@ -20037,7 +15022,6 @@
               <a:rPr lang="en-US" noProof="0" dirty="0" smtClean="0"/>
               <a:t>Design benefits that are similar to AspectJ</a:t>
             </a:r>
-            <a:endParaRPr lang="en-US" noProof="0" dirty="0" smtClean="0"/>
           </a:p>
         </p:txBody>
       </p:sp>

--- a/Tutorial-2018-INDIN/Clava-Tutorial.pptx
+++ b/Tutorial-2018-INDIN/Clava-Tutorial.pptx
@@ -168,13 +168,13 @@
             <p14:sldId id="478"/>
             <p14:sldId id="462"/>
             <p14:sldId id="430"/>
-            <p14:sldId id="445"/>
-            <p14:sldId id="444"/>
-            <p14:sldId id="424"/>
           </p14:sldIdLst>
         </p14:section>
         <p14:section name="Backup" id="{4FB6FABA-96AC-493F-AB5C-3ECE333F106A}">
           <p14:sldIdLst>
+            <p14:sldId id="445"/>
+            <p14:sldId id="444"/>
+            <p14:sldId id="424"/>
             <p14:sldId id="474"/>
             <p14:sldId id="475"/>
           </p14:sldIdLst>
@@ -289,7 +289,7 @@
           <a:p>
             <a:fld id="{66AE5350-AC3F-450D-9BE8-FD18FF5D5C25}" type="datetimeFigureOut">
               <a:rPr lang="pt-PT" smtClean="0"/>
-              <a:t>17/07/2018</a:t>
+              <a:t>18/07/2018</a:t>
             </a:fld>
             <a:endParaRPr lang="pt-PT"/>
           </a:p>
@@ -1110,34 +1110,17 @@
           <a:p>
             <a:r>
               <a:rPr lang="en-US" dirty="0" smtClean="0"/>
-              <a:t>NOTE</a:t>
-            </a:r>
-            <a:r>
-              <a:rPr lang="en-US" dirty="0" smtClean="0"/>
-              <a:t>: printing the report uses</a:t>
+              <a:t>NOTE: printing the report uses</a:t>
             </a:r>
             <a:r>
               <a:rPr lang="en-US" baseline="0" dirty="0" smtClean="0"/>
-              <a:t> JS, mention how JS can help in </a:t>
-            </a:r>
+              <a:t> JS, mention how JS can help in aspects</a:t>
+            </a:r>
+          </a:p>
+          <a:p>
             <a:r>
               <a:rPr lang="en-US" baseline="0" dirty="0" smtClean="0"/>
-              <a:t>aspects</a:t>
-            </a:r>
-            <a:endParaRPr lang="en-US" baseline="0" dirty="0" smtClean="0"/>
-          </a:p>
-          <a:p>
-            <a:r>
-              <a:rPr lang="en-US" baseline="0" dirty="0" smtClean="0"/>
-              <a:t>NOTE: explain how this could be extended with other points and attributes and segue into the </a:t>
-            </a:r>
-            <a:r>
-              <a:rPr lang="en-US" baseline="0" dirty="0" smtClean="0"/>
-              <a:t>language specs </a:t>
-            </a:r>
-            <a:r>
-              <a:rPr lang="en-US" baseline="0" dirty="0" smtClean="0"/>
-              <a:t>docs</a:t>
+              <a:t>NOTE: explain how this could be extended with other points and attributes and segue into the language specs docs</a:t>
             </a:r>
             <a:endParaRPr lang="en-US" dirty="0"/>
           </a:p>
@@ -1320,11 +1303,7 @@
           <a:p>
             <a:r>
               <a:rPr lang="en-US" dirty="0" smtClean="0"/>
-              <a:t>NOTE</a:t>
-            </a:r>
-            <a:r>
-              <a:rPr lang="en-US" dirty="0" smtClean="0"/>
-              <a:t>: present and explain </a:t>
+              <a:t>NOTE: present and explain </a:t>
             </a:r>
             <a:r>
               <a:rPr lang="en-US" dirty="0" err="1" smtClean="0"/>
@@ -1340,11 +1319,7 @@
             </a:r>
             <a:r>
               <a:rPr lang="en-US" dirty="0" smtClean="0"/>
-              <a:t>reuse, </a:t>
-            </a:r>
-            <a:r>
-              <a:rPr lang="en-US" dirty="0" smtClean="0"/>
-              <a:t>efficiency</a:t>
+              <a:t>reuse, efficiency</a:t>
             </a:r>
           </a:p>
           <a:p>
@@ -1530,11 +1505,7 @@
           <a:p>
             <a:r>
               <a:rPr lang="en-US" dirty="0" smtClean="0"/>
-              <a:t>NOTE</a:t>
-            </a:r>
-            <a:r>
-              <a:rPr lang="en-US" dirty="0" smtClean="0"/>
-              <a:t>: explain imports (user and Clava)</a:t>
+              <a:t>NOTE: explain imports (user and Clava)</a:t>
             </a:r>
           </a:p>
           <a:p>
@@ -1570,11 +1541,7 @@
             </a:r>
             <a:r>
               <a:rPr lang="en-US" dirty="0" smtClean="0"/>
-              <a:t> </a:t>
-            </a:r>
-            <a:r>
-              <a:rPr lang="en-US" dirty="0" smtClean="0"/>
-              <a:t>Docs</a:t>
+              <a:t> Docs</a:t>
             </a:r>
           </a:p>
           <a:p>
@@ -1836,11 +1803,7 @@
           <a:p>
             <a:r>
               <a:rPr lang="en-US" dirty="0" smtClean="0"/>
-              <a:t>NOTE: API allows us to abstract from target language, show C and C++ generated </a:t>
-            </a:r>
-            <a:r>
-              <a:rPr lang="en-US" dirty="0" smtClean="0"/>
-              <a:t>code, also</a:t>
+              <a:t>NOTE: API allows us to abstract from target language, show C and C++ generated code, also</a:t>
             </a:r>
             <a:r>
               <a:rPr lang="en-US" baseline="0" dirty="0" smtClean="0"/>
@@ -1859,15 +1822,7 @@
             </a:r>
             <a:r>
               <a:rPr lang="en-US" dirty="0" smtClean="0"/>
-              <a:t> case where this exact aspect can be used in Java (</a:t>
-            </a:r>
-            <a:r>
-              <a:rPr lang="en-US" dirty="0" smtClean="0"/>
-              <a:t>go </a:t>
-            </a:r>
-            <a:r>
-              <a:rPr lang="en-US" dirty="0" smtClean="0"/>
-              <a:t>to </a:t>
+              <a:t> case where this exact aspect can be used in Java (go to </a:t>
             </a:r>
             <a:r>
               <a:rPr lang="en-US" dirty="0" err="1" smtClean="0"/>
@@ -1988,11 +1943,7 @@
           <a:p>
             <a:r>
               <a:rPr lang="en-US" dirty="0" smtClean="0"/>
-              <a:t>NOTE: </a:t>
-            </a:r>
-            <a:r>
-              <a:rPr lang="en-US" dirty="0" smtClean="0"/>
-              <a:t>stress this returns a function join point, which can be used with all aspects we've seen so far</a:t>
+              <a:t>NOTE: stress this returns a function join point, which can be used with all aspects we've seen so far</a:t>
             </a:r>
           </a:p>
           <a:p>
@@ -2086,15 +2037,7 @@
           <a:p>
             <a:r>
               <a:rPr lang="en-US" dirty="0" smtClean="0"/>
-              <a:t>NOTE</a:t>
-            </a:r>
-            <a:r>
-              <a:rPr lang="en-US" dirty="0" smtClean="0"/>
-              <a:t>: stress that analysis is performed automatically and the library decides what and how to </a:t>
-            </a:r>
-            <a:r>
-              <a:rPr lang="en-US" dirty="0" smtClean="0"/>
-              <a:t>parallelize</a:t>
+              <a:t>NOTE: stress that analysis is performed automatically and the library decides what and how to parallelize</a:t>
             </a:r>
           </a:p>
           <a:p>
@@ -3970,13 +3913,7 @@
               <a:rPr lang="en-US" altLang="en-US" dirty="0" smtClean="0">
                 <a:ea typeface="ＭＳ Ｐゴシック" pitchFamily="34" charset="-128"/>
               </a:rPr>
-              <a:t>- Weaving </a:t>
-            </a:r>
-            <a:r>
-              <a:rPr lang="en-US" altLang="en-US" dirty="0" smtClean="0">
-                <a:ea typeface="ＭＳ Ｐゴシック" pitchFamily="34" charset="-128"/>
-              </a:rPr>
-              <a:t>engine responsible to target a specific language</a:t>
+              <a:t>- Weaving engine responsible to target a specific language</a:t>
             </a:r>
             <a:endParaRPr lang="en-US" altLang="en-US" noProof="0" dirty="0" smtClean="0">
               <a:ea typeface="ＭＳ Ｐゴシック" pitchFamily="34" charset="-128"/>
@@ -4553,7 +4490,7 @@
           <a:p>
             <a:fld id="{0880A5D9-4097-4A6C-8088-0841273FE47A}" type="datetime1">
               <a:rPr lang="pt-PT" smtClean="0"/>
-              <a:t>17/07/2018</a:t>
+              <a:t>18/07/2018</a:t>
             </a:fld>
             <a:endParaRPr lang="pt-PT"/>
           </a:p>
@@ -4723,7 +4660,7 @@
           <a:p>
             <a:fld id="{5321D5B1-B843-4CEB-B5BF-0E0325A81FBE}" type="datetime1">
               <a:rPr lang="pt-PT" smtClean="0"/>
-              <a:t>17/07/2018</a:t>
+              <a:t>18/07/2018</a:t>
             </a:fld>
             <a:endParaRPr lang="pt-PT"/>
           </a:p>
@@ -4903,7 +4840,7 @@
           <a:p>
             <a:fld id="{6700CC93-6365-4109-81E9-C756FF5E382B}" type="datetime1">
               <a:rPr lang="pt-PT" smtClean="0"/>
-              <a:t>17/07/2018</a:t>
+              <a:t>18/07/2018</a:t>
             </a:fld>
             <a:endParaRPr lang="pt-PT"/>
           </a:p>
@@ -5073,7 +5010,7 @@
           <a:p>
             <a:fld id="{1F0AD53C-67ED-41F4-B8B4-46B74DB9B88E}" type="datetime1">
               <a:rPr lang="pt-PT" smtClean="0"/>
-              <a:t>17/07/2018</a:t>
+              <a:t>18/07/2018</a:t>
             </a:fld>
             <a:endParaRPr lang="pt-PT"/>
           </a:p>
@@ -5338,7 +5275,7 @@
           <a:p>
             <a:fld id="{95A3DF60-08F3-423F-BC2C-5A39B101E248}" type="datetime1">
               <a:rPr lang="pt-PT" smtClean="0"/>
-              <a:t>17/07/2018</a:t>
+              <a:t>18/07/2018</a:t>
             </a:fld>
             <a:endParaRPr lang="pt-PT"/>
           </a:p>
@@ -5577,7 +5514,7 @@
           <a:p>
             <a:fld id="{D22F3CE2-7CA6-418F-86FA-715C1A17D2FE}" type="datetime1">
               <a:rPr lang="pt-PT" smtClean="0"/>
-              <a:t>17/07/2018</a:t>
+              <a:t>18/07/2018</a:t>
             </a:fld>
             <a:endParaRPr lang="pt-PT"/>
           </a:p>
@@ -5944,7 +5881,7 @@
           <a:p>
             <a:fld id="{C768C065-5A09-4F5D-93F7-27A7FE0A18C6}" type="datetime1">
               <a:rPr lang="pt-PT" smtClean="0"/>
-              <a:t>17/07/2018</a:t>
+              <a:t>18/07/2018</a:t>
             </a:fld>
             <a:endParaRPr lang="pt-PT"/>
           </a:p>
@@ -6062,7 +5999,7 @@
           <a:p>
             <a:fld id="{3629EFB8-4EDE-4888-8F14-1A56D2237630}" type="datetime1">
               <a:rPr lang="pt-PT" smtClean="0"/>
-              <a:t>17/07/2018</a:t>
+              <a:t>18/07/2018</a:t>
             </a:fld>
             <a:endParaRPr lang="pt-PT"/>
           </a:p>
@@ -6157,7 +6094,7 @@
           <a:p>
             <a:fld id="{250FF9E8-EEF6-4D9F-A0F4-85C3FCE92D05}" type="datetime1">
               <a:rPr lang="pt-PT" smtClean="0"/>
-              <a:t>17/07/2018</a:t>
+              <a:t>18/07/2018</a:t>
             </a:fld>
             <a:endParaRPr lang="pt-PT"/>
           </a:p>
@@ -6434,7 +6371,7 @@
           <a:p>
             <a:fld id="{677FAEAC-3DCA-4F73-99D8-9EBA4021D811}" type="datetime1">
               <a:rPr lang="pt-PT" smtClean="0"/>
-              <a:t>17/07/2018</a:t>
+              <a:t>18/07/2018</a:t>
             </a:fld>
             <a:endParaRPr lang="pt-PT"/>
           </a:p>
@@ -6691,7 +6628,7 @@
           <a:p>
             <a:fld id="{2A6A5DB0-2047-4E92-A27F-4E2C282137CB}" type="datetime1">
               <a:rPr lang="pt-PT" smtClean="0"/>
-              <a:t>17/07/2018</a:t>
+              <a:t>18/07/2018</a:t>
             </a:fld>
             <a:endParaRPr lang="pt-PT"/>
           </a:p>
@@ -6904,7 +6841,7 @@
           <a:p>
             <a:fld id="{2AD45C63-42A9-4CCA-AA89-802A76D98AB4}" type="datetime1">
               <a:rPr lang="pt-PT" smtClean="0"/>
-              <a:t>17/07/2018</a:t>
+              <a:t>18/07/2018</a:t>
             </a:fld>
             <a:endParaRPr lang="pt-PT"/>
           </a:p>
@@ -7515,12 +7452,6 @@
               </a:rPr>
               <a:t>2018-07-18 – INDIN 2018</a:t>
             </a:r>
-            <a:endParaRPr lang="pt-PT" dirty="0" smtClean="0">
-              <a:solidFill>
-                <a:srgbClr val="757575"/>
-              </a:solidFill>
-              <a:latin typeface="Open Sans"/>
-            </a:endParaRPr>
           </a:p>
         </p:txBody>
       </p:sp>
@@ -11241,11 +11172,7 @@
             </a:r>
             <a:r>
               <a:rPr lang="en-US" dirty="0" smtClean="0"/>
-              <a:t> </a:t>
-            </a:r>
-            <a:r>
-              <a:rPr lang="en-US" dirty="0" smtClean="0"/>
-              <a:t>is a </a:t>
+              <a:t> is a </a:t>
             </a:r>
             <a:r>
               <a:rPr lang="en-US" b="1" dirty="0" smtClean="0"/>
@@ -11253,25 +11180,16 @@
             </a:r>
             <a:r>
               <a:rPr lang="en-US" dirty="0" smtClean="0"/>
-              <a:t> </a:t>
-            </a:r>
-            <a:r>
-              <a:rPr lang="en-US" dirty="0" smtClean="0"/>
-              <a:t>C/C++ compiler </a:t>
-            </a:r>
+              <a:t> C/C++ compiler </a:t>
+            </a:r>
+          </a:p>
+          <a:p>
             <a:endParaRPr lang="en-US" dirty="0" smtClean="0"/>
           </a:p>
           <a:p>
-            <a:endParaRPr lang="en-US" dirty="0" smtClean="0"/>
-          </a:p>
-          <a:p>
             <a:r>
               <a:rPr lang="en-US" b="1" dirty="0" smtClean="0"/>
-              <a:t>Strategy </a:t>
-            </a:r>
-            <a:r>
-              <a:rPr lang="en-US" b="1" dirty="0" smtClean="0"/>
-              <a:t>reusability</a:t>
+              <a:t>Strategy reusability</a:t>
             </a:r>
             <a:r>
               <a:rPr lang="en-US" dirty="0" smtClean="0"/>
@@ -11288,15 +11206,7 @@
             </a:r>
             <a:r>
               <a:rPr lang="en-US" dirty="0" smtClean="0"/>
-              <a:t>, structural/syntactic </a:t>
-            </a:r>
-            <a:r>
-              <a:rPr lang="en-US" dirty="0" smtClean="0"/>
-              <a:t>points </a:t>
-            </a:r>
-            <a:r>
-              <a:rPr lang="en-US" dirty="0" smtClean="0"/>
-              <a:t>with </a:t>
+              <a:t>, structural/syntactic points with </a:t>
             </a:r>
             <a:r>
               <a:rPr lang="en-US" b="1" dirty="0" smtClean="0"/>
@@ -13788,7 +13698,6 @@
               <a:rPr lang="en-US" altLang="en-US" noProof="0" dirty="0" smtClean="0"/>
               <a:t>AOP Approach</a:t>
             </a:r>
-            <a:endParaRPr lang="en-US" altLang="en-US" noProof="0" dirty="0" smtClean="0"/>
           </a:p>
         </p:txBody>
       </p:sp>
@@ -15199,19 +15108,7 @@
               <a:rPr lang="en-US" altLang="en-US" noProof="0" dirty="0" smtClean="0">
                 <a:ea typeface="ＭＳ Ｐゴシック" pitchFamily="34" charset="-128"/>
               </a:rPr>
-              <a:t>Strategies written separately from </a:t>
-            </a:r>
-            <a:r>
-              <a:rPr lang="en-US" altLang="en-US" noProof="0" dirty="0" smtClean="0">
-                <a:ea typeface="ＭＳ Ｐゴシック" pitchFamily="34" charset="-128"/>
-              </a:rPr>
-              <a:t>application logic </a:t>
-            </a:r>
-            <a:r>
-              <a:rPr lang="en-US" altLang="en-US" noProof="0" dirty="0" smtClean="0">
-                <a:ea typeface="ＭＳ Ｐゴシック" pitchFamily="34" charset="-128"/>
-              </a:rPr>
-              <a:t>code</a:t>
+              <a:t>Strategies written separately from application logic code</a:t>
             </a:r>
           </a:p>
           <a:p>
@@ -17174,15 +17071,7 @@
           <a:p>
             <a:r>
               <a:rPr lang="en-US" noProof="0" dirty="0" smtClean="0"/>
-              <a:t>Access </a:t>
-            </a:r>
-            <a:r>
-              <a:rPr lang="en-US" noProof="0" dirty="0" smtClean="0"/>
-              <a:t>points </a:t>
-            </a:r>
-            <a:r>
-              <a:rPr lang="en-US" noProof="0" dirty="0" smtClean="0"/>
-              <a:t>on the source code</a:t>
+              <a:t>Access points on the source code</a:t>
             </a:r>
           </a:p>
           <a:p>
@@ -17196,11 +17085,7 @@
             </a:r>
             <a:r>
               <a:rPr lang="en-US" noProof="0" dirty="0" smtClean="0"/>
-              <a:t>point </a:t>
-            </a:r>
-            <a:r>
-              <a:rPr lang="en-US" noProof="0" dirty="0" smtClean="0"/>
-              <a:t>chain</a:t>
+              <a:t>point chain</a:t>
             </a:r>
           </a:p>
           <a:p>
@@ -17217,11 +17102,7 @@
           <a:p>
             <a:r>
               <a:rPr lang="en-US" dirty="0" smtClean="0"/>
-              <a:t>Points </a:t>
-            </a:r>
-            <a:r>
-              <a:rPr lang="en-US" dirty="0" smtClean="0"/>
-              <a:t>not present in the chain are inferred</a:t>
+              <a:t>Points not present in the chain are inferred</a:t>
             </a:r>
           </a:p>
           <a:p>
@@ -17864,11 +17745,7 @@
             </a:r>
             <a:r>
               <a:rPr lang="en-US" sz="1400" dirty="0" smtClean="0"/>
-              <a:t>function{name</a:t>
-            </a:r>
-            <a:r>
-              <a:rPr lang="en-US" sz="1400" dirty="0" smtClean="0"/>
-              <a:t>==</a:t>
+              <a:t>function{name==</a:t>
             </a:r>
             <a:r>
               <a:rPr lang="en-US" sz="1400" dirty="0" smtClean="0">
@@ -18211,43 +18088,19 @@
           <a:p>
             <a:r>
               <a:rPr lang="en-US" noProof="0" dirty="0" smtClean="0"/>
-              <a:t>Iterates over the selected </a:t>
-            </a:r>
+              <a:t>Iterates over the selected points (prefixed with $) </a:t>
+            </a:r>
+          </a:p>
+          <a:p>
             <a:r>
               <a:rPr lang="en-US" noProof="0" dirty="0" smtClean="0"/>
-              <a:t>points </a:t>
-            </a:r>
-            <a:r>
-              <a:rPr lang="en-US" noProof="0" dirty="0" smtClean="0"/>
-              <a:t>(prefixed with $) </a:t>
-            </a:r>
-          </a:p>
-          <a:p>
-            <a:r>
-              <a:rPr lang="en-US" noProof="0" dirty="0" smtClean="0"/>
-              <a:t>Any </a:t>
-            </a:r>
-            <a:r>
-              <a:rPr lang="en-US" noProof="0" dirty="0" smtClean="0"/>
-              <a:t>point </a:t>
-            </a:r>
-            <a:r>
-              <a:rPr lang="en-US" noProof="0" dirty="0" smtClean="0"/>
-              <a:t>in the select statement can be accessed</a:t>
+              <a:t>Any point in the select statement can be accessed</a:t>
             </a:r>
           </a:p>
           <a:p>
             <a:r>
               <a:rPr lang="en-US" dirty="0" smtClean="0"/>
-              <a:t>Can access </a:t>
-            </a:r>
-            <a:r>
-              <a:rPr lang="en-US" dirty="0" smtClean="0"/>
-              <a:t>point </a:t>
-            </a:r>
-            <a:r>
-              <a:rPr lang="en-US" dirty="0" smtClean="0"/>
-              <a:t>attributes</a:t>
+              <a:t>Can access point attributes</a:t>
             </a:r>
             <a:endParaRPr lang="en-US" noProof="0" dirty="0" smtClean="0"/>
           </a:p>
@@ -18563,13 +18416,7 @@
               <a:rPr lang="en-US" sz="1200" dirty="0" smtClean="0">
                 <a:latin typeface="Consolas" panose="020B0609020204030204" pitchFamily="49" charset="0"/>
               </a:rPr>
-              <a:t>interchange</a:t>
-            </a:r>
-            <a:r>
-              <a:rPr lang="en-US" sz="1200" dirty="0" smtClean="0">
-                <a:latin typeface="Consolas" panose="020B0609020204030204" pitchFamily="49" charset="0"/>
-              </a:rPr>
-              <a:t>($</a:t>
+              <a:t>interchange($</a:t>
             </a:r>
             <a:r>
               <a:rPr lang="en-US" sz="1200" dirty="0" err="1" smtClean="0">
